--- a/figures/実験画像.pptx
+++ b/figures/実験画像.pptx
@@ -5,10 +5,15 @@
     <p:sldMasterId id="2147483648" r:id="rId1"/>
   </p:sldMasterIdLst>
   <p:sldIdLst>
-    <p:sldId id="256" r:id="rId2"/>
-    <p:sldId id="257" r:id="rId3"/>
-    <p:sldId id="259" r:id="rId4"/>
-    <p:sldId id="260" r:id="rId5"/>
+    <p:sldId id="257" r:id="rId2"/>
+    <p:sldId id="259" r:id="rId3"/>
+    <p:sldId id="260" r:id="rId4"/>
+    <p:sldId id="262" r:id="rId5"/>
+    <p:sldId id="263" r:id="rId6"/>
+    <p:sldId id="264" r:id="rId7"/>
+    <p:sldId id="265" r:id="rId8"/>
+    <p:sldId id="266" r:id="rId9"/>
+    <p:sldId id="267" r:id="rId10"/>
   </p:sldIdLst>
   <p:sldSz cx="12192000" cy="6858000"/>
   <p:notesSz cx="6858000" cy="9144000"/>
@@ -3603,86 +3608,6 @@
 <file path=ppt/slides/slide1.xml><?xml version="1.0" encoding="utf-8"?>
 <p:sld xmlns:a="http://schemas.openxmlformats.org/drawingml/2006/main" xmlns:r="http://schemas.openxmlformats.org/officeDocument/2006/relationships" xmlns:p="http://schemas.openxmlformats.org/presentationml/2006/main">
   <p:cSld>
-    <p:spTree>
-      <p:nvGrpSpPr>
-        <p:cNvPr id="1" name=""/>
-        <p:cNvGrpSpPr/>
-        <p:nvPr/>
-      </p:nvGrpSpPr>
-      <p:grpSpPr>
-        <a:xfrm>
-          <a:off x="0" y="0"/>
-          <a:ext cx="0" cy="0"/>
-          <a:chOff x="0" y="0"/>
-          <a:chExt cx="0" cy="0"/>
-        </a:xfrm>
-      </p:grpSpPr>
-      <p:sp>
-        <p:nvSpPr>
-          <p:cNvPr id="2" name="タイトル 1">
-            <a:extLst>
-              <a:ext uri="{FF2B5EF4-FFF2-40B4-BE49-F238E27FC236}">
-                <a16:creationId xmlns:a16="http://schemas.microsoft.com/office/drawing/2014/main" id="{2ED5DE6E-785E-1E53-255D-97C66A2D2AE6}"/>
-              </a:ext>
-            </a:extLst>
-          </p:cNvPr>
-          <p:cNvSpPr>
-            <a:spLocks noGrp="1"/>
-          </p:cNvSpPr>
-          <p:nvPr>
-            <p:ph type="ctrTitle"/>
-          </p:nvPr>
-        </p:nvSpPr>
-        <p:spPr/>
-        <p:txBody>
-          <a:bodyPr/>
-          <a:lstStyle/>
-          <a:p>
-            <a:endParaRPr kumimoji="1" lang="ja-JP" altLang="en-US"/>
-          </a:p>
-        </p:txBody>
-      </p:sp>
-      <p:sp>
-        <p:nvSpPr>
-          <p:cNvPr id="3" name="字幕 2">
-            <a:extLst>
-              <a:ext uri="{FF2B5EF4-FFF2-40B4-BE49-F238E27FC236}">
-                <a16:creationId xmlns:a16="http://schemas.microsoft.com/office/drawing/2014/main" id="{D8F81685-A1F6-26AD-2CC9-8E342A59F620}"/>
-              </a:ext>
-            </a:extLst>
-          </p:cNvPr>
-          <p:cNvSpPr>
-            <a:spLocks noGrp="1"/>
-          </p:cNvSpPr>
-          <p:nvPr>
-            <p:ph type="subTitle" idx="1"/>
-          </p:nvPr>
-        </p:nvSpPr>
-        <p:spPr/>
-        <p:txBody>
-          <a:bodyPr/>
-          <a:lstStyle/>
-          <a:p>
-            <a:endParaRPr kumimoji="1" lang="ja-JP" altLang="en-US"/>
-          </a:p>
-        </p:txBody>
-      </p:sp>
-    </p:spTree>
-    <p:extLst>
-      <p:ext uri="{BB962C8B-B14F-4D97-AF65-F5344CB8AC3E}">
-        <p14:creationId xmlns:p14="http://schemas.microsoft.com/office/powerpoint/2010/main" val="9026106"/>
-      </p:ext>
-    </p:extLst>
-  </p:cSld>
-  <p:clrMapOvr>
-    <a:masterClrMapping/>
-  </p:clrMapOvr>
-</p:sld>
-</file>
-
-<file path=ppt/slides/slide2.xml><?xml version="1.0" encoding="utf-8"?>
-<p:sld xmlns:a="http://schemas.openxmlformats.org/drawingml/2006/main" xmlns:r="http://schemas.openxmlformats.org/officeDocument/2006/relationships" xmlns:p="http://schemas.openxmlformats.org/presentationml/2006/main">
-  <p:cSld>
     <p:bg>
       <p:bgPr>
         <a:blipFill dpi="0" rotWithShape="1">
@@ -3954,7 +3879,7 @@
 </p:sld>
 </file>
 
-<file path=ppt/slides/slide3.xml><?xml version="1.0" encoding="utf-8"?>
+<file path=ppt/slides/slide2.xml><?xml version="1.0" encoding="utf-8"?>
 <p:sld xmlns:a="http://schemas.openxmlformats.org/drawingml/2006/main" xmlns:r="http://schemas.openxmlformats.org/officeDocument/2006/relationships" xmlns:p="http://schemas.openxmlformats.org/presentationml/2006/main">
   <p:cSld>
     <p:bg>
@@ -4079,7 +4004,7 @@
 </p:sld>
 </file>
 
-<file path=ppt/slides/slide4.xml><?xml version="1.0" encoding="utf-8"?>
+<file path=ppt/slides/slide3.xml><?xml version="1.0" encoding="utf-8"?>
 <p:sld xmlns:a="http://schemas.openxmlformats.org/drawingml/2006/main" xmlns:r="http://schemas.openxmlformats.org/officeDocument/2006/relationships" xmlns:p="http://schemas.openxmlformats.org/presentationml/2006/main">
   <p:cSld>
     <p:bg>
@@ -4195,6 +4120,751 @@
     <p:extLst>
       <p:ext uri="{BB962C8B-B14F-4D97-AF65-F5344CB8AC3E}">
         <p14:creationId xmlns:p14="http://schemas.microsoft.com/office/powerpoint/2010/main" val="3648228738"/>
+      </p:ext>
+    </p:extLst>
+  </p:cSld>
+  <p:clrMapOvr>
+    <a:masterClrMapping/>
+  </p:clrMapOvr>
+</p:sld>
+</file>
+
+<file path=ppt/slides/slide4.xml><?xml version="1.0" encoding="utf-8"?>
+<p:sld xmlns:a="http://schemas.openxmlformats.org/drawingml/2006/main" xmlns:r="http://schemas.openxmlformats.org/officeDocument/2006/relationships" xmlns:p="http://schemas.openxmlformats.org/presentationml/2006/main">
+  <p:cSld>
+    <p:bg>
+      <p:bgPr>
+        <a:blipFill dpi="0" rotWithShape="1">
+          <a:blip r:embed="rId2">
+            <a:lum/>
+          </a:blip>
+          <a:srcRect/>
+          <a:stretch>
+            <a:fillRect t="-3000" b="-3000"/>
+          </a:stretch>
+        </a:blipFill>
+        <a:effectLst/>
+      </p:bgPr>
+    </p:bg>
+    <p:spTree>
+      <p:nvGrpSpPr>
+        <p:cNvPr id="1" name="">
+          <a:extLst>
+            <a:ext uri="{FF2B5EF4-FFF2-40B4-BE49-F238E27FC236}">
+              <a16:creationId xmlns:a16="http://schemas.microsoft.com/office/drawing/2014/main" id="{A93D8553-EFFF-DEB4-9950-1249284EEF3D}"/>
+            </a:ext>
+          </a:extLst>
+        </p:cNvPr>
+        <p:cNvGrpSpPr/>
+        <p:nvPr/>
+      </p:nvGrpSpPr>
+      <p:grpSpPr>
+        <a:xfrm>
+          <a:off x="0" y="0"/>
+          <a:ext cx="0" cy="0"/>
+          <a:chOff x="0" y="0"/>
+          <a:chExt cx="0" cy="0"/>
+        </a:xfrm>
+      </p:grpSpPr>
+      <p:sp>
+        <p:nvSpPr>
+          <p:cNvPr id="6" name="テキスト ボックス 5">
+            <a:extLst>
+              <a:ext uri="{FF2B5EF4-FFF2-40B4-BE49-F238E27FC236}">
+                <a16:creationId xmlns:a16="http://schemas.microsoft.com/office/drawing/2014/main" id="{A527BD89-3FAF-7E1D-C298-0D30028F133F}"/>
+              </a:ext>
+            </a:extLst>
+          </p:cNvPr>
+          <p:cNvSpPr txBox="1"/>
+          <p:nvPr/>
+        </p:nvSpPr>
+        <p:spPr>
+          <a:xfrm>
+            <a:off x="5657418" y="6488668"/>
+            <a:ext cx="877163" cy="369332"/>
+          </a:xfrm>
+          <a:prstGeom prst="rect">
+            <a:avLst/>
+          </a:prstGeom>
+          <a:noFill/>
+        </p:spPr>
+        <p:txBody>
+          <a:bodyPr wrap="none" rtlCol="0">
+            <a:spAutoFit/>
+          </a:bodyPr>
+          <a:lstStyle/>
+          <a:p>
+            <a:r>
+              <a:rPr kumimoji="1" lang="ja-JP" altLang="en-US"/>
+              <a:t>世代数</a:t>
+            </a:r>
+          </a:p>
+        </p:txBody>
+      </p:sp>
+      <p:sp>
+        <p:nvSpPr>
+          <p:cNvPr id="7" name="テキスト ボックス 6">
+            <a:extLst>
+              <a:ext uri="{FF2B5EF4-FFF2-40B4-BE49-F238E27FC236}">
+                <a16:creationId xmlns:a16="http://schemas.microsoft.com/office/drawing/2014/main" id="{5857A52A-CBFB-B0AF-7BD2-E772F8224C80}"/>
+              </a:ext>
+            </a:extLst>
+          </p:cNvPr>
+          <p:cNvSpPr txBox="1"/>
+          <p:nvPr/>
+        </p:nvSpPr>
+        <p:spPr>
+          <a:xfrm>
+            <a:off x="100013" y="3244334"/>
+            <a:ext cx="1143000" cy="369332"/>
+          </a:xfrm>
+          <a:prstGeom prst="rect">
+            <a:avLst/>
+          </a:prstGeom>
+          <a:noFill/>
+        </p:spPr>
+        <p:txBody>
+          <a:bodyPr wrap="square" rtlCol="0">
+            <a:spAutoFit/>
+          </a:bodyPr>
+          <a:lstStyle/>
+          <a:p>
+            <a:r>
+              <a:rPr kumimoji="1" lang="ja-JP" altLang="en-US"/>
+              <a:t>介入数</a:t>
+            </a:r>
+          </a:p>
+        </p:txBody>
+      </p:sp>
+    </p:spTree>
+    <p:extLst>
+      <p:ext uri="{BB962C8B-B14F-4D97-AF65-F5344CB8AC3E}">
+        <p14:creationId xmlns:p14="http://schemas.microsoft.com/office/powerpoint/2010/main" val="4090322049"/>
+      </p:ext>
+    </p:extLst>
+  </p:cSld>
+  <p:clrMapOvr>
+    <a:masterClrMapping/>
+  </p:clrMapOvr>
+</p:sld>
+</file>
+
+<file path=ppt/slides/slide5.xml><?xml version="1.0" encoding="utf-8"?>
+<p:sld xmlns:a="http://schemas.openxmlformats.org/drawingml/2006/main" xmlns:r="http://schemas.openxmlformats.org/officeDocument/2006/relationships" xmlns:p="http://schemas.openxmlformats.org/presentationml/2006/main">
+  <p:cSld>
+    <p:bg>
+      <p:bgPr>
+        <a:blipFill dpi="0" rotWithShape="1">
+          <a:blip r:embed="rId2">
+            <a:lum/>
+          </a:blip>
+          <a:srcRect/>
+          <a:stretch>
+            <a:fillRect t="-3000" b="-3000"/>
+          </a:stretch>
+        </a:blipFill>
+        <a:effectLst/>
+      </p:bgPr>
+    </p:bg>
+    <p:spTree>
+      <p:nvGrpSpPr>
+        <p:cNvPr id="1" name="">
+          <a:extLst>
+            <a:ext uri="{FF2B5EF4-FFF2-40B4-BE49-F238E27FC236}">
+              <a16:creationId xmlns:a16="http://schemas.microsoft.com/office/drawing/2014/main" id="{42267E89-773D-FE50-C8F9-1E192C69299D}"/>
+            </a:ext>
+          </a:extLst>
+        </p:cNvPr>
+        <p:cNvGrpSpPr/>
+        <p:nvPr/>
+      </p:nvGrpSpPr>
+      <p:grpSpPr>
+        <a:xfrm>
+          <a:off x="0" y="0"/>
+          <a:ext cx="0" cy="0"/>
+          <a:chOff x="0" y="0"/>
+          <a:chExt cx="0" cy="0"/>
+        </a:xfrm>
+      </p:grpSpPr>
+      <p:sp>
+        <p:nvSpPr>
+          <p:cNvPr id="6" name="テキスト ボックス 5">
+            <a:extLst>
+              <a:ext uri="{FF2B5EF4-FFF2-40B4-BE49-F238E27FC236}">
+                <a16:creationId xmlns:a16="http://schemas.microsoft.com/office/drawing/2014/main" id="{23F393FB-3A22-A842-EEF3-3D175C419FCF}"/>
+              </a:ext>
+            </a:extLst>
+          </p:cNvPr>
+          <p:cNvSpPr txBox="1"/>
+          <p:nvPr/>
+        </p:nvSpPr>
+        <p:spPr>
+          <a:xfrm>
+            <a:off x="5657418" y="6488668"/>
+            <a:ext cx="877163" cy="369332"/>
+          </a:xfrm>
+          <a:prstGeom prst="rect">
+            <a:avLst/>
+          </a:prstGeom>
+          <a:noFill/>
+        </p:spPr>
+        <p:txBody>
+          <a:bodyPr wrap="none" rtlCol="0">
+            <a:spAutoFit/>
+          </a:bodyPr>
+          <a:lstStyle/>
+          <a:p>
+            <a:r>
+              <a:rPr kumimoji="1" lang="ja-JP" altLang="en-US"/>
+              <a:t>世代数</a:t>
+            </a:r>
+          </a:p>
+        </p:txBody>
+      </p:sp>
+      <p:sp>
+        <p:nvSpPr>
+          <p:cNvPr id="7" name="テキスト ボックス 6">
+            <a:extLst>
+              <a:ext uri="{FF2B5EF4-FFF2-40B4-BE49-F238E27FC236}">
+                <a16:creationId xmlns:a16="http://schemas.microsoft.com/office/drawing/2014/main" id="{DC4988DF-AB4C-D365-BA64-DCA1F20F0CAB}"/>
+              </a:ext>
+            </a:extLst>
+          </p:cNvPr>
+          <p:cNvSpPr txBox="1"/>
+          <p:nvPr/>
+        </p:nvSpPr>
+        <p:spPr>
+          <a:xfrm>
+            <a:off x="0" y="2967335"/>
+            <a:ext cx="1233890" cy="923330"/>
+          </a:xfrm>
+          <a:prstGeom prst="rect">
+            <a:avLst/>
+          </a:prstGeom>
+          <a:noFill/>
+        </p:spPr>
+        <p:txBody>
+          <a:bodyPr wrap="square" rtlCol="0">
+            <a:spAutoFit/>
+          </a:bodyPr>
+          <a:lstStyle/>
+          <a:p>
+            <a:r>
+              <a:rPr lang="en-US" altLang="ja-JP" dirty="0" err="1"/>
+              <a:t>MiniSat</a:t>
+            </a:r>
+            <a:r>
+              <a:rPr lang="ja-JP" altLang="en-US"/>
+              <a:t>比で見た証明の長さ</a:t>
+            </a:r>
+            <a:endParaRPr kumimoji="1" lang="ja-JP" altLang="en-US"/>
+          </a:p>
+        </p:txBody>
+      </p:sp>
+    </p:spTree>
+    <p:extLst>
+      <p:ext uri="{BB962C8B-B14F-4D97-AF65-F5344CB8AC3E}">
+        <p14:creationId xmlns:p14="http://schemas.microsoft.com/office/powerpoint/2010/main" val="3143854536"/>
+      </p:ext>
+    </p:extLst>
+  </p:cSld>
+  <p:clrMapOvr>
+    <a:masterClrMapping/>
+  </p:clrMapOvr>
+</p:sld>
+</file>
+
+<file path=ppt/slides/slide6.xml><?xml version="1.0" encoding="utf-8"?>
+<p:sld xmlns:a="http://schemas.openxmlformats.org/drawingml/2006/main" xmlns:r="http://schemas.openxmlformats.org/officeDocument/2006/relationships" xmlns:p="http://schemas.openxmlformats.org/presentationml/2006/main">
+  <p:cSld>
+    <p:bg>
+      <p:bgPr>
+        <a:blipFill dpi="0" rotWithShape="1">
+          <a:blip r:embed="rId2">
+            <a:lum/>
+          </a:blip>
+          <a:srcRect/>
+          <a:stretch>
+            <a:fillRect t="-3000" b="-3000"/>
+          </a:stretch>
+        </a:blipFill>
+        <a:effectLst/>
+      </p:bgPr>
+    </p:bg>
+    <p:spTree>
+      <p:nvGrpSpPr>
+        <p:cNvPr id="1" name="">
+          <a:extLst>
+            <a:ext uri="{FF2B5EF4-FFF2-40B4-BE49-F238E27FC236}">
+              <a16:creationId xmlns:a16="http://schemas.microsoft.com/office/drawing/2014/main" id="{27A689A9-D428-D803-5821-DFD5BE84EE01}"/>
+            </a:ext>
+          </a:extLst>
+        </p:cNvPr>
+        <p:cNvGrpSpPr/>
+        <p:nvPr/>
+      </p:nvGrpSpPr>
+      <p:grpSpPr>
+        <a:xfrm>
+          <a:off x="0" y="0"/>
+          <a:ext cx="0" cy="0"/>
+          <a:chOff x="0" y="0"/>
+          <a:chExt cx="0" cy="0"/>
+        </a:xfrm>
+      </p:grpSpPr>
+      <p:sp>
+        <p:nvSpPr>
+          <p:cNvPr id="6" name="テキスト ボックス 5">
+            <a:extLst>
+              <a:ext uri="{FF2B5EF4-FFF2-40B4-BE49-F238E27FC236}">
+                <a16:creationId xmlns:a16="http://schemas.microsoft.com/office/drawing/2014/main" id="{500888E8-238E-1D3B-20B9-C5611AB4D83B}"/>
+              </a:ext>
+            </a:extLst>
+          </p:cNvPr>
+          <p:cNvSpPr txBox="1"/>
+          <p:nvPr/>
+        </p:nvSpPr>
+        <p:spPr>
+          <a:xfrm>
+            <a:off x="5657418" y="6488668"/>
+            <a:ext cx="877163" cy="369332"/>
+          </a:xfrm>
+          <a:prstGeom prst="rect">
+            <a:avLst/>
+          </a:prstGeom>
+          <a:noFill/>
+        </p:spPr>
+        <p:txBody>
+          <a:bodyPr wrap="none" rtlCol="0">
+            <a:spAutoFit/>
+          </a:bodyPr>
+          <a:lstStyle/>
+          <a:p>
+            <a:r>
+              <a:rPr kumimoji="1" lang="ja-JP" altLang="en-US"/>
+              <a:t>世代数</a:t>
+            </a:r>
+          </a:p>
+        </p:txBody>
+      </p:sp>
+      <p:sp>
+        <p:nvSpPr>
+          <p:cNvPr id="7" name="テキスト ボックス 6">
+            <a:extLst>
+              <a:ext uri="{FF2B5EF4-FFF2-40B4-BE49-F238E27FC236}">
+                <a16:creationId xmlns:a16="http://schemas.microsoft.com/office/drawing/2014/main" id="{61D4FFE4-A40F-6EBC-005F-82B17512B90D}"/>
+              </a:ext>
+            </a:extLst>
+          </p:cNvPr>
+          <p:cNvSpPr txBox="1"/>
+          <p:nvPr/>
+        </p:nvSpPr>
+        <p:spPr>
+          <a:xfrm>
+            <a:off x="0" y="2967335"/>
+            <a:ext cx="1233890" cy="923330"/>
+          </a:xfrm>
+          <a:prstGeom prst="rect">
+            <a:avLst/>
+          </a:prstGeom>
+          <a:noFill/>
+        </p:spPr>
+        <p:txBody>
+          <a:bodyPr wrap="square" rtlCol="0">
+            <a:spAutoFit/>
+          </a:bodyPr>
+          <a:lstStyle/>
+          <a:p>
+            <a:r>
+              <a:rPr lang="en-US" altLang="ja-JP" dirty="0" err="1"/>
+              <a:t>MiniSat</a:t>
+            </a:r>
+            <a:r>
+              <a:rPr lang="ja-JP" altLang="en-US"/>
+              <a:t>比で見た証明の長さ</a:t>
+            </a:r>
+            <a:endParaRPr kumimoji="1" lang="ja-JP" altLang="en-US"/>
+          </a:p>
+        </p:txBody>
+      </p:sp>
+    </p:spTree>
+    <p:extLst>
+      <p:ext uri="{BB962C8B-B14F-4D97-AF65-F5344CB8AC3E}">
+        <p14:creationId xmlns:p14="http://schemas.microsoft.com/office/powerpoint/2010/main" val="2334499035"/>
+      </p:ext>
+    </p:extLst>
+  </p:cSld>
+  <p:clrMapOvr>
+    <a:masterClrMapping/>
+  </p:clrMapOvr>
+</p:sld>
+</file>
+
+<file path=ppt/slides/slide7.xml><?xml version="1.0" encoding="utf-8"?>
+<p:sld xmlns:a="http://schemas.openxmlformats.org/drawingml/2006/main" xmlns:r="http://schemas.openxmlformats.org/officeDocument/2006/relationships" xmlns:p="http://schemas.openxmlformats.org/presentationml/2006/main">
+  <p:cSld>
+    <p:bg>
+      <p:bgPr>
+        <a:blipFill dpi="0" rotWithShape="1">
+          <a:blip r:embed="rId2">
+            <a:lum/>
+          </a:blip>
+          <a:srcRect/>
+          <a:stretch>
+            <a:fillRect t="-3000" b="-3000"/>
+          </a:stretch>
+        </a:blipFill>
+        <a:effectLst/>
+      </p:bgPr>
+    </p:bg>
+    <p:spTree>
+      <p:nvGrpSpPr>
+        <p:cNvPr id="1" name="">
+          <a:extLst>
+            <a:ext uri="{FF2B5EF4-FFF2-40B4-BE49-F238E27FC236}">
+              <a16:creationId xmlns:a16="http://schemas.microsoft.com/office/drawing/2014/main" id="{887D9FAA-DC94-FE75-8779-9D50E10CBC6F}"/>
+            </a:ext>
+          </a:extLst>
+        </p:cNvPr>
+        <p:cNvGrpSpPr/>
+        <p:nvPr/>
+      </p:nvGrpSpPr>
+      <p:grpSpPr>
+        <a:xfrm>
+          <a:off x="0" y="0"/>
+          <a:ext cx="0" cy="0"/>
+          <a:chOff x="0" y="0"/>
+          <a:chExt cx="0" cy="0"/>
+        </a:xfrm>
+      </p:grpSpPr>
+      <p:sp>
+        <p:nvSpPr>
+          <p:cNvPr id="6" name="テキスト ボックス 5">
+            <a:extLst>
+              <a:ext uri="{FF2B5EF4-FFF2-40B4-BE49-F238E27FC236}">
+                <a16:creationId xmlns:a16="http://schemas.microsoft.com/office/drawing/2014/main" id="{5ED3DA24-879A-4DF4-3142-2606BE2090A5}"/>
+              </a:ext>
+            </a:extLst>
+          </p:cNvPr>
+          <p:cNvSpPr txBox="1"/>
+          <p:nvPr/>
+        </p:nvSpPr>
+        <p:spPr>
+          <a:xfrm>
+            <a:off x="5657418" y="6488668"/>
+            <a:ext cx="877163" cy="369332"/>
+          </a:xfrm>
+          <a:prstGeom prst="rect">
+            <a:avLst/>
+          </a:prstGeom>
+          <a:noFill/>
+        </p:spPr>
+        <p:txBody>
+          <a:bodyPr wrap="none" rtlCol="0">
+            <a:spAutoFit/>
+          </a:bodyPr>
+          <a:lstStyle/>
+          <a:p>
+            <a:r>
+              <a:rPr kumimoji="1" lang="ja-JP" altLang="en-US"/>
+              <a:t>世代数</a:t>
+            </a:r>
+          </a:p>
+        </p:txBody>
+      </p:sp>
+      <p:sp>
+        <p:nvSpPr>
+          <p:cNvPr id="7" name="テキスト ボックス 6">
+            <a:extLst>
+              <a:ext uri="{FF2B5EF4-FFF2-40B4-BE49-F238E27FC236}">
+                <a16:creationId xmlns:a16="http://schemas.microsoft.com/office/drawing/2014/main" id="{D1BCF056-7751-308F-C69E-75E36D2252D4}"/>
+              </a:ext>
+            </a:extLst>
+          </p:cNvPr>
+          <p:cNvSpPr txBox="1"/>
+          <p:nvPr/>
+        </p:nvSpPr>
+        <p:spPr>
+          <a:xfrm>
+            <a:off x="0" y="2967335"/>
+            <a:ext cx="1233890" cy="923330"/>
+          </a:xfrm>
+          <a:prstGeom prst="rect">
+            <a:avLst/>
+          </a:prstGeom>
+          <a:noFill/>
+        </p:spPr>
+        <p:txBody>
+          <a:bodyPr wrap="square" rtlCol="0">
+            <a:spAutoFit/>
+          </a:bodyPr>
+          <a:lstStyle/>
+          <a:p>
+            <a:r>
+              <a:rPr lang="en-US" altLang="ja-JP" dirty="0" err="1"/>
+              <a:t>MiniSat</a:t>
+            </a:r>
+            <a:r>
+              <a:rPr lang="ja-JP" altLang="en-US"/>
+              <a:t>比で見た証明の長さ</a:t>
+            </a:r>
+            <a:endParaRPr kumimoji="1" lang="ja-JP" altLang="en-US"/>
+          </a:p>
+        </p:txBody>
+      </p:sp>
+    </p:spTree>
+    <p:extLst>
+      <p:ext uri="{BB962C8B-B14F-4D97-AF65-F5344CB8AC3E}">
+        <p14:creationId xmlns:p14="http://schemas.microsoft.com/office/powerpoint/2010/main" val="2806478625"/>
+      </p:ext>
+    </p:extLst>
+  </p:cSld>
+  <p:clrMapOvr>
+    <a:masterClrMapping/>
+  </p:clrMapOvr>
+</p:sld>
+</file>
+
+<file path=ppt/slides/slide8.xml><?xml version="1.0" encoding="utf-8"?>
+<p:sld xmlns:a="http://schemas.openxmlformats.org/drawingml/2006/main" xmlns:r="http://schemas.openxmlformats.org/officeDocument/2006/relationships" xmlns:p="http://schemas.openxmlformats.org/presentationml/2006/main">
+  <p:cSld>
+    <p:bg>
+      <p:bgPr>
+        <a:blipFill dpi="0" rotWithShape="1">
+          <a:blip r:embed="rId2">
+            <a:lum/>
+          </a:blip>
+          <a:srcRect/>
+          <a:stretch>
+            <a:fillRect t="-3000" b="-3000"/>
+          </a:stretch>
+        </a:blipFill>
+        <a:effectLst/>
+      </p:bgPr>
+    </p:bg>
+    <p:spTree>
+      <p:nvGrpSpPr>
+        <p:cNvPr id="1" name="">
+          <a:extLst>
+            <a:ext uri="{FF2B5EF4-FFF2-40B4-BE49-F238E27FC236}">
+              <a16:creationId xmlns:a16="http://schemas.microsoft.com/office/drawing/2014/main" id="{8E74AA0D-922E-F91A-516E-4FF1E2C89126}"/>
+            </a:ext>
+          </a:extLst>
+        </p:cNvPr>
+        <p:cNvGrpSpPr/>
+        <p:nvPr/>
+      </p:nvGrpSpPr>
+      <p:grpSpPr>
+        <a:xfrm>
+          <a:off x="0" y="0"/>
+          <a:ext cx="0" cy="0"/>
+          <a:chOff x="0" y="0"/>
+          <a:chExt cx="0" cy="0"/>
+        </a:xfrm>
+      </p:grpSpPr>
+      <p:sp>
+        <p:nvSpPr>
+          <p:cNvPr id="6" name="テキスト ボックス 5">
+            <a:extLst>
+              <a:ext uri="{FF2B5EF4-FFF2-40B4-BE49-F238E27FC236}">
+                <a16:creationId xmlns:a16="http://schemas.microsoft.com/office/drawing/2014/main" id="{280437F1-5367-CB58-B05E-64696F0C2DE3}"/>
+              </a:ext>
+            </a:extLst>
+          </p:cNvPr>
+          <p:cNvSpPr txBox="1"/>
+          <p:nvPr/>
+        </p:nvSpPr>
+        <p:spPr>
+          <a:xfrm>
+            <a:off x="5657418" y="6488668"/>
+            <a:ext cx="877163" cy="369332"/>
+          </a:xfrm>
+          <a:prstGeom prst="rect">
+            <a:avLst/>
+          </a:prstGeom>
+          <a:noFill/>
+        </p:spPr>
+        <p:txBody>
+          <a:bodyPr wrap="none" rtlCol="0">
+            <a:spAutoFit/>
+          </a:bodyPr>
+          <a:lstStyle/>
+          <a:p>
+            <a:r>
+              <a:rPr kumimoji="1" lang="ja-JP" altLang="en-US"/>
+              <a:t>世代数</a:t>
+            </a:r>
+          </a:p>
+        </p:txBody>
+      </p:sp>
+      <p:sp>
+        <p:nvSpPr>
+          <p:cNvPr id="7" name="テキスト ボックス 6">
+            <a:extLst>
+              <a:ext uri="{FF2B5EF4-FFF2-40B4-BE49-F238E27FC236}">
+                <a16:creationId xmlns:a16="http://schemas.microsoft.com/office/drawing/2014/main" id="{7CE83DE7-0FE2-2DAA-6A7A-372A9EDD5243}"/>
+              </a:ext>
+            </a:extLst>
+          </p:cNvPr>
+          <p:cNvSpPr txBox="1"/>
+          <p:nvPr/>
+        </p:nvSpPr>
+        <p:spPr>
+          <a:xfrm>
+            <a:off x="0" y="2967335"/>
+            <a:ext cx="1233890" cy="923330"/>
+          </a:xfrm>
+          <a:prstGeom prst="rect">
+            <a:avLst/>
+          </a:prstGeom>
+          <a:noFill/>
+        </p:spPr>
+        <p:txBody>
+          <a:bodyPr wrap="square" rtlCol="0">
+            <a:spAutoFit/>
+          </a:bodyPr>
+          <a:lstStyle/>
+          <a:p>
+            <a:r>
+              <a:rPr lang="en-US" altLang="ja-JP" dirty="0" err="1"/>
+              <a:t>MiniSat</a:t>
+            </a:r>
+            <a:r>
+              <a:rPr lang="ja-JP" altLang="en-US"/>
+              <a:t>比で見た証明の長さ</a:t>
+            </a:r>
+            <a:endParaRPr kumimoji="1" lang="ja-JP" altLang="en-US"/>
+          </a:p>
+        </p:txBody>
+      </p:sp>
+    </p:spTree>
+    <p:extLst>
+      <p:ext uri="{BB962C8B-B14F-4D97-AF65-F5344CB8AC3E}">
+        <p14:creationId xmlns:p14="http://schemas.microsoft.com/office/powerpoint/2010/main" val="2834959425"/>
+      </p:ext>
+    </p:extLst>
+  </p:cSld>
+  <p:clrMapOvr>
+    <a:masterClrMapping/>
+  </p:clrMapOvr>
+</p:sld>
+</file>
+
+<file path=ppt/slides/slide9.xml><?xml version="1.0" encoding="utf-8"?>
+<p:sld xmlns:a="http://schemas.openxmlformats.org/drawingml/2006/main" xmlns:r="http://schemas.openxmlformats.org/officeDocument/2006/relationships" xmlns:p="http://schemas.openxmlformats.org/presentationml/2006/main">
+  <p:cSld>
+    <p:bg>
+      <p:bgPr>
+        <a:blipFill dpi="0" rotWithShape="1">
+          <a:blip r:embed="rId2">
+            <a:lum/>
+          </a:blip>
+          <a:srcRect/>
+          <a:stretch>
+            <a:fillRect t="-3000" b="-3000"/>
+          </a:stretch>
+        </a:blipFill>
+        <a:effectLst/>
+      </p:bgPr>
+    </p:bg>
+    <p:spTree>
+      <p:nvGrpSpPr>
+        <p:cNvPr id="1" name="">
+          <a:extLst>
+            <a:ext uri="{FF2B5EF4-FFF2-40B4-BE49-F238E27FC236}">
+              <a16:creationId xmlns:a16="http://schemas.microsoft.com/office/drawing/2014/main" id="{50F249F4-4FEA-E714-7682-300B192BF707}"/>
+            </a:ext>
+          </a:extLst>
+        </p:cNvPr>
+        <p:cNvGrpSpPr/>
+        <p:nvPr/>
+      </p:nvGrpSpPr>
+      <p:grpSpPr>
+        <a:xfrm>
+          <a:off x="0" y="0"/>
+          <a:ext cx="0" cy="0"/>
+          <a:chOff x="0" y="0"/>
+          <a:chExt cx="0" cy="0"/>
+        </a:xfrm>
+      </p:grpSpPr>
+      <p:sp>
+        <p:nvSpPr>
+          <p:cNvPr id="6" name="テキスト ボックス 5">
+            <a:extLst>
+              <a:ext uri="{FF2B5EF4-FFF2-40B4-BE49-F238E27FC236}">
+                <a16:creationId xmlns:a16="http://schemas.microsoft.com/office/drawing/2014/main" id="{3B036108-F285-3730-DF6B-4FC51981C553}"/>
+              </a:ext>
+            </a:extLst>
+          </p:cNvPr>
+          <p:cNvSpPr txBox="1"/>
+          <p:nvPr/>
+        </p:nvSpPr>
+        <p:spPr>
+          <a:xfrm>
+            <a:off x="5657418" y="6488668"/>
+            <a:ext cx="877163" cy="369332"/>
+          </a:xfrm>
+          <a:prstGeom prst="rect">
+            <a:avLst/>
+          </a:prstGeom>
+          <a:noFill/>
+        </p:spPr>
+        <p:txBody>
+          <a:bodyPr wrap="none" rtlCol="0">
+            <a:spAutoFit/>
+          </a:bodyPr>
+          <a:lstStyle/>
+          <a:p>
+            <a:r>
+              <a:rPr kumimoji="1" lang="ja-JP" altLang="en-US"/>
+              <a:t>世代数</a:t>
+            </a:r>
+          </a:p>
+        </p:txBody>
+      </p:sp>
+      <p:sp>
+        <p:nvSpPr>
+          <p:cNvPr id="7" name="テキスト ボックス 6">
+            <a:extLst>
+              <a:ext uri="{FF2B5EF4-FFF2-40B4-BE49-F238E27FC236}">
+                <a16:creationId xmlns:a16="http://schemas.microsoft.com/office/drawing/2014/main" id="{646EF7C5-EE06-9581-59DF-D0B877DF03FB}"/>
+              </a:ext>
+            </a:extLst>
+          </p:cNvPr>
+          <p:cNvSpPr txBox="1"/>
+          <p:nvPr/>
+        </p:nvSpPr>
+        <p:spPr>
+          <a:xfrm>
+            <a:off x="0" y="2967335"/>
+            <a:ext cx="1233890" cy="923330"/>
+          </a:xfrm>
+          <a:prstGeom prst="rect">
+            <a:avLst/>
+          </a:prstGeom>
+          <a:noFill/>
+        </p:spPr>
+        <p:txBody>
+          <a:bodyPr wrap="square" rtlCol="0">
+            <a:spAutoFit/>
+          </a:bodyPr>
+          <a:lstStyle/>
+          <a:p>
+            <a:r>
+              <a:rPr lang="en-US" altLang="ja-JP" dirty="0" err="1"/>
+              <a:t>MiniSat</a:t>
+            </a:r>
+            <a:r>
+              <a:rPr lang="ja-JP" altLang="en-US"/>
+              <a:t>比で見た証明の長さ</a:t>
+            </a:r>
+            <a:endParaRPr kumimoji="1" lang="ja-JP" altLang="en-US"/>
+          </a:p>
+        </p:txBody>
+      </p:sp>
+    </p:spTree>
+    <p:extLst>
+      <p:ext uri="{BB962C8B-B14F-4D97-AF65-F5344CB8AC3E}">
+        <p14:creationId xmlns:p14="http://schemas.microsoft.com/office/powerpoint/2010/main" val="985711107"/>
       </p:ext>
     </p:extLst>
   </p:cSld>

--- a/figures/実験画像.pptx
+++ b/figures/実験画像.pptx
@@ -5,15 +5,20 @@
     <p:sldMasterId id="2147483648" r:id="rId1"/>
   </p:sldMasterIdLst>
   <p:sldIdLst>
-    <p:sldId id="257" r:id="rId2"/>
-    <p:sldId id="259" r:id="rId3"/>
-    <p:sldId id="260" r:id="rId4"/>
-    <p:sldId id="262" r:id="rId5"/>
-    <p:sldId id="263" r:id="rId6"/>
-    <p:sldId id="264" r:id="rId7"/>
-    <p:sldId id="265" r:id="rId8"/>
-    <p:sldId id="266" r:id="rId9"/>
-    <p:sldId id="267" r:id="rId10"/>
+    <p:sldId id="268" r:id="rId2"/>
+    <p:sldId id="270" r:id="rId3"/>
+    <p:sldId id="269" r:id="rId4"/>
+    <p:sldId id="257" r:id="rId5"/>
+    <p:sldId id="259" r:id="rId6"/>
+    <p:sldId id="260" r:id="rId7"/>
+    <p:sldId id="262" r:id="rId8"/>
+    <p:sldId id="263" r:id="rId9"/>
+    <p:sldId id="264" r:id="rId10"/>
+    <p:sldId id="265" r:id="rId11"/>
+    <p:sldId id="266" r:id="rId12"/>
+    <p:sldId id="267" r:id="rId13"/>
+    <p:sldId id="271" r:id="rId14"/>
+    <p:sldId id="272" r:id="rId15"/>
   </p:sldIdLst>
   <p:sldSz cx="12192000" cy="6858000"/>
   <p:notesSz cx="6858000" cy="9144000"/>
@@ -267,7 +272,7 @@
           <a:p>
             <a:fld id="{425433D7-BC6F-9D42-870B-77DF58C3529F}" type="datetimeFigureOut">
               <a:rPr kumimoji="1" lang="ja-JP" altLang="en-US" smtClean="0"/>
-              <a:t>2025/1/24</a:t>
+              <a:t>2025/1/28</a:t>
             </a:fld>
             <a:endParaRPr kumimoji="1" lang="ja-JP" altLang="en-US"/>
           </a:p>
@@ -497,7 +502,7 @@
           <a:p>
             <a:fld id="{425433D7-BC6F-9D42-870B-77DF58C3529F}" type="datetimeFigureOut">
               <a:rPr kumimoji="1" lang="ja-JP" altLang="en-US" smtClean="0"/>
-              <a:t>2025/1/24</a:t>
+              <a:t>2025/1/28</a:t>
             </a:fld>
             <a:endParaRPr kumimoji="1" lang="ja-JP" altLang="en-US"/>
           </a:p>
@@ -737,7 +742,7 @@
           <a:p>
             <a:fld id="{425433D7-BC6F-9D42-870B-77DF58C3529F}" type="datetimeFigureOut">
               <a:rPr kumimoji="1" lang="ja-JP" altLang="en-US" smtClean="0"/>
-              <a:t>2025/1/24</a:t>
+              <a:t>2025/1/28</a:t>
             </a:fld>
             <a:endParaRPr kumimoji="1" lang="ja-JP" altLang="en-US"/>
           </a:p>
@@ -967,7 +972,7 @@
           <a:p>
             <a:fld id="{425433D7-BC6F-9D42-870B-77DF58C3529F}" type="datetimeFigureOut">
               <a:rPr kumimoji="1" lang="ja-JP" altLang="en-US" smtClean="0"/>
-              <a:t>2025/1/24</a:t>
+              <a:t>2025/1/28</a:t>
             </a:fld>
             <a:endParaRPr kumimoji="1" lang="ja-JP" altLang="en-US"/>
           </a:p>
@@ -1242,7 +1247,7 @@
           <a:p>
             <a:fld id="{425433D7-BC6F-9D42-870B-77DF58C3529F}" type="datetimeFigureOut">
               <a:rPr kumimoji="1" lang="ja-JP" altLang="en-US" smtClean="0"/>
-              <a:t>2025/1/24</a:t>
+              <a:t>2025/1/28</a:t>
             </a:fld>
             <a:endParaRPr kumimoji="1" lang="ja-JP" altLang="en-US"/>
           </a:p>
@@ -1571,7 +1576,7 @@
           <a:p>
             <a:fld id="{425433D7-BC6F-9D42-870B-77DF58C3529F}" type="datetimeFigureOut">
               <a:rPr kumimoji="1" lang="ja-JP" altLang="en-US" smtClean="0"/>
-              <a:t>2025/1/24</a:t>
+              <a:t>2025/1/28</a:t>
             </a:fld>
             <a:endParaRPr kumimoji="1" lang="ja-JP" altLang="en-US"/>
           </a:p>
@@ -2047,7 +2052,7 @@
           <a:p>
             <a:fld id="{425433D7-BC6F-9D42-870B-77DF58C3529F}" type="datetimeFigureOut">
               <a:rPr kumimoji="1" lang="ja-JP" altLang="en-US" smtClean="0"/>
-              <a:t>2025/1/24</a:t>
+              <a:t>2025/1/28</a:t>
             </a:fld>
             <a:endParaRPr kumimoji="1" lang="ja-JP" altLang="en-US"/>
           </a:p>
@@ -2188,7 +2193,7 @@
           <a:p>
             <a:fld id="{425433D7-BC6F-9D42-870B-77DF58C3529F}" type="datetimeFigureOut">
               <a:rPr kumimoji="1" lang="ja-JP" altLang="en-US" smtClean="0"/>
-              <a:t>2025/1/24</a:t>
+              <a:t>2025/1/28</a:t>
             </a:fld>
             <a:endParaRPr kumimoji="1" lang="ja-JP" altLang="en-US"/>
           </a:p>
@@ -2301,7 +2306,7 @@
           <a:p>
             <a:fld id="{425433D7-BC6F-9D42-870B-77DF58C3529F}" type="datetimeFigureOut">
               <a:rPr kumimoji="1" lang="ja-JP" altLang="en-US" smtClean="0"/>
-              <a:t>2025/1/24</a:t>
+              <a:t>2025/1/28</a:t>
             </a:fld>
             <a:endParaRPr kumimoji="1" lang="ja-JP" altLang="en-US"/>
           </a:p>
@@ -2644,7 +2649,7 @@
           <a:p>
             <a:fld id="{425433D7-BC6F-9D42-870B-77DF58C3529F}" type="datetimeFigureOut">
               <a:rPr kumimoji="1" lang="ja-JP" altLang="en-US" smtClean="0"/>
-              <a:t>2025/1/24</a:t>
+              <a:t>2025/1/28</a:t>
             </a:fld>
             <a:endParaRPr kumimoji="1" lang="ja-JP" altLang="en-US"/>
           </a:p>
@@ -2932,7 +2937,7 @@
           <a:p>
             <a:fld id="{425433D7-BC6F-9D42-870B-77DF58C3529F}" type="datetimeFigureOut">
               <a:rPr kumimoji="1" lang="ja-JP" altLang="en-US" smtClean="0"/>
-              <a:t>2025/1/24</a:t>
+              <a:t>2025/1/28</a:t>
             </a:fld>
             <a:endParaRPr kumimoji="1" lang="ja-JP" altLang="en-US"/>
           </a:p>
@@ -3205,7 +3210,7 @@
           <a:p>
             <a:fld id="{425433D7-BC6F-9D42-870B-77DF58C3529F}" type="datetimeFigureOut">
               <a:rPr kumimoji="1" lang="ja-JP" altLang="en-US" smtClean="0"/>
-              <a:t>2025/1/24</a:t>
+              <a:t>2025/1/28</a:t>
             </a:fld>
             <a:endParaRPr kumimoji="1" lang="ja-JP" altLang="en-US"/>
           </a:p>
@@ -3608,6 +3613,811 @@
 <file path=ppt/slides/slide1.xml><?xml version="1.0" encoding="utf-8"?>
 <p:sld xmlns:a="http://schemas.openxmlformats.org/drawingml/2006/main" xmlns:r="http://schemas.openxmlformats.org/officeDocument/2006/relationships" xmlns:p="http://schemas.openxmlformats.org/presentationml/2006/main">
   <p:cSld>
+    <p:spTree>
+      <p:nvGrpSpPr>
+        <p:cNvPr id="1" name=""/>
+        <p:cNvGrpSpPr/>
+        <p:nvPr/>
+      </p:nvGrpSpPr>
+      <p:grpSpPr>
+        <a:xfrm>
+          <a:off x="0" y="0"/>
+          <a:ext cx="0" cy="0"/>
+          <a:chOff x="0" y="0"/>
+          <a:chExt cx="0" cy="0"/>
+        </a:xfrm>
+      </p:grpSpPr>
+      <p:sp>
+        <p:nvSpPr>
+          <p:cNvPr id="2" name="タイトル 1">
+            <a:extLst>
+              <a:ext uri="{FF2B5EF4-FFF2-40B4-BE49-F238E27FC236}">
+                <a16:creationId xmlns:a16="http://schemas.microsoft.com/office/drawing/2014/main" id="{9AE8D3EB-EF8E-6C34-091E-2998A92E2040}"/>
+              </a:ext>
+            </a:extLst>
+          </p:cNvPr>
+          <p:cNvSpPr>
+            <a:spLocks noGrp="1"/>
+          </p:cNvSpPr>
+          <p:nvPr>
+            <p:ph type="title"/>
+          </p:nvPr>
+        </p:nvSpPr>
+        <p:spPr/>
+        <p:txBody>
+          <a:bodyPr/>
+          <a:lstStyle/>
+          <a:p>
+            <a:r>
+              <a:rPr kumimoji="1" lang="ja-JP" altLang="en-US"/>
+              <a:t>事前実験</a:t>
+            </a:r>
+          </a:p>
+        </p:txBody>
+      </p:sp>
+      <p:sp>
+        <p:nvSpPr>
+          <p:cNvPr id="3" name="コンテンツ プレースホルダー 2">
+            <a:extLst>
+              <a:ext uri="{FF2B5EF4-FFF2-40B4-BE49-F238E27FC236}">
+                <a16:creationId xmlns:a16="http://schemas.microsoft.com/office/drawing/2014/main" id="{A2998D6B-8E43-90B8-29D0-F0DDE10AFB42}"/>
+              </a:ext>
+            </a:extLst>
+          </p:cNvPr>
+          <p:cNvSpPr>
+            <a:spLocks noGrp="1"/>
+          </p:cNvSpPr>
+          <p:nvPr>
+            <p:ph idx="1"/>
+          </p:nvPr>
+        </p:nvSpPr>
+        <p:spPr/>
+        <p:txBody>
+          <a:bodyPr/>
+          <a:lstStyle/>
+          <a:p>
+            <a:endParaRPr kumimoji="1" lang="ja-JP" altLang="en-US"/>
+          </a:p>
+        </p:txBody>
+      </p:sp>
+    </p:spTree>
+    <p:extLst>
+      <p:ext uri="{BB962C8B-B14F-4D97-AF65-F5344CB8AC3E}">
+        <p14:creationId xmlns:p14="http://schemas.microsoft.com/office/powerpoint/2010/main" val="793012847"/>
+      </p:ext>
+    </p:extLst>
+  </p:cSld>
+  <p:clrMapOvr>
+    <a:masterClrMapping/>
+  </p:clrMapOvr>
+</p:sld>
+</file>
+
+<file path=ppt/slides/slide10.xml><?xml version="1.0" encoding="utf-8"?>
+<p:sld xmlns:a="http://schemas.openxmlformats.org/drawingml/2006/main" xmlns:r="http://schemas.openxmlformats.org/officeDocument/2006/relationships" xmlns:p="http://schemas.openxmlformats.org/presentationml/2006/main">
+  <p:cSld>
+    <p:bg>
+      <p:bgPr>
+        <a:blipFill dpi="0" rotWithShape="1">
+          <a:blip r:embed="rId2">
+            <a:lum/>
+          </a:blip>
+          <a:srcRect/>
+          <a:stretch>
+            <a:fillRect t="-3000" b="-3000"/>
+          </a:stretch>
+        </a:blipFill>
+        <a:effectLst/>
+      </p:bgPr>
+    </p:bg>
+    <p:spTree>
+      <p:nvGrpSpPr>
+        <p:cNvPr id="1" name="">
+          <a:extLst>
+            <a:ext uri="{FF2B5EF4-FFF2-40B4-BE49-F238E27FC236}">
+              <a16:creationId xmlns:a16="http://schemas.microsoft.com/office/drawing/2014/main" id="{887D9FAA-DC94-FE75-8779-9D50E10CBC6F}"/>
+            </a:ext>
+          </a:extLst>
+        </p:cNvPr>
+        <p:cNvGrpSpPr/>
+        <p:nvPr/>
+      </p:nvGrpSpPr>
+      <p:grpSpPr>
+        <a:xfrm>
+          <a:off x="0" y="0"/>
+          <a:ext cx="0" cy="0"/>
+          <a:chOff x="0" y="0"/>
+          <a:chExt cx="0" cy="0"/>
+        </a:xfrm>
+      </p:grpSpPr>
+      <p:sp>
+        <p:nvSpPr>
+          <p:cNvPr id="6" name="テキスト ボックス 5">
+            <a:extLst>
+              <a:ext uri="{FF2B5EF4-FFF2-40B4-BE49-F238E27FC236}">
+                <a16:creationId xmlns:a16="http://schemas.microsoft.com/office/drawing/2014/main" id="{5ED3DA24-879A-4DF4-3142-2606BE2090A5}"/>
+              </a:ext>
+            </a:extLst>
+          </p:cNvPr>
+          <p:cNvSpPr txBox="1"/>
+          <p:nvPr/>
+        </p:nvSpPr>
+        <p:spPr>
+          <a:xfrm>
+            <a:off x="5657418" y="6488668"/>
+            <a:ext cx="877163" cy="369332"/>
+          </a:xfrm>
+          <a:prstGeom prst="rect">
+            <a:avLst/>
+          </a:prstGeom>
+          <a:noFill/>
+        </p:spPr>
+        <p:txBody>
+          <a:bodyPr wrap="none" rtlCol="0">
+            <a:spAutoFit/>
+          </a:bodyPr>
+          <a:lstStyle/>
+          <a:p>
+            <a:r>
+              <a:rPr kumimoji="1" lang="ja-JP" altLang="en-US"/>
+              <a:t>世代数</a:t>
+            </a:r>
+          </a:p>
+        </p:txBody>
+      </p:sp>
+      <p:sp>
+        <p:nvSpPr>
+          <p:cNvPr id="7" name="テキスト ボックス 6">
+            <a:extLst>
+              <a:ext uri="{FF2B5EF4-FFF2-40B4-BE49-F238E27FC236}">
+                <a16:creationId xmlns:a16="http://schemas.microsoft.com/office/drawing/2014/main" id="{D1BCF056-7751-308F-C69E-75E36D2252D4}"/>
+              </a:ext>
+            </a:extLst>
+          </p:cNvPr>
+          <p:cNvSpPr txBox="1"/>
+          <p:nvPr/>
+        </p:nvSpPr>
+        <p:spPr>
+          <a:xfrm>
+            <a:off x="0" y="2967335"/>
+            <a:ext cx="1233890" cy="923330"/>
+          </a:xfrm>
+          <a:prstGeom prst="rect">
+            <a:avLst/>
+          </a:prstGeom>
+          <a:noFill/>
+        </p:spPr>
+        <p:txBody>
+          <a:bodyPr wrap="square" rtlCol="0">
+            <a:spAutoFit/>
+          </a:bodyPr>
+          <a:lstStyle/>
+          <a:p>
+            <a:r>
+              <a:rPr lang="en-US" altLang="ja-JP" dirty="0" err="1"/>
+              <a:t>MiniSat</a:t>
+            </a:r>
+            <a:r>
+              <a:rPr lang="ja-JP" altLang="en-US"/>
+              <a:t>比で見た証明の長さ</a:t>
+            </a:r>
+            <a:endParaRPr kumimoji="1" lang="ja-JP" altLang="en-US"/>
+          </a:p>
+        </p:txBody>
+      </p:sp>
+    </p:spTree>
+    <p:extLst>
+      <p:ext uri="{BB962C8B-B14F-4D97-AF65-F5344CB8AC3E}">
+        <p14:creationId xmlns:p14="http://schemas.microsoft.com/office/powerpoint/2010/main" val="2806478625"/>
+      </p:ext>
+    </p:extLst>
+  </p:cSld>
+  <p:clrMapOvr>
+    <a:masterClrMapping/>
+  </p:clrMapOvr>
+</p:sld>
+</file>
+
+<file path=ppt/slides/slide11.xml><?xml version="1.0" encoding="utf-8"?>
+<p:sld xmlns:a="http://schemas.openxmlformats.org/drawingml/2006/main" xmlns:r="http://schemas.openxmlformats.org/officeDocument/2006/relationships" xmlns:p="http://schemas.openxmlformats.org/presentationml/2006/main">
+  <p:cSld>
+    <p:bg>
+      <p:bgPr>
+        <a:blipFill dpi="0" rotWithShape="1">
+          <a:blip r:embed="rId2">
+            <a:lum/>
+          </a:blip>
+          <a:srcRect/>
+          <a:stretch>
+            <a:fillRect t="-3000" b="-3000"/>
+          </a:stretch>
+        </a:blipFill>
+        <a:effectLst/>
+      </p:bgPr>
+    </p:bg>
+    <p:spTree>
+      <p:nvGrpSpPr>
+        <p:cNvPr id="1" name="">
+          <a:extLst>
+            <a:ext uri="{FF2B5EF4-FFF2-40B4-BE49-F238E27FC236}">
+              <a16:creationId xmlns:a16="http://schemas.microsoft.com/office/drawing/2014/main" id="{8E74AA0D-922E-F91A-516E-4FF1E2C89126}"/>
+            </a:ext>
+          </a:extLst>
+        </p:cNvPr>
+        <p:cNvGrpSpPr/>
+        <p:nvPr/>
+      </p:nvGrpSpPr>
+      <p:grpSpPr>
+        <a:xfrm>
+          <a:off x="0" y="0"/>
+          <a:ext cx="0" cy="0"/>
+          <a:chOff x="0" y="0"/>
+          <a:chExt cx="0" cy="0"/>
+        </a:xfrm>
+      </p:grpSpPr>
+      <p:sp>
+        <p:nvSpPr>
+          <p:cNvPr id="6" name="テキスト ボックス 5">
+            <a:extLst>
+              <a:ext uri="{FF2B5EF4-FFF2-40B4-BE49-F238E27FC236}">
+                <a16:creationId xmlns:a16="http://schemas.microsoft.com/office/drawing/2014/main" id="{280437F1-5367-CB58-B05E-64696F0C2DE3}"/>
+              </a:ext>
+            </a:extLst>
+          </p:cNvPr>
+          <p:cNvSpPr txBox="1"/>
+          <p:nvPr/>
+        </p:nvSpPr>
+        <p:spPr>
+          <a:xfrm>
+            <a:off x="5657418" y="6488668"/>
+            <a:ext cx="877163" cy="369332"/>
+          </a:xfrm>
+          <a:prstGeom prst="rect">
+            <a:avLst/>
+          </a:prstGeom>
+          <a:noFill/>
+        </p:spPr>
+        <p:txBody>
+          <a:bodyPr wrap="none" rtlCol="0">
+            <a:spAutoFit/>
+          </a:bodyPr>
+          <a:lstStyle/>
+          <a:p>
+            <a:r>
+              <a:rPr kumimoji="1" lang="ja-JP" altLang="en-US"/>
+              <a:t>世代数</a:t>
+            </a:r>
+          </a:p>
+        </p:txBody>
+      </p:sp>
+      <p:sp>
+        <p:nvSpPr>
+          <p:cNvPr id="7" name="テキスト ボックス 6">
+            <a:extLst>
+              <a:ext uri="{FF2B5EF4-FFF2-40B4-BE49-F238E27FC236}">
+                <a16:creationId xmlns:a16="http://schemas.microsoft.com/office/drawing/2014/main" id="{7CE83DE7-0FE2-2DAA-6A7A-372A9EDD5243}"/>
+              </a:ext>
+            </a:extLst>
+          </p:cNvPr>
+          <p:cNvSpPr txBox="1"/>
+          <p:nvPr/>
+        </p:nvSpPr>
+        <p:spPr>
+          <a:xfrm>
+            <a:off x="0" y="2967335"/>
+            <a:ext cx="1233890" cy="923330"/>
+          </a:xfrm>
+          <a:prstGeom prst="rect">
+            <a:avLst/>
+          </a:prstGeom>
+          <a:noFill/>
+        </p:spPr>
+        <p:txBody>
+          <a:bodyPr wrap="square" rtlCol="0">
+            <a:spAutoFit/>
+          </a:bodyPr>
+          <a:lstStyle/>
+          <a:p>
+            <a:r>
+              <a:rPr lang="en-US" altLang="ja-JP" dirty="0" err="1"/>
+              <a:t>MiniSat</a:t>
+            </a:r>
+            <a:r>
+              <a:rPr lang="ja-JP" altLang="en-US"/>
+              <a:t>比で見た証明の長さ</a:t>
+            </a:r>
+            <a:endParaRPr kumimoji="1" lang="ja-JP" altLang="en-US"/>
+          </a:p>
+        </p:txBody>
+      </p:sp>
+    </p:spTree>
+    <p:extLst>
+      <p:ext uri="{BB962C8B-B14F-4D97-AF65-F5344CB8AC3E}">
+        <p14:creationId xmlns:p14="http://schemas.microsoft.com/office/powerpoint/2010/main" val="2834959425"/>
+      </p:ext>
+    </p:extLst>
+  </p:cSld>
+  <p:clrMapOvr>
+    <a:masterClrMapping/>
+  </p:clrMapOvr>
+</p:sld>
+</file>
+
+<file path=ppt/slides/slide12.xml><?xml version="1.0" encoding="utf-8"?>
+<p:sld xmlns:a="http://schemas.openxmlformats.org/drawingml/2006/main" xmlns:r="http://schemas.openxmlformats.org/officeDocument/2006/relationships" xmlns:p="http://schemas.openxmlformats.org/presentationml/2006/main">
+  <p:cSld>
+    <p:bg>
+      <p:bgPr>
+        <a:blipFill dpi="0" rotWithShape="1">
+          <a:blip r:embed="rId2">
+            <a:lum/>
+          </a:blip>
+          <a:srcRect/>
+          <a:stretch>
+            <a:fillRect t="-3000" b="-3000"/>
+          </a:stretch>
+        </a:blipFill>
+        <a:effectLst/>
+      </p:bgPr>
+    </p:bg>
+    <p:spTree>
+      <p:nvGrpSpPr>
+        <p:cNvPr id="1" name="">
+          <a:extLst>
+            <a:ext uri="{FF2B5EF4-FFF2-40B4-BE49-F238E27FC236}">
+              <a16:creationId xmlns:a16="http://schemas.microsoft.com/office/drawing/2014/main" id="{50F249F4-4FEA-E714-7682-300B192BF707}"/>
+            </a:ext>
+          </a:extLst>
+        </p:cNvPr>
+        <p:cNvGrpSpPr/>
+        <p:nvPr/>
+      </p:nvGrpSpPr>
+      <p:grpSpPr>
+        <a:xfrm>
+          <a:off x="0" y="0"/>
+          <a:ext cx="0" cy="0"/>
+          <a:chOff x="0" y="0"/>
+          <a:chExt cx="0" cy="0"/>
+        </a:xfrm>
+      </p:grpSpPr>
+      <p:sp>
+        <p:nvSpPr>
+          <p:cNvPr id="6" name="テキスト ボックス 5">
+            <a:extLst>
+              <a:ext uri="{FF2B5EF4-FFF2-40B4-BE49-F238E27FC236}">
+                <a16:creationId xmlns:a16="http://schemas.microsoft.com/office/drawing/2014/main" id="{3B036108-F285-3730-DF6B-4FC51981C553}"/>
+              </a:ext>
+            </a:extLst>
+          </p:cNvPr>
+          <p:cNvSpPr txBox="1"/>
+          <p:nvPr/>
+        </p:nvSpPr>
+        <p:spPr>
+          <a:xfrm>
+            <a:off x="5657418" y="6488668"/>
+            <a:ext cx="877163" cy="369332"/>
+          </a:xfrm>
+          <a:prstGeom prst="rect">
+            <a:avLst/>
+          </a:prstGeom>
+          <a:noFill/>
+        </p:spPr>
+        <p:txBody>
+          <a:bodyPr wrap="none" rtlCol="0">
+            <a:spAutoFit/>
+          </a:bodyPr>
+          <a:lstStyle/>
+          <a:p>
+            <a:r>
+              <a:rPr kumimoji="1" lang="ja-JP" altLang="en-US"/>
+              <a:t>世代数</a:t>
+            </a:r>
+          </a:p>
+        </p:txBody>
+      </p:sp>
+      <p:sp>
+        <p:nvSpPr>
+          <p:cNvPr id="7" name="テキスト ボックス 6">
+            <a:extLst>
+              <a:ext uri="{FF2B5EF4-FFF2-40B4-BE49-F238E27FC236}">
+                <a16:creationId xmlns:a16="http://schemas.microsoft.com/office/drawing/2014/main" id="{646EF7C5-EE06-9581-59DF-D0B877DF03FB}"/>
+              </a:ext>
+            </a:extLst>
+          </p:cNvPr>
+          <p:cNvSpPr txBox="1"/>
+          <p:nvPr/>
+        </p:nvSpPr>
+        <p:spPr>
+          <a:xfrm>
+            <a:off x="0" y="2967335"/>
+            <a:ext cx="1233890" cy="923330"/>
+          </a:xfrm>
+          <a:prstGeom prst="rect">
+            <a:avLst/>
+          </a:prstGeom>
+          <a:noFill/>
+        </p:spPr>
+        <p:txBody>
+          <a:bodyPr wrap="square" rtlCol="0">
+            <a:spAutoFit/>
+          </a:bodyPr>
+          <a:lstStyle/>
+          <a:p>
+            <a:r>
+              <a:rPr lang="en-US" altLang="ja-JP" dirty="0" err="1"/>
+              <a:t>MiniSat</a:t>
+            </a:r>
+            <a:r>
+              <a:rPr lang="ja-JP" altLang="en-US"/>
+              <a:t>比で見た証明の長さ</a:t>
+            </a:r>
+            <a:endParaRPr kumimoji="1" lang="ja-JP" altLang="en-US"/>
+          </a:p>
+        </p:txBody>
+      </p:sp>
+    </p:spTree>
+    <p:extLst>
+      <p:ext uri="{BB962C8B-B14F-4D97-AF65-F5344CB8AC3E}">
+        <p14:creationId xmlns:p14="http://schemas.microsoft.com/office/powerpoint/2010/main" val="985711107"/>
+      </p:ext>
+    </p:extLst>
+  </p:cSld>
+  <p:clrMapOvr>
+    <a:masterClrMapping/>
+  </p:clrMapOvr>
+</p:sld>
+</file>
+
+<file path=ppt/slides/slide13.xml><?xml version="1.0" encoding="utf-8"?>
+<p:sld xmlns:a="http://schemas.openxmlformats.org/drawingml/2006/main" xmlns:r="http://schemas.openxmlformats.org/officeDocument/2006/relationships" xmlns:p="http://schemas.openxmlformats.org/presentationml/2006/main">
+  <p:cSld>
+    <p:spTree>
+      <p:nvGrpSpPr>
+        <p:cNvPr id="1" name=""/>
+        <p:cNvGrpSpPr/>
+        <p:nvPr/>
+      </p:nvGrpSpPr>
+      <p:grpSpPr>
+        <a:xfrm>
+          <a:off x="0" y="0"/>
+          <a:ext cx="0" cy="0"/>
+          <a:chOff x="0" y="0"/>
+          <a:chExt cx="0" cy="0"/>
+        </a:xfrm>
+      </p:grpSpPr>
+      <p:sp>
+        <p:nvSpPr>
+          <p:cNvPr id="2" name="タイトル 1">
+            <a:extLst>
+              <a:ext uri="{FF2B5EF4-FFF2-40B4-BE49-F238E27FC236}">
+                <a16:creationId xmlns:a16="http://schemas.microsoft.com/office/drawing/2014/main" id="{2AB41922-80E7-8787-DD12-4E70275CAE11}"/>
+              </a:ext>
+            </a:extLst>
+          </p:cNvPr>
+          <p:cNvSpPr>
+            <a:spLocks noGrp="1"/>
+          </p:cNvSpPr>
+          <p:nvPr>
+            <p:ph type="title"/>
+          </p:nvPr>
+        </p:nvSpPr>
+        <p:spPr/>
+        <p:txBody>
+          <a:bodyPr/>
+          <a:lstStyle/>
+          <a:p>
+            <a:r>
+              <a:rPr lang="ja-JP" altLang="en-US" b="0">
+                <a:solidFill>
+                  <a:srgbClr val="000000"/>
+                </a:solidFill>
+                <a:effectLst/>
+                <a:latin typeface="Menlo" panose="020B0609030804020204" pitchFamily="49" charset="0"/>
+              </a:rPr>
+              <a:t>色々な問題に対して解く</a:t>
+            </a:r>
+            <a:endParaRPr kumimoji="1" lang="ja-JP" altLang="en-US"/>
+          </a:p>
+        </p:txBody>
+      </p:sp>
+      <p:sp>
+        <p:nvSpPr>
+          <p:cNvPr id="3" name="コンテンツ プレースホルダー 2">
+            <a:extLst>
+              <a:ext uri="{FF2B5EF4-FFF2-40B4-BE49-F238E27FC236}">
+                <a16:creationId xmlns:a16="http://schemas.microsoft.com/office/drawing/2014/main" id="{A6CFF77A-8361-3471-C9A6-E8ED1BDFE82F}"/>
+              </a:ext>
+            </a:extLst>
+          </p:cNvPr>
+          <p:cNvSpPr>
+            <a:spLocks noGrp="1"/>
+          </p:cNvSpPr>
+          <p:nvPr>
+            <p:ph idx="1"/>
+          </p:nvPr>
+        </p:nvSpPr>
+        <p:spPr/>
+        <p:txBody>
+          <a:bodyPr/>
+          <a:lstStyle/>
+          <a:p>
+            <a:endParaRPr kumimoji="1" lang="ja-JP" altLang="en-US"/>
+          </a:p>
+        </p:txBody>
+      </p:sp>
+    </p:spTree>
+    <p:extLst>
+      <p:ext uri="{BB962C8B-B14F-4D97-AF65-F5344CB8AC3E}">
+        <p14:creationId xmlns:p14="http://schemas.microsoft.com/office/powerpoint/2010/main" val="778758777"/>
+      </p:ext>
+    </p:extLst>
+  </p:cSld>
+  <p:clrMapOvr>
+    <a:masterClrMapping/>
+  </p:clrMapOvr>
+</p:sld>
+</file>
+
+<file path=ppt/slides/slide14.xml><?xml version="1.0" encoding="utf-8"?>
+<p:sld xmlns:a="http://schemas.openxmlformats.org/drawingml/2006/main" xmlns:r="http://schemas.openxmlformats.org/officeDocument/2006/relationships" xmlns:p="http://schemas.openxmlformats.org/presentationml/2006/main">
+  <p:cSld>
+    <p:spTree>
+      <p:nvGrpSpPr>
+        <p:cNvPr id="1" name=""/>
+        <p:cNvGrpSpPr/>
+        <p:nvPr/>
+      </p:nvGrpSpPr>
+      <p:grpSpPr>
+        <a:xfrm>
+          <a:off x="0" y="0"/>
+          <a:ext cx="0" cy="0"/>
+          <a:chOff x="0" y="0"/>
+          <a:chExt cx="0" cy="0"/>
+        </a:xfrm>
+      </p:grpSpPr>
+      <p:sp>
+        <p:nvSpPr>
+          <p:cNvPr id="2" name="タイトル 1">
+            <a:extLst>
+              <a:ext uri="{FF2B5EF4-FFF2-40B4-BE49-F238E27FC236}">
+                <a16:creationId xmlns:a16="http://schemas.microsoft.com/office/drawing/2014/main" id="{D1C310AD-5309-0E76-3F8A-032CD682C4FB}"/>
+              </a:ext>
+            </a:extLst>
+          </p:cNvPr>
+          <p:cNvSpPr>
+            <a:spLocks noGrp="1"/>
+          </p:cNvSpPr>
+          <p:nvPr>
+            <p:ph type="title"/>
+          </p:nvPr>
+        </p:nvSpPr>
+        <p:spPr/>
+        <p:txBody>
+          <a:bodyPr/>
+          <a:lstStyle/>
+          <a:p>
+            <a:endParaRPr kumimoji="1" lang="ja-JP" altLang="en-US"/>
+          </a:p>
+        </p:txBody>
+      </p:sp>
+      <p:sp>
+        <p:nvSpPr>
+          <p:cNvPr id="3" name="コンテンツ プレースホルダー 2">
+            <a:extLst>
+              <a:ext uri="{FF2B5EF4-FFF2-40B4-BE49-F238E27FC236}">
+                <a16:creationId xmlns:a16="http://schemas.microsoft.com/office/drawing/2014/main" id="{A57C3117-51C8-72C1-3B4D-68148049C4BF}"/>
+              </a:ext>
+            </a:extLst>
+          </p:cNvPr>
+          <p:cNvSpPr>
+            <a:spLocks noGrp="1"/>
+          </p:cNvSpPr>
+          <p:nvPr>
+            <p:ph idx="1"/>
+          </p:nvPr>
+        </p:nvSpPr>
+        <p:spPr/>
+        <p:txBody>
+          <a:bodyPr/>
+          <a:lstStyle/>
+          <a:p>
+            <a:endParaRPr kumimoji="1" lang="ja-JP" altLang="en-US"/>
+          </a:p>
+        </p:txBody>
+      </p:sp>
+    </p:spTree>
+    <p:extLst>
+      <p:ext uri="{BB962C8B-B14F-4D97-AF65-F5344CB8AC3E}">
+        <p14:creationId xmlns:p14="http://schemas.microsoft.com/office/powerpoint/2010/main" val="339846272"/>
+      </p:ext>
+    </p:extLst>
+  </p:cSld>
+  <p:clrMapOvr>
+    <a:masterClrMapping/>
+  </p:clrMapOvr>
+</p:sld>
+</file>
+
+<file path=ppt/slides/slide2.xml><?xml version="1.0" encoding="utf-8"?>
+<p:sld xmlns:a="http://schemas.openxmlformats.org/drawingml/2006/main" xmlns:r="http://schemas.openxmlformats.org/officeDocument/2006/relationships" xmlns:p="http://schemas.openxmlformats.org/presentationml/2006/main">
+  <p:cSld>
+    <p:bg>
+      <p:bgPr>
+        <a:blipFill dpi="0" rotWithShape="1">
+          <a:blip r:embed="rId2">
+            <a:lum/>
+          </a:blip>
+          <a:srcRect/>
+          <a:stretch>
+            <a:fillRect t="-3000" b="-3000"/>
+          </a:stretch>
+        </a:blipFill>
+        <a:effectLst/>
+      </p:bgPr>
+    </p:bg>
+    <p:spTree>
+      <p:nvGrpSpPr>
+        <p:cNvPr id="1" name=""/>
+        <p:cNvGrpSpPr/>
+        <p:nvPr/>
+      </p:nvGrpSpPr>
+      <p:grpSpPr>
+        <a:xfrm>
+          <a:off x="0" y="0"/>
+          <a:ext cx="0" cy="0"/>
+          <a:chOff x="0" y="0"/>
+          <a:chExt cx="0" cy="0"/>
+        </a:xfrm>
+      </p:grpSpPr>
+      <p:sp>
+        <p:nvSpPr>
+          <p:cNvPr id="2" name="タイトル 1">
+            <a:extLst>
+              <a:ext uri="{FF2B5EF4-FFF2-40B4-BE49-F238E27FC236}">
+                <a16:creationId xmlns:a16="http://schemas.microsoft.com/office/drawing/2014/main" id="{C82057E1-CD22-D11E-96AE-B974F2A23850}"/>
+              </a:ext>
+            </a:extLst>
+          </p:cNvPr>
+          <p:cNvSpPr>
+            <a:spLocks noGrp="1"/>
+          </p:cNvSpPr>
+          <p:nvPr>
+            <p:ph type="title"/>
+          </p:nvPr>
+        </p:nvSpPr>
+        <p:spPr/>
+        <p:txBody>
+          <a:bodyPr/>
+          <a:lstStyle/>
+          <a:p>
+            <a:endParaRPr kumimoji="1" lang="ja-JP" altLang="en-US"/>
+          </a:p>
+        </p:txBody>
+      </p:sp>
+      <p:sp>
+        <p:nvSpPr>
+          <p:cNvPr id="3" name="コンテンツ プレースホルダー 2">
+            <a:extLst>
+              <a:ext uri="{FF2B5EF4-FFF2-40B4-BE49-F238E27FC236}">
+                <a16:creationId xmlns:a16="http://schemas.microsoft.com/office/drawing/2014/main" id="{0EA53094-3FB2-5D1A-AB50-DF93C35B83A9}"/>
+              </a:ext>
+            </a:extLst>
+          </p:cNvPr>
+          <p:cNvSpPr>
+            <a:spLocks noGrp="1"/>
+          </p:cNvSpPr>
+          <p:nvPr>
+            <p:ph idx="1"/>
+          </p:nvPr>
+        </p:nvSpPr>
+        <p:spPr/>
+        <p:txBody>
+          <a:bodyPr/>
+          <a:lstStyle/>
+          <a:p>
+            <a:endParaRPr kumimoji="1" lang="ja-JP" altLang="en-US"/>
+          </a:p>
+        </p:txBody>
+      </p:sp>
+    </p:spTree>
+    <p:extLst>
+      <p:ext uri="{BB962C8B-B14F-4D97-AF65-F5344CB8AC3E}">
+        <p14:creationId xmlns:p14="http://schemas.microsoft.com/office/powerpoint/2010/main" val="711370247"/>
+      </p:ext>
+    </p:extLst>
+  </p:cSld>
+  <p:clrMapOvr>
+    <a:masterClrMapping/>
+  </p:clrMapOvr>
+</p:sld>
+</file>
+
+<file path=ppt/slides/slide3.xml><?xml version="1.0" encoding="utf-8"?>
+<p:sld xmlns:a="http://schemas.openxmlformats.org/drawingml/2006/main" xmlns:r="http://schemas.openxmlformats.org/officeDocument/2006/relationships" xmlns:p="http://schemas.openxmlformats.org/presentationml/2006/main">
+  <p:cSld>
+    <p:spTree>
+      <p:nvGrpSpPr>
+        <p:cNvPr id="1" name=""/>
+        <p:cNvGrpSpPr/>
+        <p:nvPr/>
+      </p:nvGrpSpPr>
+      <p:grpSpPr>
+        <a:xfrm>
+          <a:off x="0" y="0"/>
+          <a:ext cx="0" cy="0"/>
+          <a:chOff x="0" y="0"/>
+          <a:chExt cx="0" cy="0"/>
+        </a:xfrm>
+      </p:grpSpPr>
+      <p:sp>
+        <p:nvSpPr>
+          <p:cNvPr id="2" name="タイトル 1">
+            <a:extLst>
+              <a:ext uri="{FF2B5EF4-FFF2-40B4-BE49-F238E27FC236}">
+                <a16:creationId xmlns:a16="http://schemas.microsoft.com/office/drawing/2014/main" id="{B5EC5000-2C19-09BD-536D-74A6311D19F7}"/>
+              </a:ext>
+            </a:extLst>
+          </p:cNvPr>
+          <p:cNvSpPr>
+            <a:spLocks noGrp="1"/>
+          </p:cNvSpPr>
+          <p:nvPr>
+            <p:ph type="title"/>
+          </p:nvPr>
+        </p:nvSpPr>
+        <p:spPr/>
+        <p:txBody>
+          <a:bodyPr/>
+          <a:lstStyle/>
+          <a:p>
+            <a:r>
+              <a:rPr kumimoji="1" lang="ja-JP" altLang="en-US"/>
+              <a:t>パラメータ調整</a:t>
+            </a:r>
+          </a:p>
+        </p:txBody>
+      </p:sp>
+      <p:sp>
+        <p:nvSpPr>
+          <p:cNvPr id="3" name="コンテンツ プレースホルダー 2">
+            <a:extLst>
+              <a:ext uri="{FF2B5EF4-FFF2-40B4-BE49-F238E27FC236}">
+                <a16:creationId xmlns:a16="http://schemas.microsoft.com/office/drawing/2014/main" id="{621A5D79-FF10-5F4D-F1C3-8A50135BA32A}"/>
+              </a:ext>
+            </a:extLst>
+          </p:cNvPr>
+          <p:cNvSpPr>
+            <a:spLocks noGrp="1"/>
+          </p:cNvSpPr>
+          <p:nvPr>
+            <p:ph idx="1"/>
+          </p:nvPr>
+        </p:nvSpPr>
+        <p:spPr/>
+        <p:txBody>
+          <a:bodyPr/>
+          <a:lstStyle/>
+          <a:p>
+            <a:endParaRPr kumimoji="1" lang="ja-JP" altLang="en-US"/>
+          </a:p>
+        </p:txBody>
+      </p:sp>
+    </p:spTree>
+    <p:extLst>
+      <p:ext uri="{BB962C8B-B14F-4D97-AF65-F5344CB8AC3E}">
+        <p14:creationId xmlns:p14="http://schemas.microsoft.com/office/powerpoint/2010/main" val="3968900781"/>
+      </p:ext>
+    </p:extLst>
+  </p:cSld>
+  <p:clrMapOvr>
+    <a:masterClrMapping/>
+  </p:clrMapOvr>
+</p:sld>
+</file>
+
+<file path=ppt/slides/slide4.xml><?xml version="1.0" encoding="utf-8"?>
+<p:sld xmlns:a="http://schemas.openxmlformats.org/drawingml/2006/main" xmlns:r="http://schemas.openxmlformats.org/officeDocument/2006/relationships" xmlns:p="http://schemas.openxmlformats.org/presentationml/2006/main">
+  <p:cSld>
     <p:bg>
       <p:bgPr>
         <a:blipFill dpi="0" rotWithShape="1">
@@ -3879,7 +4689,7 @@
 </p:sld>
 </file>
 
-<file path=ppt/slides/slide2.xml><?xml version="1.0" encoding="utf-8"?>
+<file path=ppt/slides/slide5.xml><?xml version="1.0" encoding="utf-8"?>
 <p:sld xmlns:a="http://schemas.openxmlformats.org/drawingml/2006/main" xmlns:r="http://schemas.openxmlformats.org/officeDocument/2006/relationships" xmlns:p="http://schemas.openxmlformats.org/presentationml/2006/main">
   <p:cSld>
     <p:bg>
@@ -4004,7 +4814,7 @@
 </p:sld>
 </file>
 
-<file path=ppt/slides/slide3.xml><?xml version="1.0" encoding="utf-8"?>
+<file path=ppt/slides/slide6.xml><?xml version="1.0" encoding="utf-8"?>
 <p:sld xmlns:a="http://schemas.openxmlformats.org/drawingml/2006/main" xmlns:r="http://schemas.openxmlformats.org/officeDocument/2006/relationships" xmlns:p="http://schemas.openxmlformats.org/presentationml/2006/main">
   <p:cSld>
     <p:bg>
@@ -4129,7 +4939,7 @@
 </p:sld>
 </file>
 
-<file path=ppt/slides/slide4.xml><?xml version="1.0" encoding="utf-8"?>
+<file path=ppt/slides/slide7.xml><?xml version="1.0" encoding="utf-8"?>
 <p:sld xmlns:a="http://schemas.openxmlformats.org/drawingml/2006/main" xmlns:r="http://schemas.openxmlformats.org/officeDocument/2006/relationships" xmlns:p="http://schemas.openxmlformats.org/presentationml/2006/main">
   <p:cSld>
     <p:bg>
@@ -4249,7 +5059,7 @@
 </p:sld>
 </file>
 
-<file path=ppt/slides/slide5.xml><?xml version="1.0" encoding="utf-8"?>
+<file path=ppt/slides/slide8.xml><?xml version="1.0" encoding="utf-8"?>
 <p:sld xmlns:a="http://schemas.openxmlformats.org/drawingml/2006/main" xmlns:r="http://schemas.openxmlformats.org/officeDocument/2006/relationships" xmlns:p="http://schemas.openxmlformats.org/presentationml/2006/main">
   <p:cSld>
     <p:bg>
@@ -4374,7 +5184,7 @@
 </p:sld>
 </file>
 
-<file path=ppt/slides/slide6.xml><?xml version="1.0" encoding="utf-8"?>
+<file path=ppt/slides/slide9.xml><?xml version="1.0" encoding="utf-8"?>
 <p:sld xmlns:a="http://schemas.openxmlformats.org/drawingml/2006/main" xmlns:r="http://schemas.openxmlformats.org/officeDocument/2006/relationships" xmlns:p="http://schemas.openxmlformats.org/presentationml/2006/main">
   <p:cSld>
     <p:bg>
@@ -4490,381 +5300,6 @@
     <p:extLst>
       <p:ext uri="{BB962C8B-B14F-4D97-AF65-F5344CB8AC3E}">
         <p14:creationId xmlns:p14="http://schemas.microsoft.com/office/powerpoint/2010/main" val="2334499035"/>
-      </p:ext>
-    </p:extLst>
-  </p:cSld>
-  <p:clrMapOvr>
-    <a:masterClrMapping/>
-  </p:clrMapOvr>
-</p:sld>
-</file>
-
-<file path=ppt/slides/slide7.xml><?xml version="1.0" encoding="utf-8"?>
-<p:sld xmlns:a="http://schemas.openxmlformats.org/drawingml/2006/main" xmlns:r="http://schemas.openxmlformats.org/officeDocument/2006/relationships" xmlns:p="http://schemas.openxmlformats.org/presentationml/2006/main">
-  <p:cSld>
-    <p:bg>
-      <p:bgPr>
-        <a:blipFill dpi="0" rotWithShape="1">
-          <a:blip r:embed="rId2">
-            <a:lum/>
-          </a:blip>
-          <a:srcRect/>
-          <a:stretch>
-            <a:fillRect t="-3000" b="-3000"/>
-          </a:stretch>
-        </a:blipFill>
-        <a:effectLst/>
-      </p:bgPr>
-    </p:bg>
-    <p:spTree>
-      <p:nvGrpSpPr>
-        <p:cNvPr id="1" name="">
-          <a:extLst>
-            <a:ext uri="{FF2B5EF4-FFF2-40B4-BE49-F238E27FC236}">
-              <a16:creationId xmlns:a16="http://schemas.microsoft.com/office/drawing/2014/main" id="{887D9FAA-DC94-FE75-8779-9D50E10CBC6F}"/>
-            </a:ext>
-          </a:extLst>
-        </p:cNvPr>
-        <p:cNvGrpSpPr/>
-        <p:nvPr/>
-      </p:nvGrpSpPr>
-      <p:grpSpPr>
-        <a:xfrm>
-          <a:off x="0" y="0"/>
-          <a:ext cx="0" cy="0"/>
-          <a:chOff x="0" y="0"/>
-          <a:chExt cx="0" cy="0"/>
-        </a:xfrm>
-      </p:grpSpPr>
-      <p:sp>
-        <p:nvSpPr>
-          <p:cNvPr id="6" name="テキスト ボックス 5">
-            <a:extLst>
-              <a:ext uri="{FF2B5EF4-FFF2-40B4-BE49-F238E27FC236}">
-                <a16:creationId xmlns:a16="http://schemas.microsoft.com/office/drawing/2014/main" id="{5ED3DA24-879A-4DF4-3142-2606BE2090A5}"/>
-              </a:ext>
-            </a:extLst>
-          </p:cNvPr>
-          <p:cNvSpPr txBox="1"/>
-          <p:nvPr/>
-        </p:nvSpPr>
-        <p:spPr>
-          <a:xfrm>
-            <a:off x="5657418" y="6488668"/>
-            <a:ext cx="877163" cy="369332"/>
-          </a:xfrm>
-          <a:prstGeom prst="rect">
-            <a:avLst/>
-          </a:prstGeom>
-          <a:noFill/>
-        </p:spPr>
-        <p:txBody>
-          <a:bodyPr wrap="none" rtlCol="0">
-            <a:spAutoFit/>
-          </a:bodyPr>
-          <a:lstStyle/>
-          <a:p>
-            <a:r>
-              <a:rPr kumimoji="1" lang="ja-JP" altLang="en-US"/>
-              <a:t>世代数</a:t>
-            </a:r>
-          </a:p>
-        </p:txBody>
-      </p:sp>
-      <p:sp>
-        <p:nvSpPr>
-          <p:cNvPr id="7" name="テキスト ボックス 6">
-            <a:extLst>
-              <a:ext uri="{FF2B5EF4-FFF2-40B4-BE49-F238E27FC236}">
-                <a16:creationId xmlns:a16="http://schemas.microsoft.com/office/drawing/2014/main" id="{D1BCF056-7751-308F-C69E-75E36D2252D4}"/>
-              </a:ext>
-            </a:extLst>
-          </p:cNvPr>
-          <p:cNvSpPr txBox="1"/>
-          <p:nvPr/>
-        </p:nvSpPr>
-        <p:spPr>
-          <a:xfrm>
-            <a:off x="0" y="2967335"/>
-            <a:ext cx="1233890" cy="923330"/>
-          </a:xfrm>
-          <a:prstGeom prst="rect">
-            <a:avLst/>
-          </a:prstGeom>
-          <a:noFill/>
-        </p:spPr>
-        <p:txBody>
-          <a:bodyPr wrap="square" rtlCol="0">
-            <a:spAutoFit/>
-          </a:bodyPr>
-          <a:lstStyle/>
-          <a:p>
-            <a:r>
-              <a:rPr lang="en-US" altLang="ja-JP" dirty="0" err="1"/>
-              <a:t>MiniSat</a:t>
-            </a:r>
-            <a:r>
-              <a:rPr lang="ja-JP" altLang="en-US"/>
-              <a:t>比で見た証明の長さ</a:t>
-            </a:r>
-            <a:endParaRPr kumimoji="1" lang="ja-JP" altLang="en-US"/>
-          </a:p>
-        </p:txBody>
-      </p:sp>
-    </p:spTree>
-    <p:extLst>
-      <p:ext uri="{BB962C8B-B14F-4D97-AF65-F5344CB8AC3E}">
-        <p14:creationId xmlns:p14="http://schemas.microsoft.com/office/powerpoint/2010/main" val="2806478625"/>
-      </p:ext>
-    </p:extLst>
-  </p:cSld>
-  <p:clrMapOvr>
-    <a:masterClrMapping/>
-  </p:clrMapOvr>
-</p:sld>
-</file>
-
-<file path=ppt/slides/slide8.xml><?xml version="1.0" encoding="utf-8"?>
-<p:sld xmlns:a="http://schemas.openxmlformats.org/drawingml/2006/main" xmlns:r="http://schemas.openxmlformats.org/officeDocument/2006/relationships" xmlns:p="http://schemas.openxmlformats.org/presentationml/2006/main">
-  <p:cSld>
-    <p:bg>
-      <p:bgPr>
-        <a:blipFill dpi="0" rotWithShape="1">
-          <a:blip r:embed="rId2">
-            <a:lum/>
-          </a:blip>
-          <a:srcRect/>
-          <a:stretch>
-            <a:fillRect t="-3000" b="-3000"/>
-          </a:stretch>
-        </a:blipFill>
-        <a:effectLst/>
-      </p:bgPr>
-    </p:bg>
-    <p:spTree>
-      <p:nvGrpSpPr>
-        <p:cNvPr id="1" name="">
-          <a:extLst>
-            <a:ext uri="{FF2B5EF4-FFF2-40B4-BE49-F238E27FC236}">
-              <a16:creationId xmlns:a16="http://schemas.microsoft.com/office/drawing/2014/main" id="{8E74AA0D-922E-F91A-516E-4FF1E2C89126}"/>
-            </a:ext>
-          </a:extLst>
-        </p:cNvPr>
-        <p:cNvGrpSpPr/>
-        <p:nvPr/>
-      </p:nvGrpSpPr>
-      <p:grpSpPr>
-        <a:xfrm>
-          <a:off x="0" y="0"/>
-          <a:ext cx="0" cy="0"/>
-          <a:chOff x="0" y="0"/>
-          <a:chExt cx="0" cy="0"/>
-        </a:xfrm>
-      </p:grpSpPr>
-      <p:sp>
-        <p:nvSpPr>
-          <p:cNvPr id="6" name="テキスト ボックス 5">
-            <a:extLst>
-              <a:ext uri="{FF2B5EF4-FFF2-40B4-BE49-F238E27FC236}">
-                <a16:creationId xmlns:a16="http://schemas.microsoft.com/office/drawing/2014/main" id="{280437F1-5367-CB58-B05E-64696F0C2DE3}"/>
-              </a:ext>
-            </a:extLst>
-          </p:cNvPr>
-          <p:cNvSpPr txBox="1"/>
-          <p:nvPr/>
-        </p:nvSpPr>
-        <p:spPr>
-          <a:xfrm>
-            <a:off x="5657418" y="6488668"/>
-            <a:ext cx="877163" cy="369332"/>
-          </a:xfrm>
-          <a:prstGeom prst="rect">
-            <a:avLst/>
-          </a:prstGeom>
-          <a:noFill/>
-        </p:spPr>
-        <p:txBody>
-          <a:bodyPr wrap="none" rtlCol="0">
-            <a:spAutoFit/>
-          </a:bodyPr>
-          <a:lstStyle/>
-          <a:p>
-            <a:r>
-              <a:rPr kumimoji="1" lang="ja-JP" altLang="en-US"/>
-              <a:t>世代数</a:t>
-            </a:r>
-          </a:p>
-        </p:txBody>
-      </p:sp>
-      <p:sp>
-        <p:nvSpPr>
-          <p:cNvPr id="7" name="テキスト ボックス 6">
-            <a:extLst>
-              <a:ext uri="{FF2B5EF4-FFF2-40B4-BE49-F238E27FC236}">
-                <a16:creationId xmlns:a16="http://schemas.microsoft.com/office/drawing/2014/main" id="{7CE83DE7-0FE2-2DAA-6A7A-372A9EDD5243}"/>
-              </a:ext>
-            </a:extLst>
-          </p:cNvPr>
-          <p:cNvSpPr txBox="1"/>
-          <p:nvPr/>
-        </p:nvSpPr>
-        <p:spPr>
-          <a:xfrm>
-            <a:off x="0" y="2967335"/>
-            <a:ext cx="1233890" cy="923330"/>
-          </a:xfrm>
-          <a:prstGeom prst="rect">
-            <a:avLst/>
-          </a:prstGeom>
-          <a:noFill/>
-        </p:spPr>
-        <p:txBody>
-          <a:bodyPr wrap="square" rtlCol="0">
-            <a:spAutoFit/>
-          </a:bodyPr>
-          <a:lstStyle/>
-          <a:p>
-            <a:r>
-              <a:rPr lang="en-US" altLang="ja-JP" dirty="0" err="1"/>
-              <a:t>MiniSat</a:t>
-            </a:r>
-            <a:r>
-              <a:rPr lang="ja-JP" altLang="en-US"/>
-              <a:t>比で見た証明の長さ</a:t>
-            </a:r>
-            <a:endParaRPr kumimoji="1" lang="ja-JP" altLang="en-US"/>
-          </a:p>
-        </p:txBody>
-      </p:sp>
-    </p:spTree>
-    <p:extLst>
-      <p:ext uri="{BB962C8B-B14F-4D97-AF65-F5344CB8AC3E}">
-        <p14:creationId xmlns:p14="http://schemas.microsoft.com/office/powerpoint/2010/main" val="2834959425"/>
-      </p:ext>
-    </p:extLst>
-  </p:cSld>
-  <p:clrMapOvr>
-    <a:masterClrMapping/>
-  </p:clrMapOvr>
-</p:sld>
-</file>
-
-<file path=ppt/slides/slide9.xml><?xml version="1.0" encoding="utf-8"?>
-<p:sld xmlns:a="http://schemas.openxmlformats.org/drawingml/2006/main" xmlns:r="http://schemas.openxmlformats.org/officeDocument/2006/relationships" xmlns:p="http://schemas.openxmlformats.org/presentationml/2006/main">
-  <p:cSld>
-    <p:bg>
-      <p:bgPr>
-        <a:blipFill dpi="0" rotWithShape="1">
-          <a:blip r:embed="rId2">
-            <a:lum/>
-          </a:blip>
-          <a:srcRect/>
-          <a:stretch>
-            <a:fillRect t="-3000" b="-3000"/>
-          </a:stretch>
-        </a:blipFill>
-        <a:effectLst/>
-      </p:bgPr>
-    </p:bg>
-    <p:spTree>
-      <p:nvGrpSpPr>
-        <p:cNvPr id="1" name="">
-          <a:extLst>
-            <a:ext uri="{FF2B5EF4-FFF2-40B4-BE49-F238E27FC236}">
-              <a16:creationId xmlns:a16="http://schemas.microsoft.com/office/drawing/2014/main" id="{50F249F4-4FEA-E714-7682-300B192BF707}"/>
-            </a:ext>
-          </a:extLst>
-        </p:cNvPr>
-        <p:cNvGrpSpPr/>
-        <p:nvPr/>
-      </p:nvGrpSpPr>
-      <p:grpSpPr>
-        <a:xfrm>
-          <a:off x="0" y="0"/>
-          <a:ext cx="0" cy="0"/>
-          <a:chOff x="0" y="0"/>
-          <a:chExt cx="0" cy="0"/>
-        </a:xfrm>
-      </p:grpSpPr>
-      <p:sp>
-        <p:nvSpPr>
-          <p:cNvPr id="6" name="テキスト ボックス 5">
-            <a:extLst>
-              <a:ext uri="{FF2B5EF4-FFF2-40B4-BE49-F238E27FC236}">
-                <a16:creationId xmlns:a16="http://schemas.microsoft.com/office/drawing/2014/main" id="{3B036108-F285-3730-DF6B-4FC51981C553}"/>
-              </a:ext>
-            </a:extLst>
-          </p:cNvPr>
-          <p:cNvSpPr txBox="1"/>
-          <p:nvPr/>
-        </p:nvSpPr>
-        <p:spPr>
-          <a:xfrm>
-            <a:off x="5657418" y="6488668"/>
-            <a:ext cx="877163" cy="369332"/>
-          </a:xfrm>
-          <a:prstGeom prst="rect">
-            <a:avLst/>
-          </a:prstGeom>
-          <a:noFill/>
-        </p:spPr>
-        <p:txBody>
-          <a:bodyPr wrap="none" rtlCol="0">
-            <a:spAutoFit/>
-          </a:bodyPr>
-          <a:lstStyle/>
-          <a:p>
-            <a:r>
-              <a:rPr kumimoji="1" lang="ja-JP" altLang="en-US"/>
-              <a:t>世代数</a:t>
-            </a:r>
-          </a:p>
-        </p:txBody>
-      </p:sp>
-      <p:sp>
-        <p:nvSpPr>
-          <p:cNvPr id="7" name="テキスト ボックス 6">
-            <a:extLst>
-              <a:ext uri="{FF2B5EF4-FFF2-40B4-BE49-F238E27FC236}">
-                <a16:creationId xmlns:a16="http://schemas.microsoft.com/office/drawing/2014/main" id="{646EF7C5-EE06-9581-59DF-D0B877DF03FB}"/>
-              </a:ext>
-            </a:extLst>
-          </p:cNvPr>
-          <p:cNvSpPr txBox="1"/>
-          <p:nvPr/>
-        </p:nvSpPr>
-        <p:spPr>
-          <a:xfrm>
-            <a:off x="0" y="2967335"/>
-            <a:ext cx="1233890" cy="923330"/>
-          </a:xfrm>
-          <a:prstGeom prst="rect">
-            <a:avLst/>
-          </a:prstGeom>
-          <a:noFill/>
-        </p:spPr>
-        <p:txBody>
-          <a:bodyPr wrap="square" rtlCol="0">
-            <a:spAutoFit/>
-          </a:bodyPr>
-          <a:lstStyle/>
-          <a:p>
-            <a:r>
-              <a:rPr lang="en-US" altLang="ja-JP" dirty="0" err="1"/>
-              <a:t>MiniSat</a:t>
-            </a:r>
-            <a:r>
-              <a:rPr lang="ja-JP" altLang="en-US"/>
-              <a:t>比で見た証明の長さ</a:t>
-            </a:r>
-            <a:endParaRPr kumimoji="1" lang="ja-JP" altLang="en-US"/>
-          </a:p>
-        </p:txBody>
-      </p:sp>
-    </p:spTree>
-    <p:extLst>
-      <p:ext uri="{BB962C8B-B14F-4D97-AF65-F5344CB8AC3E}">
-        <p14:creationId xmlns:p14="http://schemas.microsoft.com/office/powerpoint/2010/main" val="985711107"/>
       </p:ext>
     </p:extLst>
   </p:cSld>

--- a/figures/実験画像.pptx
+++ b/figures/実験画像.pptx
@@ -18,7 +18,14 @@
     <p:sldId id="266" r:id="rId12"/>
     <p:sldId id="267" r:id="rId13"/>
     <p:sldId id="271" r:id="rId14"/>
-    <p:sldId id="272" r:id="rId15"/>
+    <p:sldId id="273" r:id="rId15"/>
+    <p:sldId id="280" r:id="rId16"/>
+    <p:sldId id="281" r:id="rId17"/>
+    <p:sldId id="275" r:id="rId18"/>
+    <p:sldId id="276" r:id="rId19"/>
+    <p:sldId id="277" r:id="rId20"/>
+    <p:sldId id="278" r:id="rId21"/>
+    <p:sldId id="279" r:id="rId22"/>
   </p:sldIdLst>
   <p:sldSz cx="12192000" cy="6858000"/>
   <p:notesSz cx="6858000" cy="9144000"/>
@@ -4161,6 +4168,402 @@
 <file path=ppt/slides/slide14.xml><?xml version="1.0" encoding="utf-8"?>
 <p:sld xmlns:a="http://schemas.openxmlformats.org/drawingml/2006/main" xmlns:r="http://schemas.openxmlformats.org/officeDocument/2006/relationships" xmlns:p="http://schemas.openxmlformats.org/presentationml/2006/main">
   <p:cSld>
+    <p:bg>
+      <p:bgPr>
+        <a:blipFill dpi="0" rotWithShape="1">
+          <a:blip r:embed="rId2">
+            <a:lum/>
+          </a:blip>
+          <a:srcRect/>
+          <a:stretch>
+            <a:fillRect t="-3000" b="-3000"/>
+          </a:stretch>
+        </a:blipFill>
+        <a:effectLst/>
+      </p:bgPr>
+    </p:bg>
+    <p:spTree>
+      <p:nvGrpSpPr>
+        <p:cNvPr id="1" name="">
+          <a:extLst>
+            <a:ext uri="{FF2B5EF4-FFF2-40B4-BE49-F238E27FC236}">
+              <a16:creationId xmlns:a16="http://schemas.microsoft.com/office/drawing/2014/main" id="{A169E84E-D601-275C-82B7-546FCCBCFA44}"/>
+            </a:ext>
+          </a:extLst>
+        </p:cNvPr>
+        <p:cNvGrpSpPr/>
+        <p:nvPr/>
+      </p:nvGrpSpPr>
+      <p:grpSpPr>
+        <a:xfrm>
+          <a:off x="0" y="0"/>
+          <a:ext cx="0" cy="0"/>
+          <a:chOff x="0" y="0"/>
+          <a:chExt cx="0" cy="0"/>
+        </a:xfrm>
+      </p:grpSpPr>
+      <p:sp>
+        <p:nvSpPr>
+          <p:cNvPr id="6" name="テキスト ボックス 5">
+            <a:extLst>
+              <a:ext uri="{FF2B5EF4-FFF2-40B4-BE49-F238E27FC236}">
+                <a16:creationId xmlns:a16="http://schemas.microsoft.com/office/drawing/2014/main" id="{4C099DC4-367D-D4C1-69F5-18C49969BCE8}"/>
+              </a:ext>
+            </a:extLst>
+          </p:cNvPr>
+          <p:cNvSpPr txBox="1"/>
+          <p:nvPr/>
+        </p:nvSpPr>
+        <p:spPr>
+          <a:xfrm>
+            <a:off x="5657418" y="6488668"/>
+            <a:ext cx="877163" cy="369332"/>
+          </a:xfrm>
+          <a:prstGeom prst="rect">
+            <a:avLst/>
+          </a:prstGeom>
+          <a:noFill/>
+        </p:spPr>
+        <p:txBody>
+          <a:bodyPr wrap="none" rtlCol="0">
+            <a:spAutoFit/>
+          </a:bodyPr>
+          <a:lstStyle/>
+          <a:p>
+            <a:r>
+              <a:rPr kumimoji="1" lang="ja-JP" altLang="en-US"/>
+              <a:t>世代数</a:t>
+            </a:r>
+          </a:p>
+        </p:txBody>
+      </p:sp>
+      <p:sp>
+        <p:nvSpPr>
+          <p:cNvPr id="7" name="テキスト ボックス 6">
+            <a:extLst>
+              <a:ext uri="{FF2B5EF4-FFF2-40B4-BE49-F238E27FC236}">
+                <a16:creationId xmlns:a16="http://schemas.microsoft.com/office/drawing/2014/main" id="{3EBCF4E7-1072-6239-33B9-25EB027F0A04}"/>
+              </a:ext>
+            </a:extLst>
+          </p:cNvPr>
+          <p:cNvSpPr txBox="1"/>
+          <p:nvPr/>
+        </p:nvSpPr>
+        <p:spPr>
+          <a:xfrm>
+            <a:off x="0" y="2967335"/>
+            <a:ext cx="1233890" cy="923330"/>
+          </a:xfrm>
+          <a:prstGeom prst="rect">
+            <a:avLst/>
+          </a:prstGeom>
+          <a:noFill/>
+        </p:spPr>
+        <p:txBody>
+          <a:bodyPr wrap="square" rtlCol="0">
+            <a:spAutoFit/>
+          </a:bodyPr>
+          <a:lstStyle/>
+          <a:p>
+            <a:r>
+              <a:rPr lang="en-US" altLang="ja-JP" dirty="0" err="1"/>
+              <a:t>MiniSat</a:t>
+            </a:r>
+            <a:r>
+              <a:rPr lang="ja-JP" altLang="en-US"/>
+              <a:t>比で見た証明の長さ</a:t>
+            </a:r>
+            <a:endParaRPr kumimoji="1" lang="ja-JP" altLang="en-US"/>
+          </a:p>
+        </p:txBody>
+      </p:sp>
+    </p:spTree>
+    <p:extLst>
+      <p:ext uri="{BB962C8B-B14F-4D97-AF65-F5344CB8AC3E}">
+        <p14:creationId xmlns:p14="http://schemas.microsoft.com/office/powerpoint/2010/main" val="1706794211"/>
+      </p:ext>
+    </p:extLst>
+  </p:cSld>
+  <p:clrMapOvr>
+    <a:masterClrMapping/>
+  </p:clrMapOvr>
+</p:sld>
+</file>
+
+<file path=ppt/slides/slide15.xml><?xml version="1.0" encoding="utf-8"?>
+<p:sld xmlns:a="http://schemas.openxmlformats.org/drawingml/2006/main" xmlns:r="http://schemas.openxmlformats.org/officeDocument/2006/relationships" xmlns:p="http://schemas.openxmlformats.org/presentationml/2006/main">
+  <p:cSld>
+    <p:bg>
+      <p:bgPr>
+        <a:blipFill dpi="0" rotWithShape="1">
+          <a:blip r:embed="rId2">
+            <a:lum/>
+          </a:blip>
+          <a:srcRect/>
+          <a:stretch>
+            <a:fillRect t="-3000" b="-3000"/>
+          </a:stretch>
+        </a:blipFill>
+        <a:effectLst/>
+      </p:bgPr>
+    </p:bg>
+    <p:spTree>
+      <p:nvGrpSpPr>
+        <p:cNvPr id="1" name="">
+          <a:extLst>
+            <a:ext uri="{FF2B5EF4-FFF2-40B4-BE49-F238E27FC236}">
+              <a16:creationId xmlns:a16="http://schemas.microsoft.com/office/drawing/2014/main" id="{37475E91-F36C-894D-D8F5-785A59EAAF97}"/>
+            </a:ext>
+          </a:extLst>
+        </p:cNvPr>
+        <p:cNvGrpSpPr/>
+        <p:nvPr/>
+      </p:nvGrpSpPr>
+      <p:grpSpPr>
+        <a:xfrm>
+          <a:off x="0" y="0"/>
+          <a:ext cx="0" cy="0"/>
+          <a:chOff x="0" y="0"/>
+          <a:chExt cx="0" cy="0"/>
+        </a:xfrm>
+      </p:grpSpPr>
+      <p:sp>
+        <p:nvSpPr>
+          <p:cNvPr id="6" name="テキスト ボックス 5">
+            <a:extLst>
+              <a:ext uri="{FF2B5EF4-FFF2-40B4-BE49-F238E27FC236}">
+                <a16:creationId xmlns:a16="http://schemas.microsoft.com/office/drawing/2014/main" id="{8D07BE7C-1635-25B5-5551-60038B5CD617}"/>
+              </a:ext>
+            </a:extLst>
+          </p:cNvPr>
+          <p:cNvSpPr txBox="1"/>
+          <p:nvPr/>
+        </p:nvSpPr>
+        <p:spPr>
+          <a:xfrm>
+            <a:off x="5657418" y="6488668"/>
+            <a:ext cx="877163" cy="369332"/>
+          </a:xfrm>
+          <a:prstGeom prst="rect">
+            <a:avLst/>
+          </a:prstGeom>
+          <a:noFill/>
+        </p:spPr>
+        <p:txBody>
+          <a:bodyPr wrap="none" rtlCol="0">
+            <a:spAutoFit/>
+          </a:bodyPr>
+          <a:lstStyle/>
+          <a:p>
+            <a:r>
+              <a:rPr kumimoji="1" lang="ja-JP" altLang="en-US"/>
+              <a:t>世代数</a:t>
+            </a:r>
+          </a:p>
+        </p:txBody>
+      </p:sp>
+      <p:sp>
+        <p:nvSpPr>
+          <p:cNvPr id="7" name="テキスト ボックス 6">
+            <a:extLst>
+              <a:ext uri="{FF2B5EF4-FFF2-40B4-BE49-F238E27FC236}">
+                <a16:creationId xmlns:a16="http://schemas.microsoft.com/office/drawing/2014/main" id="{AD83D9C0-B5EA-26FA-F9D9-23E3DEE23DEA}"/>
+              </a:ext>
+            </a:extLst>
+          </p:cNvPr>
+          <p:cNvSpPr txBox="1"/>
+          <p:nvPr/>
+        </p:nvSpPr>
+        <p:spPr>
+          <a:xfrm>
+            <a:off x="0" y="2967335"/>
+            <a:ext cx="1233890" cy="923330"/>
+          </a:xfrm>
+          <a:prstGeom prst="rect">
+            <a:avLst/>
+          </a:prstGeom>
+          <a:noFill/>
+        </p:spPr>
+        <p:txBody>
+          <a:bodyPr wrap="square" rtlCol="0">
+            <a:spAutoFit/>
+          </a:bodyPr>
+          <a:lstStyle/>
+          <a:p>
+            <a:r>
+              <a:rPr lang="en-US" altLang="ja-JP" dirty="0" err="1"/>
+              <a:t>MiniSat</a:t>
+            </a:r>
+            <a:r>
+              <a:rPr lang="ja-JP" altLang="en-US"/>
+              <a:t>比で見た証明の長さ</a:t>
+            </a:r>
+            <a:endParaRPr kumimoji="1" lang="ja-JP" altLang="en-US"/>
+          </a:p>
+        </p:txBody>
+      </p:sp>
+    </p:spTree>
+    <p:extLst>
+      <p:ext uri="{BB962C8B-B14F-4D97-AF65-F5344CB8AC3E}">
+        <p14:creationId xmlns:p14="http://schemas.microsoft.com/office/powerpoint/2010/main" val="3838098140"/>
+      </p:ext>
+    </p:extLst>
+  </p:cSld>
+  <p:clrMapOvr>
+    <a:masterClrMapping/>
+  </p:clrMapOvr>
+</p:sld>
+</file>
+
+<file path=ppt/slides/slide16.xml><?xml version="1.0" encoding="utf-8"?>
+<p:sld xmlns:a="http://schemas.openxmlformats.org/drawingml/2006/main" xmlns:r="http://schemas.openxmlformats.org/officeDocument/2006/relationships" xmlns:p="http://schemas.openxmlformats.org/presentationml/2006/main">
+  <p:cSld>
+    <p:bg>
+      <p:bgPr>
+        <a:blipFill dpi="0" rotWithShape="1">
+          <a:blip r:embed="rId2">
+            <a:lum/>
+          </a:blip>
+          <a:srcRect/>
+          <a:stretch>
+            <a:fillRect t="-3000" b="-3000"/>
+          </a:stretch>
+        </a:blipFill>
+        <a:effectLst/>
+      </p:bgPr>
+    </p:bg>
+    <p:spTree>
+      <p:nvGrpSpPr>
+        <p:cNvPr id="1" name="">
+          <a:extLst>
+            <a:ext uri="{FF2B5EF4-FFF2-40B4-BE49-F238E27FC236}">
+              <a16:creationId xmlns:a16="http://schemas.microsoft.com/office/drawing/2014/main" id="{5C060867-25A5-0586-8C2C-E3E7577067BF}"/>
+            </a:ext>
+          </a:extLst>
+        </p:cNvPr>
+        <p:cNvGrpSpPr/>
+        <p:nvPr/>
+      </p:nvGrpSpPr>
+      <p:grpSpPr>
+        <a:xfrm>
+          <a:off x="0" y="0"/>
+          <a:ext cx="0" cy="0"/>
+          <a:chOff x="0" y="0"/>
+          <a:chExt cx="0" cy="0"/>
+        </a:xfrm>
+      </p:grpSpPr>
+      <p:sp>
+        <p:nvSpPr>
+          <p:cNvPr id="6" name="テキスト ボックス 5">
+            <a:extLst>
+              <a:ext uri="{FF2B5EF4-FFF2-40B4-BE49-F238E27FC236}">
+                <a16:creationId xmlns:a16="http://schemas.microsoft.com/office/drawing/2014/main" id="{A09C63DD-6258-0C4A-52C5-60C899566877}"/>
+              </a:ext>
+            </a:extLst>
+          </p:cNvPr>
+          <p:cNvSpPr txBox="1"/>
+          <p:nvPr/>
+        </p:nvSpPr>
+        <p:spPr>
+          <a:xfrm>
+            <a:off x="3146314" y="6488668"/>
+            <a:ext cx="5899372" cy="369332"/>
+          </a:xfrm>
+          <a:prstGeom prst="rect">
+            <a:avLst/>
+          </a:prstGeom>
+          <a:noFill/>
+        </p:spPr>
+        <p:txBody>
+          <a:bodyPr wrap="none" rtlCol="0">
+            <a:spAutoFit/>
+          </a:bodyPr>
+          <a:lstStyle/>
+          <a:p>
+            <a:r>
+              <a:rPr lang="ja-JP" altLang="en-US"/>
+              <a:t>介入無しで解いた場合の実行時間</a:t>
+            </a:r>
+            <a:r>
+              <a:rPr lang="en-US" altLang="ja-JP" dirty="0"/>
+              <a:t>(</a:t>
+            </a:r>
+            <a:r>
+              <a:rPr lang="en-US" altLang="ja-JP" dirty="0" err="1"/>
+              <a:t>MiniSat</a:t>
+            </a:r>
+            <a:r>
+              <a:rPr lang="en-US" altLang="ja-JP" dirty="0"/>
+              <a:t> + drat-trim)</a:t>
+            </a:r>
+            <a:endParaRPr kumimoji="1" lang="ja-JP" altLang="en-US"/>
+          </a:p>
+        </p:txBody>
+      </p:sp>
+      <p:sp>
+        <p:nvSpPr>
+          <p:cNvPr id="7" name="テキスト ボックス 6">
+            <a:extLst>
+              <a:ext uri="{FF2B5EF4-FFF2-40B4-BE49-F238E27FC236}">
+                <a16:creationId xmlns:a16="http://schemas.microsoft.com/office/drawing/2014/main" id="{BFA1EEEB-8A54-FB40-D223-7EB299EB2881}"/>
+              </a:ext>
+            </a:extLst>
+          </p:cNvPr>
+          <p:cNvSpPr txBox="1"/>
+          <p:nvPr/>
+        </p:nvSpPr>
+        <p:spPr>
+          <a:xfrm>
+            <a:off x="0" y="2967335"/>
+            <a:ext cx="1233890" cy="923330"/>
+          </a:xfrm>
+          <a:prstGeom prst="rect">
+            <a:avLst/>
+          </a:prstGeom>
+          <a:noFill/>
+        </p:spPr>
+        <p:txBody>
+          <a:bodyPr wrap="square" rtlCol="0">
+            <a:spAutoFit/>
+          </a:bodyPr>
+          <a:lstStyle/>
+          <a:p>
+            <a:r>
+              <a:rPr lang="en-US" altLang="ja-JP" dirty="0" err="1"/>
+              <a:t>MiniSat</a:t>
+            </a:r>
+            <a:r>
+              <a:rPr lang="ja-JP" altLang="en-US"/>
+              <a:t>比で見た</a:t>
+            </a:r>
+            <a:r>
+              <a:rPr lang="en-US" altLang="ja-JP" dirty="0"/>
+              <a:t>GA</a:t>
+            </a:r>
+            <a:r>
+              <a:rPr lang="ja-JP" altLang="en-US"/>
+              <a:t>のベスト</a:t>
+            </a:r>
+            <a:endParaRPr kumimoji="1" lang="ja-JP" altLang="en-US"/>
+          </a:p>
+        </p:txBody>
+      </p:sp>
+    </p:spTree>
+    <p:extLst>
+      <p:ext uri="{BB962C8B-B14F-4D97-AF65-F5344CB8AC3E}">
+        <p14:creationId xmlns:p14="http://schemas.microsoft.com/office/powerpoint/2010/main" val="3435481434"/>
+      </p:ext>
+    </p:extLst>
+  </p:cSld>
+  <p:clrMapOvr>
+    <a:masterClrMapping/>
+  </p:clrMapOvr>
+</p:sld>
+</file>
+
+<file path=ppt/slides/slide17.xml><?xml version="1.0" encoding="utf-8"?>
+<p:sld xmlns:a="http://schemas.openxmlformats.org/drawingml/2006/main" xmlns:r="http://schemas.openxmlformats.org/officeDocument/2006/relationships" xmlns:p="http://schemas.openxmlformats.org/presentationml/2006/main">
+  <p:cSld>
     <p:spTree>
       <p:nvGrpSpPr>
         <p:cNvPr id="1" name=""/>
@@ -4180,7 +4583,7 @@
           <p:cNvPr id="2" name="タイトル 1">
             <a:extLst>
               <a:ext uri="{FF2B5EF4-FFF2-40B4-BE49-F238E27FC236}">
-                <a16:creationId xmlns:a16="http://schemas.microsoft.com/office/drawing/2014/main" id="{D1C310AD-5309-0E76-3F8A-032CD682C4FB}"/>
+                <a16:creationId xmlns:a16="http://schemas.microsoft.com/office/drawing/2014/main" id="{CCD5E911-7B81-CF3E-859D-E3F201F5059F}"/>
               </a:ext>
             </a:extLst>
           </p:cNvPr>
@@ -4205,7 +4608,7 @@
           <p:cNvPr id="3" name="コンテンツ プレースホルダー 2">
             <a:extLst>
               <a:ext uri="{FF2B5EF4-FFF2-40B4-BE49-F238E27FC236}">
-                <a16:creationId xmlns:a16="http://schemas.microsoft.com/office/drawing/2014/main" id="{A57C3117-51C8-72C1-3B4D-68148049C4BF}"/>
+                <a16:creationId xmlns:a16="http://schemas.microsoft.com/office/drawing/2014/main" id="{DA81BC8E-8B37-CF31-A421-2DEB52B8AE19}"/>
               </a:ext>
             </a:extLst>
           </p:cNvPr>
@@ -4228,7 +4631,167 @@
     </p:spTree>
     <p:extLst>
       <p:ext uri="{BB962C8B-B14F-4D97-AF65-F5344CB8AC3E}">
-        <p14:creationId xmlns:p14="http://schemas.microsoft.com/office/powerpoint/2010/main" val="339846272"/>
+        <p14:creationId xmlns:p14="http://schemas.microsoft.com/office/powerpoint/2010/main" val="3459599920"/>
+      </p:ext>
+    </p:extLst>
+  </p:cSld>
+  <p:clrMapOvr>
+    <a:masterClrMapping/>
+  </p:clrMapOvr>
+</p:sld>
+</file>
+
+<file path=ppt/slides/slide18.xml><?xml version="1.0" encoding="utf-8"?>
+<p:sld xmlns:a="http://schemas.openxmlformats.org/drawingml/2006/main" xmlns:r="http://schemas.openxmlformats.org/officeDocument/2006/relationships" xmlns:p="http://schemas.openxmlformats.org/presentationml/2006/main">
+  <p:cSld>
+    <p:spTree>
+      <p:nvGrpSpPr>
+        <p:cNvPr id="1" name=""/>
+        <p:cNvGrpSpPr/>
+        <p:nvPr/>
+      </p:nvGrpSpPr>
+      <p:grpSpPr>
+        <a:xfrm>
+          <a:off x="0" y="0"/>
+          <a:ext cx="0" cy="0"/>
+          <a:chOff x="0" y="0"/>
+          <a:chExt cx="0" cy="0"/>
+        </a:xfrm>
+      </p:grpSpPr>
+      <p:sp>
+        <p:nvSpPr>
+          <p:cNvPr id="2" name="タイトル 1">
+            <a:extLst>
+              <a:ext uri="{FF2B5EF4-FFF2-40B4-BE49-F238E27FC236}">
+                <a16:creationId xmlns:a16="http://schemas.microsoft.com/office/drawing/2014/main" id="{9E417FE3-82D8-D110-DE30-7AA6FFE3C194}"/>
+              </a:ext>
+            </a:extLst>
+          </p:cNvPr>
+          <p:cNvSpPr>
+            <a:spLocks noGrp="1"/>
+          </p:cNvSpPr>
+          <p:nvPr>
+            <p:ph type="title"/>
+          </p:nvPr>
+        </p:nvSpPr>
+        <p:spPr/>
+        <p:txBody>
+          <a:bodyPr/>
+          <a:lstStyle/>
+          <a:p>
+            <a:endParaRPr kumimoji="1" lang="ja-JP" altLang="en-US"/>
+          </a:p>
+        </p:txBody>
+      </p:sp>
+      <p:sp>
+        <p:nvSpPr>
+          <p:cNvPr id="3" name="コンテンツ プレースホルダー 2">
+            <a:extLst>
+              <a:ext uri="{FF2B5EF4-FFF2-40B4-BE49-F238E27FC236}">
+                <a16:creationId xmlns:a16="http://schemas.microsoft.com/office/drawing/2014/main" id="{B3669EAE-F64F-5E4D-5E86-2F525E3DE531}"/>
+              </a:ext>
+            </a:extLst>
+          </p:cNvPr>
+          <p:cNvSpPr>
+            <a:spLocks noGrp="1"/>
+          </p:cNvSpPr>
+          <p:nvPr>
+            <p:ph idx="1"/>
+          </p:nvPr>
+        </p:nvSpPr>
+        <p:spPr/>
+        <p:txBody>
+          <a:bodyPr/>
+          <a:lstStyle/>
+          <a:p>
+            <a:endParaRPr kumimoji="1" lang="ja-JP" altLang="en-US"/>
+          </a:p>
+        </p:txBody>
+      </p:sp>
+    </p:spTree>
+    <p:extLst>
+      <p:ext uri="{BB962C8B-B14F-4D97-AF65-F5344CB8AC3E}">
+        <p14:creationId xmlns:p14="http://schemas.microsoft.com/office/powerpoint/2010/main" val="3148822998"/>
+      </p:ext>
+    </p:extLst>
+  </p:cSld>
+  <p:clrMapOvr>
+    <a:masterClrMapping/>
+  </p:clrMapOvr>
+</p:sld>
+</file>
+
+<file path=ppt/slides/slide19.xml><?xml version="1.0" encoding="utf-8"?>
+<p:sld xmlns:a="http://schemas.openxmlformats.org/drawingml/2006/main" xmlns:r="http://schemas.openxmlformats.org/officeDocument/2006/relationships" xmlns:p="http://schemas.openxmlformats.org/presentationml/2006/main">
+  <p:cSld>
+    <p:spTree>
+      <p:nvGrpSpPr>
+        <p:cNvPr id="1" name=""/>
+        <p:cNvGrpSpPr/>
+        <p:nvPr/>
+      </p:nvGrpSpPr>
+      <p:grpSpPr>
+        <a:xfrm>
+          <a:off x="0" y="0"/>
+          <a:ext cx="0" cy="0"/>
+          <a:chOff x="0" y="0"/>
+          <a:chExt cx="0" cy="0"/>
+        </a:xfrm>
+      </p:grpSpPr>
+      <p:sp>
+        <p:nvSpPr>
+          <p:cNvPr id="2" name="タイトル 1">
+            <a:extLst>
+              <a:ext uri="{FF2B5EF4-FFF2-40B4-BE49-F238E27FC236}">
+                <a16:creationId xmlns:a16="http://schemas.microsoft.com/office/drawing/2014/main" id="{A9A24A56-7E64-FAF8-DB47-3F48664EBE6C}"/>
+              </a:ext>
+            </a:extLst>
+          </p:cNvPr>
+          <p:cNvSpPr>
+            <a:spLocks noGrp="1"/>
+          </p:cNvSpPr>
+          <p:nvPr>
+            <p:ph type="title"/>
+          </p:nvPr>
+        </p:nvSpPr>
+        <p:spPr/>
+        <p:txBody>
+          <a:bodyPr/>
+          <a:lstStyle/>
+          <a:p>
+            <a:endParaRPr kumimoji="1" lang="ja-JP" altLang="en-US"/>
+          </a:p>
+        </p:txBody>
+      </p:sp>
+      <p:sp>
+        <p:nvSpPr>
+          <p:cNvPr id="3" name="コンテンツ プレースホルダー 2">
+            <a:extLst>
+              <a:ext uri="{FF2B5EF4-FFF2-40B4-BE49-F238E27FC236}">
+                <a16:creationId xmlns:a16="http://schemas.microsoft.com/office/drawing/2014/main" id="{A65D3F40-D67D-CCB0-2CE5-FD77A7F1CB48}"/>
+              </a:ext>
+            </a:extLst>
+          </p:cNvPr>
+          <p:cNvSpPr>
+            <a:spLocks noGrp="1"/>
+          </p:cNvSpPr>
+          <p:nvPr>
+            <p:ph idx="1"/>
+          </p:nvPr>
+        </p:nvSpPr>
+        <p:spPr/>
+        <p:txBody>
+          <a:bodyPr/>
+          <a:lstStyle/>
+          <a:p>
+            <a:endParaRPr kumimoji="1" lang="ja-JP" altLang="en-US"/>
+          </a:p>
+        </p:txBody>
+      </p:sp>
+    </p:spTree>
+    <p:extLst>
+      <p:ext uri="{BB962C8B-B14F-4D97-AF65-F5344CB8AC3E}">
+        <p14:creationId xmlns:p14="http://schemas.microsoft.com/office/powerpoint/2010/main" val="464652335"/>
       </p:ext>
     </p:extLst>
   </p:cSld>
@@ -4323,6 +4886,130 @@
     <p:extLst>
       <p:ext uri="{BB962C8B-B14F-4D97-AF65-F5344CB8AC3E}">
         <p14:creationId xmlns:p14="http://schemas.microsoft.com/office/powerpoint/2010/main" val="711370247"/>
+      </p:ext>
+    </p:extLst>
+  </p:cSld>
+  <p:clrMapOvr>
+    <a:masterClrMapping/>
+  </p:clrMapOvr>
+</p:sld>
+</file>
+
+<file path=ppt/slides/slide20.xml><?xml version="1.0" encoding="utf-8"?>
+<p:sld xmlns:a="http://schemas.openxmlformats.org/drawingml/2006/main" xmlns:r="http://schemas.openxmlformats.org/officeDocument/2006/relationships" xmlns:p="http://schemas.openxmlformats.org/presentationml/2006/main">
+  <p:cSld>
+    <p:spTree>
+      <p:nvGrpSpPr>
+        <p:cNvPr id="1" name=""/>
+        <p:cNvGrpSpPr/>
+        <p:nvPr/>
+      </p:nvGrpSpPr>
+      <p:grpSpPr>
+        <a:xfrm>
+          <a:off x="0" y="0"/>
+          <a:ext cx="0" cy="0"/>
+          <a:chOff x="0" y="0"/>
+          <a:chExt cx="0" cy="0"/>
+        </a:xfrm>
+      </p:grpSpPr>
+      <p:sp>
+        <p:nvSpPr>
+          <p:cNvPr id="2" name="タイトル 1">
+            <a:extLst>
+              <a:ext uri="{FF2B5EF4-FFF2-40B4-BE49-F238E27FC236}">
+                <a16:creationId xmlns:a16="http://schemas.microsoft.com/office/drawing/2014/main" id="{C734F179-F3F8-81D5-77EA-96EE725AE558}"/>
+              </a:ext>
+            </a:extLst>
+          </p:cNvPr>
+          <p:cNvSpPr>
+            <a:spLocks noGrp="1"/>
+          </p:cNvSpPr>
+          <p:nvPr>
+            <p:ph type="title"/>
+          </p:nvPr>
+        </p:nvSpPr>
+        <p:spPr/>
+        <p:txBody>
+          <a:bodyPr/>
+          <a:lstStyle/>
+          <a:p>
+            <a:endParaRPr kumimoji="1" lang="ja-JP" altLang="en-US"/>
+          </a:p>
+        </p:txBody>
+      </p:sp>
+      <p:sp>
+        <p:nvSpPr>
+          <p:cNvPr id="3" name="コンテンツ プレースホルダー 2">
+            <a:extLst>
+              <a:ext uri="{FF2B5EF4-FFF2-40B4-BE49-F238E27FC236}">
+                <a16:creationId xmlns:a16="http://schemas.microsoft.com/office/drawing/2014/main" id="{5E160246-EF1B-AC51-B58B-D26E2E2C9716}"/>
+              </a:ext>
+            </a:extLst>
+          </p:cNvPr>
+          <p:cNvSpPr>
+            <a:spLocks noGrp="1"/>
+          </p:cNvSpPr>
+          <p:nvPr>
+            <p:ph idx="1"/>
+          </p:nvPr>
+        </p:nvSpPr>
+        <p:spPr/>
+        <p:txBody>
+          <a:bodyPr/>
+          <a:lstStyle/>
+          <a:p>
+            <a:endParaRPr kumimoji="1" lang="ja-JP" altLang="en-US"/>
+          </a:p>
+        </p:txBody>
+      </p:sp>
+    </p:spTree>
+    <p:extLst>
+      <p:ext uri="{BB962C8B-B14F-4D97-AF65-F5344CB8AC3E}">
+        <p14:creationId xmlns:p14="http://schemas.microsoft.com/office/powerpoint/2010/main" val="2475432517"/>
+      </p:ext>
+    </p:extLst>
+  </p:cSld>
+  <p:clrMapOvr>
+    <a:masterClrMapping/>
+  </p:clrMapOvr>
+</p:sld>
+</file>
+
+<file path=ppt/slides/slide21.xml><?xml version="1.0" encoding="utf-8"?>
+<p:sld xmlns:a="http://schemas.openxmlformats.org/drawingml/2006/main" xmlns:r="http://schemas.openxmlformats.org/officeDocument/2006/relationships" xmlns:p="http://schemas.openxmlformats.org/presentationml/2006/main">
+  <p:cSld>
+    <p:bg>
+      <p:bgPr>
+        <a:blipFill dpi="0" rotWithShape="1">
+          <a:blip r:embed="rId2">
+            <a:lum/>
+          </a:blip>
+          <a:srcRect/>
+          <a:stretch>
+            <a:fillRect t="-3000" b="-3000"/>
+          </a:stretch>
+        </a:blipFill>
+        <a:effectLst/>
+      </p:bgPr>
+    </p:bg>
+    <p:spTree>
+      <p:nvGrpSpPr>
+        <p:cNvPr id="1" name=""/>
+        <p:cNvGrpSpPr/>
+        <p:nvPr/>
+      </p:nvGrpSpPr>
+      <p:grpSpPr>
+        <a:xfrm>
+          <a:off x="0" y="0"/>
+          <a:ext cx="0" cy="0"/>
+          <a:chOff x="0" y="0"/>
+          <a:chExt cx="0" cy="0"/>
+        </a:xfrm>
+      </p:grpSpPr>
+    </p:spTree>
+    <p:extLst>
+      <p:ext uri="{BB962C8B-B14F-4D97-AF65-F5344CB8AC3E}">
+        <p14:creationId xmlns:p14="http://schemas.microsoft.com/office/powerpoint/2010/main" val="2431389685"/>
       </p:ext>
     </p:extLst>
   </p:cSld>

--- a/figures/実験画像.pptx
+++ b/figures/実験画像.pptx
@@ -6,26 +6,27 @@
   </p:sldMasterIdLst>
   <p:sldIdLst>
     <p:sldId id="268" r:id="rId2"/>
-    <p:sldId id="270" r:id="rId3"/>
-    <p:sldId id="269" r:id="rId4"/>
-    <p:sldId id="257" r:id="rId5"/>
-    <p:sldId id="259" r:id="rId6"/>
-    <p:sldId id="260" r:id="rId7"/>
-    <p:sldId id="262" r:id="rId8"/>
-    <p:sldId id="263" r:id="rId9"/>
-    <p:sldId id="264" r:id="rId10"/>
-    <p:sldId id="265" r:id="rId11"/>
-    <p:sldId id="266" r:id="rId12"/>
-    <p:sldId id="267" r:id="rId13"/>
-    <p:sldId id="271" r:id="rId14"/>
-    <p:sldId id="273" r:id="rId15"/>
-    <p:sldId id="280" r:id="rId16"/>
-    <p:sldId id="281" r:id="rId17"/>
-    <p:sldId id="275" r:id="rId18"/>
-    <p:sldId id="276" r:id="rId19"/>
-    <p:sldId id="277" r:id="rId20"/>
-    <p:sldId id="278" r:id="rId21"/>
-    <p:sldId id="279" r:id="rId22"/>
+    <p:sldId id="284" r:id="rId3"/>
+    <p:sldId id="285" r:id="rId4"/>
+    <p:sldId id="270" r:id="rId5"/>
+    <p:sldId id="269" r:id="rId6"/>
+    <p:sldId id="257" r:id="rId7"/>
+    <p:sldId id="259" r:id="rId8"/>
+    <p:sldId id="260" r:id="rId9"/>
+    <p:sldId id="262" r:id="rId10"/>
+    <p:sldId id="263" r:id="rId11"/>
+    <p:sldId id="264" r:id="rId12"/>
+    <p:sldId id="265" r:id="rId13"/>
+    <p:sldId id="266" r:id="rId14"/>
+    <p:sldId id="267" r:id="rId15"/>
+    <p:sldId id="271" r:id="rId16"/>
+    <p:sldId id="273" r:id="rId17"/>
+    <p:sldId id="280" r:id="rId18"/>
+    <p:sldId id="281" r:id="rId19"/>
+    <p:sldId id="282" r:id="rId20"/>
+    <p:sldId id="276" r:id="rId21"/>
+    <p:sldId id="286" r:id="rId22"/>
+    <p:sldId id="278" r:id="rId23"/>
   </p:sldIdLst>
   <p:sldSz cx="12192000" cy="6858000"/>
   <p:notesSz cx="6858000" cy="9144000"/>
@@ -3722,6 +3723,256 @@
         <p:cNvPr id="1" name="">
           <a:extLst>
             <a:ext uri="{FF2B5EF4-FFF2-40B4-BE49-F238E27FC236}">
+              <a16:creationId xmlns:a16="http://schemas.microsoft.com/office/drawing/2014/main" id="{42267E89-773D-FE50-C8F9-1E192C69299D}"/>
+            </a:ext>
+          </a:extLst>
+        </p:cNvPr>
+        <p:cNvGrpSpPr/>
+        <p:nvPr/>
+      </p:nvGrpSpPr>
+      <p:grpSpPr>
+        <a:xfrm>
+          <a:off x="0" y="0"/>
+          <a:ext cx="0" cy="0"/>
+          <a:chOff x="0" y="0"/>
+          <a:chExt cx="0" cy="0"/>
+        </a:xfrm>
+      </p:grpSpPr>
+      <p:sp>
+        <p:nvSpPr>
+          <p:cNvPr id="6" name="テキスト ボックス 5">
+            <a:extLst>
+              <a:ext uri="{FF2B5EF4-FFF2-40B4-BE49-F238E27FC236}">
+                <a16:creationId xmlns:a16="http://schemas.microsoft.com/office/drawing/2014/main" id="{23F393FB-3A22-A842-EEF3-3D175C419FCF}"/>
+              </a:ext>
+            </a:extLst>
+          </p:cNvPr>
+          <p:cNvSpPr txBox="1"/>
+          <p:nvPr/>
+        </p:nvSpPr>
+        <p:spPr>
+          <a:xfrm>
+            <a:off x="5657418" y="6488668"/>
+            <a:ext cx="877163" cy="369332"/>
+          </a:xfrm>
+          <a:prstGeom prst="rect">
+            <a:avLst/>
+          </a:prstGeom>
+          <a:noFill/>
+        </p:spPr>
+        <p:txBody>
+          <a:bodyPr wrap="none" rtlCol="0">
+            <a:spAutoFit/>
+          </a:bodyPr>
+          <a:lstStyle/>
+          <a:p>
+            <a:r>
+              <a:rPr kumimoji="1" lang="ja-JP" altLang="en-US"/>
+              <a:t>世代数</a:t>
+            </a:r>
+          </a:p>
+        </p:txBody>
+      </p:sp>
+      <p:sp>
+        <p:nvSpPr>
+          <p:cNvPr id="7" name="テキスト ボックス 6">
+            <a:extLst>
+              <a:ext uri="{FF2B5EF4-FFF2-40B4-BE49-F238E27FC236}">
+                <a16:creationId xmlns:a16="http://schemas.microsoft.com/office/drawing/2014/main" id="{DC4988DF-AB4C-D365-BA64-DCA1F20F0CAB}"/>
+              </a:ext>
+            </a:extLst>
+          </p:cNvPr>
+          <p:cNvSpPr txBox="1"/>
+          <p:nvPr/>
+        </p:nvSpPr>
+        <p:spPr>
+          <a:xfrm>
+            <a:off x="0" y="2967335"/>
+            <a:ext cx="1233890" cy="923330"/>
+          </a:xfrm>
+          <a:prstGeom prst="rect">
+            <a:avLst/>
+          </a:prstGeom>
+          <a:noFill/>
+        </p:spPr>
+        <p:txBody>
+          <a:bodyPr wrap="square" rtlCol="0">
+            <a:spAutoFit/>
+          </a:bodyPr>
+          <a:lstStyle/>
+          <a:p>
+            <a:r>
+              <a:rPr lang="en-US" altLang="ja-JP" dirty="0" err="1"/>
+              <a:t>MiniSat</a:t>
+            </a:r>
+            <a:r>
+              <a:rPr lang="ja-JP" altLang="en-US"/>
+              <a:t>比で見た証明の長さ</a:t>
+            </a:r>
+            <a:endParaRPr kumimoji="1" lang="ja-JP" altLang="en-US"/>
+          </a:p>
+        </p:txBody>
+      </p:sp>
+    </p:spTree>
+    <p:extLst>
+      <p:ext uri="{BB962C8B-B14F-4D97-AF65-F5344CB8AC3E}">
+        <p14:creationId xmlns:p14="http://schemas.microsoft.com/office/powerpoint/2010/main" val="3143854536"/>
+      </p:ext>
+    </p:extLst>
+  </p:cSld>
+  <p:clrMapOvr>
+    <a:masterClrMapping/>
+  </p:clrMapOvr>
+</p:sld>
+</file>
+
+<file path=ppt/slides/slide11.xml><?xml version="1.0" encoding="utf-8"?>
+<p:sld xmlns:a="http://schemas.openxmlformats.org/drawingml/2006/main" xmlns:r="http://schemas.openxmlformats.org/officeDocument/2006/relationships" xmlns:p="http://schemas.openxmlformats.org/presentationml/2006/main">
+  <p:cSld>
+    <p:bg>
+      <p:bgPr>
+        <a:blipFill dpi="0" rotWithShape="1">
+          <a:blip r:embed="rId2">
+            <a:lum/>
+          </a:blip>
+          <a:srcRect/>
+          <a:stretch>
+            <a:fillRect t="-3000" b="-3000"/>
+          </a:stretch>
+        </a:blipFill>
+        <a:effectLst/>
+      </p:bgPr>
+    </p:bg>
+    <p:spTree>
+      <p:nvGrpSpPr>
+        <p:cNvPr id="1" name="">
+          <a:extLst>
+            <a:ext uri="{FF2B5EF4-FFF2-40B4-BE49-F238E27FC236}">
+              <a16:creationId xmlns:a16="http://schemas.microsoft.com/office/drawing/2014/main" id="{27A689A9-D428-D803-5821-DFD5BE84EE01}"/>
+            </a:ext>
+          </a:extLst>
+        </p:cNvPr>
+        <p:cNvGrpSpPr/>
+        <p:nvPr/>
+      </p:nvGrpSpPr>
+      <p:grpSpPr>
+        <a:xfrm>
+          <a:off x="0" y="0"/>
+          <a:ext cx="0" cy="0"/>
+          <a:chOff x="0" y="0"/>
+          <a:chExt cx="0" cy="0"/>
+        </a:xfrm>
+      </p:grpSpPr>
+      <p:sp>
+        <p:nvSpPr>
+          <p:cNvPr id="6" name="テキスト ボックス 5">
+            <a:extLst>
+              <a:ext uri="{FF2B5EF4-FFF2-40B4-BE49-F238E27FC236}">
+                <a16:creationId xmlns:a16="http://schemas.microsoft.com/office/drawing/2014/main" id="{500888E8-238E-1D3B-20B9-C5611AB4D83B}"/>
+              </a:ext>
+            </a:extLst>
+          </p:cNvPr>
+          <p:cNvSpPr txBox="1"/>
+          <p:nvPr/>
+        </p:nvSpPr>
+        <p:spPr>
+          <a:xfrm>
+            <a:off x="5657418" y="6488668"/>
+            <a:ext cx="877163" cy="369332"/>
+          </a:xfrm>
+          <a:prstGeom prst="rect">
+            <a:avLst/>
+          </a:prstGeom>
+          <a:noFill/>
+        </p:spPr>
+        <p:txBody>
+          <a:bodyPr wrap="none" rtlCol="0">
+            <a:spAutoFit/>
+          </a:bodyPr>
+          <a:lstStyle/>
+          <a:p>
+            <a:r>
+              <a:rPr kumimoji="1" lang="ja-JP" altLang="en-US"/>
+              <a:t>世代数</a:t>
+            </a:r>
+          </a:p>
+        </p:txBody>
+      </p:sp>
+      <p:sp>
+        <p:nvSpPr>
+          <p:cNvPr id="7" name="テキスト ボックス 6">
+            <a:extLst>
+              <a:ext uri="{FF2B5EF4-FFF2-40B4-BE49-F238E27FC236}">
+                <a16:creationId xmlns:a16="http://schemas.microsoft.com/office/drawing/2014/main" id="{61D4FFE4-A40F-6EBC-005F-82B17512B90D}"/>
+              </a:ext>
+            </a:extLst>
+          </p:cNvPr>
+          <p:cNvSpPr txBox="1"/>
+          <p:nvPr/>
+        </p:nvSpPr>
+        <p:spPr>
+          <a:xfrm>
+            <a:off x="0" y="2967335"/>
+            <a:ext cx="1233890" cy="923330"/>
+          </a:xfrm>
+          <a:prstGeom prst="rect">
+            <a:avLst/>
+          </a:prstGeom>
+          <a:noFill/>
+        </p:spPr>
+        <p:txBody>
+          <a:bodyPr wrap="square" rtlCol="0">
+            <a:spAutoFit/>
+          </a:bodyPr>
+          <a:lstStyle/>
+          <a:p>
+            <a:r>
+              <a:rPr lang="en-US" altLang="ja-JP" dirty="0" err="1"/>
+              <a:t>MiniSat</a:t>
+            </a:r>
+            <a:r>
+              <a:rPr lang="ja-JP" altLang="en-US"/>
+              <a:t>比で見た証明の長さ</a:t>
+            </a:r>
+            <a:endParaRPr kumimoji="1" lang="ja-JP" altLang="en-US"/>
+          </a:p>
+        </p:txBody>
+      </p:sp>
+    </p:spTree>
+    <p:extLst>
+      <p:ext uri="{BB962C8B-B14F-4D97-AF65-F5344CB8AC3E}">
+        <p14:creationId xmlns:p14="http://schemas.microsoft.com/office/powerpoint/2010/main" val="2334499035"/>
+      </p:ext>
+    </p:extLst>
+  </p:cSld>
+  <p:clrMapOvr>
+    <a:masterClrMapping/>
+  </p:clrMapOvr>
+</p:sld>
+</file>
+
+<file path=ppt/slides/slide12.xml><?xml version="1.0" encoding="utf-8"?>
+<p:sld xmlns:a="http://schemas.openxmlformats.org/drawingml/2006/main" xmlns:r="http://schemas.openxmlformats.org/officeDocument/2006/relationships" xmlns:p="http://schemas.openxmlformats.org/presentationml/2006/main">
+  <p:cSld>
+    <p:bg>
+      <p:bgPr>
+        <a:blipFill dpi="0" rotWithShape="1">
+          <a:blip r:embed="rId2">
+            <a:lum/>
+          </a:blip>
+          <a:srcRect/>
+          <a:stretch>
+            <a:fillRect t="-3000" b="-3000"/>
+          </a:stretch>
+        </a:blipFill>
+        <a:effectLst/>
+      </p:bgPr>
+    </p:bg>
+    <p:spTree>
+      <p:nvGrpSpPr>
+        <p:cNvPr id="1" name="">
+          <a:extLst>
+            <a:ext uri="{FF2B5EF4-FFF2-40B4-BE49-F238E27FC236}">
               <a16:creationId xmlns:a16="http://schemas.microsoft.com/office/drawing/2014/main" id="{887D9FAA-DC94-FE75-8779-9D50E10CBC6F}"/>
             </a:ext>
           </a:extLst>
@@ -3825,7 +4076,7 @@
 </p:sld>
 </file>
 
-<file path=ppt/slides/slide11.xml><?xml version="1.0" encoding="utf-8"?>
+<file path=ppt/slides/slide13.xml><?xml version="1.0" encoding="utf-8"?>
 <p:sld xmlns:a="http://schemas.openxmlformats.org/drawingml/2006/main" xmlns:r="http://schemas.openxmlformats.org/officeDocument/2006/relationships" xmlns:p="http://schemas.openxmlformats.org/presentationml/2006/main">
   <p:cSld>
     <p:bg>
@@ -3950,7 +4201,7 @@
 </p:sld>
 </file>
 
-<file path=ppt/slides/slide12.xml><?xml version="1.0" encoding="utf-8"?>
+<file path=ppt/slides/slide14.xml><?xml version="1.0" encoding="utf-8"?>
 <p:sld xmlns:a="http://schemas.openxmlformats.org/drawingml/2006/main" xmlns:r="http://schemas.openxmlformats.org/officeDocument/2006/relationships" xmlns:p="http://schemas.openxmlformats.org/presentationml/2006/main">
   <p:cSld>
     <p:bg>
@@ -4075,7 +4326,7 @@
 </p:sld>
 </file>
 
-<file path=ppt/slides/slide13.xml><?xml version="1.0" encoding="utf-8"?>
+<file path=ppt/slides/slide15.xml><?xml version="1.0" encoding="utf-8"?>
 <p:sld xmlns:a="http://schemas.openxmlformats.org/drawingml/2006/main" xmlns:r="http://schemas.openxmlformats.org/officeDocument/2006/relationships" xmlns:p="http://schemas.openxmlformats.org/presentationml/2006/main">
   <p:cSld>
     <p:spTree>
@@ -4165,7 +4416,7 @@
 </p:sld>
 </file>
 
-<file path=ppt/slides/slide14.xml><?xml version="1.0" encoding="utf-8"?>
+<file path=ppt/slides/slide16.xml><?xml version="1.0" encoding="utf-8"?>
 <p:sld xmlns:a="http://schemas.openxmlformats.org/drawingml/2006/main" xmlns:r="http://schemas.openxmlformats.org/officeDocument/2006/relationships" xmlns:p="http://schemas.openxmlformats.org/presentationml/2006/main">
   <p:cSld>
     <p:bg>
@@ -4290,7 +4541,7 @@
 </p:sld>
 </file>
 
-<file path=ppt/slides/slide15.xml><?xml version="1.0" encoding="utf-8"?>
+<file path=ppt/slides/slide17.xml><?xml version="1.0" encoding="utf-8"?>
 <p:sld xmlns:a="http://schemas.openxmlformats.org/drawingml/2006/main" xmlns:r="http://schemas.openxmlformats.org/officeDocument/2006/relationships" xmlns:p="http://schemas.openxmlformats.org/presentationml/2006/main">
   <p:cSld>
     <p:bg>
@@ -4415,7 +4666,7 @@
 </p:sld>
 </file>
 
-<file path=ppt/slides/slide16.xml><?xml version="1.0" encoding="utf-8"?>
+<file path=ppt/slides/slide18.xml><?xml version="1.0" encoding="utf-8"?>
 <p:sld xmlns:a="http://schemas.openxmlformats.org/drawingml/2006/main" xmlns:r="http://schemas.openxmlformats.org/officeDocument/2006/relationships" xmlns:p="http://schemas.openxmlformats.org/presentationml/2006/main">
   <p:cSld>
     <p:bg>
@@ -4561,12 +4812,32 @@
 </p:sld>
 </file>
 
-<file path=ppt/slides/slide17.xml><?xml version="1.0" encoding="utf-8"?>
+<file path=ppt/slides/slide19.xml><?xml version="1.0" encoding="utf-8"?>
 <p:sld xmlns:a="http://schemas.openxmlformats.org/drawingml/2006/main" xmlns:r="http://schemas.openxmlformats.org/officeDocument/2006/relationships" xmlns:p="http://schemas.openxmlformats.org/presentationml/2006/main">
   <p:cSld>
+    <p:bg>
+      <p:bgPr>
+        <a:blipFill dpi="0" rotWithShape="1">
+          <a:blip r:embed="rId2">
+            <a:lum/>
+          </a:blip>
+          <a:srcRect/>
+          <a:stretch>
+            <a:fillRect t="-3000" b="-3000"/>
+          </a:stretch>
+        </a:blipFill>
+        <a:effectLst/>
+      </p:bgPr>
+    </p:bg>
     <p:spTree>
       <p:nvGrpSpPr>
-        <p:cNvPr id="1" name=""/>
+        <p:cNvPr id="1" name="">
+          <a:extLst>
+            <a:ext uri="{FF2B5EF4-FFF2-40B4-BE49-F238E27FC236}">
+              <a16:creationId xmlns:a16="http://schemas.microsoft.com/office/drawing/2014/main" id="{9145F082-B526-6B7B-2CD4-32ACCD232590}"/>
+            </a:ext>
+          </a:extLst>
+        </p:cNvPr>
         <p:cNvGrpSpPr/>
         <p:nvPr/>
       </p:nvGrpSpPr>
@@ -4580,50 +4851,75 @@
       </p:grpSpPr>
       <p:sp>
         <p:nvSpPr>
-          <p:cNvPr id="2" name="タイトル 1">
-            <a:extLst>
-              <a:ext uri="{FF2B5EF4-FFF2-40B4-BE49-F238E27FC236}">
-                <a16:creationId xmlns:a16="http://schemas.microsoft.com/office/drawing/2014/main" id="{CCD5E911-7B81-CF3E-859D-E3F201F5059F}"/>
-              </a:ext>
-            </a:extLst>
-          </p:cNvPr>
-          <p:cNvSpPr>
-            <a:spLocks noGrp="1"/>
-          </p:cNvSpPr>
-          <p:nvPr>
-            <p:ph type="title"/>
-          </p:nvPr>
-        </p:nvSpPr>
-        <p:spPr/>
-        <p:txBody>
-          <a:bodyPr/>
-          <a:lstStyle/>
-          <a:p>
-            <a:endParaRPr kumimoji="1" lang="ja-JP" altLang="en-US"/>
-          </a:p>
-        </p:txBody>
-      </p:sp>
-      <p:sp>
-        <p:nvSpPr>
-          <p:cNvPr id="3" name="コンテンツ プレースホルダー 2">
-            <a:extLst>
-              <a:ext uri="{FF2B5EF4-FFF2-40B4-BE49-F238E27FC236}">
-                <a16:creationId xmlns:a16="http://schemas.microsoft.com/office/drawing/2014/main" id="{DA81BC8E-8B37-CF31-A421-2DEB52B8AE19}"/>
-              </a:ext>
-            </a:extLst>
-          </p:cNvPr>
-          <p:cNvSpPr>
-            <a:spLocks noGrp="1"/>
-          </p:cNvSpPr>
-          <p:nvPr>
-            <p:ph idx="1"/>
-          </p:nvPr>
-        </p:nvSpPr>
-        <p:spPr/>
-        <p:txBody>
-          <a:bodyPr/>
-          <a:lstStyle/>
-          <a:p>
+          <p:cNvPr id="6" name="テキスト ボックス 5">
+            <a:extLst>
+              <a:ext uri="{FF2B5EF4-FFF2-40B4-BE49-F238E27FC236}">
+                <a16:creationId xmlns:a16="http://schemas.microsoft.com/office/drawing/2014/main" id="{FE549E62-17C1-9A6D-F827-F3D3670BB4E2}"/>
+              </a:ext>
+            </a:extLst>
+          </p:cNvPr>
+          <p:cNvSpPr txBox="1"/>
+          <p:nvPr/>
+        </p:nvSpPr>
+        <p:spPr>
+          <a:xfrm>
+            <a:off x="5657418" y="6488668"/>
+            <a:ext cx="877163" cy="369332"/>
+          </a:xfrm>
+          <a:prstGeom prst="rect">
+            <a:avLst/>
+          </a:prstGeom>
+          <a:noFill/>
+        </p:spPr>
+        <p:txBody>
+          <a:bodyPr wrap="none" rtlCol="0">
+            <a:spAutoFit/>
+          </a:bodyPr>
+          <a:lstStyle/>
+          <a:p>
+            <a:r>
+              <a:rPr kumimoji="1" lang="ja-JP" altLang="en-US"/>
+              <a:t>世代数</a:t>
+            </a:r>
+          </a:p>
+        </p:txBody>
+      </p:sp>
+      <p:sp>
+        <p:nvSpPr>
+          <p:cNvPr id="7" name="テキスト ボックス 6">
+            <a:extLst>
+              <a:ext uri="{FF2B5EF4-FFF2-40B4-BE49-F238E27FC236}">
+                <a16:creationId xmlns:a16="http://schemas.microsoft.com/office/drawing/2014/main" id="{CA54220B-BC2B-3BA5-8828-AA086904710B}"/>
+              </a:ext>
+            </a:extLst>
+          </p:cNvPr>
+          <p:cNvSpPr txBox="1"/>
+          <p:nvPr/>
+        </p:nvSpPr>
+        <p:spPr>
+          <a:xfrm>
+            <a:off x="0" y="2967335"/>
+            <a:ext cx="1233890" cy="923330"/>
+          </a:xfrm>
+          <a:prstGeom prst="rect">
+            <a:avLst/>
+          </a:prstGeom>
+          <a:noFill/>
+        </p:spPr>
+        <p:txBody>
+          <a:bodyPr wrap="square" rtlCol="0">
+            <a:spAutoFit/>
+          </a:bodyPr>
+          <a:lstStyle/>
+          <a:p>
+            <a:r>
+              <a:rPr lang="en-US" altLang="ja-JP" dirty="0" err="1"/>
+              <a:t>MiniSat</a:t>
+            </a:r>
+            <a:r>
+              <a:rPr lang="ja-JP" altLang="en-US"/>
+              <a:t>比で見た証明の長さ</a:t>
+            </a:r>
             <a:endParaRPr kumimoji="1" lang="ja-JP" altLang="en-US"/>
           </a:p>
         </p:txBody>
@@ -4631,167 +4927,7 @@
     </p:spTree>
     <p:extLst>
       <p:ext uri="{BB962C8B-B14F-4D97-AF65-F5344CB8AC3E}">
-        <p14:creationId xmlns:p14="http://schemas.microsoft.com/office/powerpoint/2010/main" val="3459599920"/>
-      </p:ext>
-    </p:extLst>
-  </p:cSld>
-  <p:clrMapOvr>
-    <a:masterClrMapping/>
-  </p:clrMapOvr>
-</p:sld>
-</file>
-
-<file path=ppt/slides/slide18.xml><?xml version="1.0" encoding="utf-8"?>
-<p:sld xmlns:a="http://schemas.openxmlformats.org/drawingml/2006/main" xmlns:r="http://schemas.openxmlformats.org/officeDocument/2006/relationships" xmlns:p="http://schemas.openxmlformats.org/presentationml/2006/main">
-  <p:cSld>
-    <p:spTree>
-      <p:nvGrpSpPr>
-        <p:cNvPr id="1" name=""/>
-        <p:cNvGrpSpPr/>
-        <p:nvPr/>
-      </p:nvGrpSpPr>
-      <p:grpSpPr>
-        <a:xfrm>
-          <a:off x="0" y="0"/>
-          <a:ext cx="0" cy="0"/>
-          <a:chOff x="0" y="0"/>
-          <a:chExt cx="0" cy="0"/>
-        </a:xfrm>
-      </p:grpSpPr>
-      <p:sp>
-        <p:nvSpPr>
-          <p:cNvPr id="2" name="タイトル 1">
-            <a:extLst>
-              <a:ext uri="{FF2B5EF4-FFF2-40B4-BE49-F238E27FC236}">
-                <a16:creationId xmlns:a16="http://schemas.microsoft.com/office/drawing/2014/main" id="{9E417FE3-82D8-D110-DE30-7AA6FFE3C194}"/>
-              </a:ext>
-            </a:extLst>
-          </p:cNvPr>
-          <p:cNvSpPr>
-            <a:spLocks noGrp="1"/>
-          </p:cNvSpPr>
-          <p:nvPr>
-            <p:ph type="title"/>
-          </p:nvPr>
-        </p:nvSpPr>
-        <p:spPr/>
-        <p:txBody>
-          <a:bodyPr/>
-          <a:lstStyle/>
-          <a:p>
-            <a:endParaRPr kumimoji="1" lang="ja-JP" altLang="en-US"/>
-          </a:p>
-        </p:txBody>
-      </p:sp>
-      <p:sp>
-        <p:nvSpPr>
-          <p:cNvPr id="3" name="コンテンツ プレースホルダー 2">
-            <a:extLst>
-              <a:ext uri="{FF2B5EF4-FFF2-40B4-BE49-F238E27FC236}">
-                <a16:creationId xmlns:a16="http://schemas.microsoft.com/office/drawing/2014/main" id="{B3669EAE-F64F-5E4D-5E86-2F525E3DE531}"/>
-              </a:ext>
-            </a:extLst>
-          </p:cNvPr>
-          <p:cNvSpPr>
-            <a:spLocks noGrp="1"/>
-          </p:cNvSpPr>
-          <p:nvPr>
-            <p:ph idx="1"/>
-          </p:nvPr>
-        </p:nvSpPr>
-        <p:spPr/>
-        <p:txBody>
-          <a:bodyPr/>
-          <a:lstStyle/>
-          <a:p>
-            <a:endParaRPr kumimoji="1" lang="ja-JP" altLang="en-US"/>
-          </a:p>
-        </p:txBody>
-      </p:sp>
-    </p:spTree>
-    <p:extLst>
-      <p:ext uri="{BB962C8B-B14F-4D97-AF65-F5344CB8AC3E}">
-        <p14:creationId xmlns:p14="http://schemas.microsoft.com/office/powerpoint/2010/main" val="3148822998"/>
-      </p:ext>
-    </p:extLst>
-  </p:cSld>
-  <p:clrMapOvr>
-    <a:masterClrMapping/>
-  </p:clrMapOvr>
-</p:sld>
-</file>
-
-<file path=ppt/slides/slide19.xml><?xml version="1.0" encoding="utf-8"?>
-<p:sld xmlns:a="http://schemas.openxmlformats.org/drawingml/2006/main" xmlns:r="http://schemas.openxmlformats.org/officeDocument/2006/relationships" xmlns:p="http://schemas.openxmlformats.org/presentationml/2006/main">
-  <p:cSld>
-    <p:spTree>
-      <p:nvGrpSpPr>
-        <p:cNvPr id="1" name=""/>
-        <p:cNvGrpSpPr/>
-        <p:nvPr/>
-      </p:nvGrpSpPr>
-      <p:grpSpPr>
-        <a:xfrm>
-          <a:off x="0" y="0"/>
-          <a:ext cx="0" cy="0"/>
-          <a:chOff x="0" y="0"/>
-          <a:chExt cx="0" cy="0"/>
-        </a:xfrm>
-      </p:grpSpPr>
-      <p:sp>
-        <p:nvSpPr>
-          <p:cNvPr id="2" name="タイトル 1">
-            <a:extLst>
-              <a:ext uri="{FF2B5EF4-FFF2-40B4-BE49-F238E27FC236}">
-                <a16:creationId xmlns:a16="http://schemas.microsoft.com/office/drawing/2014/main" id="{A9A24A56-7E64-FAF8-DB47-3F48664EBE6C}"/>
-              </a:ext>
-            </a:extLst>
-          </p:cNvPr>
-          <p:cNvSpPr>
-            <a:spLocks noGrp="1"/>
-          </p:cNvSpPr>
-          <p:nvPr>
-            <p:ph type="title"/>
-          </p:nvPr>
-        </p:nvSpPr>
-        <p:spPr/>
-        <p:txBody>
-          <a:bodyPr/>
-          <a:lstStyle/>
-          <a:p>
-            <a:endParaRPr kumimoji="1" lang="ja-JP" altLang="en-US"/>
-          </a:p>
-        </p:txBody>
-      </p:sp>
-      <p:sp>
-        <p:nvSpPr>
-          <p:cNvPr id="3" name="コンテンツ プレースホルダー 2">
-            <a:extLst>
-              <a:ext uri="{FF2B5EF4-FFF2-40B4-BE49-F238E27FC236}">
-                <a16:creationId xmlns:a16="http://schemas.microsoft.com/office/drawing/2014/main" id="{A65D3F40-D67D-CCB0-2CE5-FD77A7F1CB48}"/>
-              </a:ext>
-            </a:extLst>
-          </p:cNvPr>
-          <p:cNvSpPr>
-            <a:spLocks noGrp="1"/>
-          </p:cNvSpPr>
-          <p:nvPr>
-            <p:ph idx="1"/>
-          </p:nvPr>
-        </p:nvSpPr>
-        <p:spPr/>
-        <p:txBody>
-          <a:bodyPr/>
-          <a:lstStyle/>
-          <a:p>
-            <a:endParaRPr kumimoji="1" lang="ja-JP" altLang="en-US"/>
-          </a:p>
-        </p:txBody>
-      </p:sp>
-    </p:spTree>
-    <p:extLst>
-      <p:ext uri="{BB962C8B-B14F-4D97-AF65-F5344CB8AC3E}">
-        <p14:creationId xmlns:p14="http://schemas.microsoft.com/office/powerpoint/2010/main" val="464652335"/>
+        <p14:creationId xmlns:p14="http://schemas.microsoft.com/office/powerpoint/2010/main" val="1211223497"/>
       </p:ext>
     </p:extLst>
   </p:cSld>
@@ -4834,50 +4970,491 @@
       </p:grpSpPr>
       <p:sp>
         <p:nvSpPr>
-          <p:cNvPr id="2" name="タイトル 1">
-            <a:extLst>
-              <a:ext uri="{FF2B5EF4-FFF2-40B4-BE49-F238E27FC236}">
-                <a16:creationId xmlns:a16="http://schemas.microsoft.com/office/drawing/2014/main" id="{C82057E1-CD22-D11E-96AE-B974F2A23850}"/>
-              </a:ext>
-            </a:extLst>
-          </p:cNvPr>
-          <p:cNvSpPr>
-            <a:spLocks noGrp="1"/>
-          </p:cNvSpPr>
-          <p:nvPr>
-            <p:ph type="title"/>
-          </p:nvPr>
-        </p:nvSpPr>
-        <p:spPr/>
-        <p:txBody>
-          <a:bodyPr/>
-          <a:lstStyle/>
-          <a:p>
+          <p:cNvPr id="6" name="テキスト ボックス 5">
+            <a:extLst>
+              <a:ext uri="{FF2B5EF4-FFF2-40B4-BE49-F238E27FC236}">
+                <a16:creationId xmlns:a16="http://schemas.microsoft.com/office/drawing/2014/main" id="{4BBCC2DE-BD6B-7654-5AC6-11750FF39E67}"/>
+              </a:ext>
+            </a:extLst>
+          </p:cNvPr>
+          <p:cNvSpPr txBox="1"/>
+          <p:nvPr/>
+        </p:nvSpPr>
+        <p:spPr>
+          <a:xfrm>
+            <a:off x="1528763" y="6488668"/>
+            <a:ext cx="877163" cy="369332"/>
+          </a:xfrm>
+          <a:prstGeom prst="rect">
+            <a:avLst/>
+          </a:prstGeom>
+          <a:noFill/>
+        </p:spPr>
+        <p:txBody>
+          <a:bodyPr wrap="none" rtlCol="0">
+            <a:spAutoFit/>
+          </a:bodyPr>
+          <a:lstStyle/>
+          <a:p>
+            <a:r>
+              <a:rPr kumimoji="1" lang="ja-JP" altLang="en-US"/>
+              <a:t>等間隔</a:t>
+            </a:r>
+          </a:p>
+        </p:txBody>
+      </p:sp>
+      <p:sp>
+        <p:nvSpPr>
+          <p:cNvPr id="7" name="テキスト ボックス 6">
+            <a:extLst>
+              <a:ext uri="{FF2B5EF4-FFF2-40B4-BE49-F238E27FC236}">
+                <a16:creationId xmlns:a16="http://schemas.microsoft.com/office/drawing/2014/main" id="{F0A2BBDB-D5D3-3CF6-A12F-BF7CA5769E7E}"/>
+              </a:ext>
+            </a:extLst>
+          </p:cNvPr>
+          <p:cNvSpPr txBox="1"/>
+          <p:nvPr/>
+        </p:nvSpPr>
+        <p:spPr>
+          <a:xfrm>
+            <a:off x="2871787" y="6488668"/>
+            <a:ext cx="1159292" cy="369332"/>
+          </a:xfrm>
+          <a:prstGeom prst="rect">
+            <a:avLst/>
+          </a:prstGeom>
+          <a:noFill/>
+        </p:spPr>
+        <p:txBody>
+          <a:bodyPr wrap="none" rtlCol="0">
+            <a:spAutoFit/>
+          </a:bodyPr>
+          <a:lstStyle/>
+          <a:p>
+            <a:r>
+              <a:rPr kumimoji="1" lang="en-US" altLang="ja-JP" dirty="0"/>
+              <a:t>500</a:t>
+            </a:r>
+            <a:r>
+              <a:rPr lang="en-US" altLang="ja-JP" dirty="0"/>
+              <a:t>0</a:t>
+            </a:r>
+            <a:r>
+              <a:rPr lang="ja-JP" altLang="en-US"/>
+              <a:t>回毎</a:t>
+            </a:r>
             <a:endParaRPr kumimoji="1" lang="ja-JP" altLang="en-US"/>
           </a:p>
         </p:txBody>
       </p:sp>
       <p:sp>
         <p:nvSpPr>
-          <p:cNvPr id="3" name="コンテンツ プレースホルダー 2">
-            <a:extLst>
-              <a:ext uri="{FF2B5EF4-FFF2-40B4-BE49-F238E27FC236}">
-                <a16:creationId xmlns:a16="http://schemas.microsoft.com/office/drawing/2014/main" id="{0EA53094-3FB2-5D1A-AB50-DF93C35B83A9}"/>
-              </a:ext>
-            </a:extLst>
-          </p:cNvPr>
-          <p:cNvSpPr>
-            <a:spLocks noGrp="1"/>
-          </p:cNvSpPr>
-          <p:nvPr>
-            <p:ph idx="1"/>
-          </p:nvPr>
-        </p:nvSpPr>
-        <p:spPr/>
-        <p:txBody>
-          <a:bodyPr/>
-          <a:lstStyle/>
-          <a:p>
+          <p:cNvPr id="8" name="テキスト ボックス 7">
+            <a:extLst>
+              <a:ext uri="{FF2B5EF4-FFF2-40B4-BE49-F238E27FC236}">
+                <a16:creationId xmlns:a16="http://schemas.microsoft.com/office/drawing/2014/main" id="{7F175BFD-91F2-6A07-33BE-590A2B7637E4}"/>
+              </a:ext>
+            </a:extLst>
+          </p:cNvPr>
+          <p:cNvSpPr txBox="1"/>
+          <p:nvPr/>
+        </p:nvSpPr>
+        <p:spPr>
+          <a:xfrm>
+            <a:off x="4282628" y="6488668"/>
+            <a:ext cx="1107996" cy="369332"/>
+          </a:xfrm>
+          <a:prstGeom prst="rect">
+            <a:avLst/>
+          </a:prstGeom>
+          <a:noFill/>
+        </p:spPr>
+        <p:txBody>
+          <a:bodyPr wrap="none" rtlCol="0">
+            <a:spAutoFit/>
+          </a:bodyPr>
+          <a:lstStyle/>
+          <a:p>
+            <a:r>
+              <a:rPr kumimoji="1" lang="ja-JP" altLang="en-US"/>
+              <a:t>序盤集中</a:t>
+            </a:r>
+          </a:p>
+        </p:txBody>
+      </p:sp>
+      <p:sp>
+        <p:nvSpPr>
+          <p:cNvPr id="9" name="テキスト ボックス 8">
+            <a:extLst>
+              <a:ext uri="{FF2B5EF4-FFF2-40B4-BE49-F238E27FC236}">
+                <a16:creationId xmlns:a16="http://schemas.microsoft.com/office/drawing/2014/main" id="{0777BA90-060A-4470-A4D5-8A5020CDC5A9}"/>
+              </a:ext>
+            </a:extLst>
+          </p:cNvPr>
+          <p:cNvSpPr txBox="1"/>
+          <p:nvPr/>
+        </p:nvSpPr>
+        <p:spPr>
+          <a:xfrm>
+            <a:off x="5743573" y="6488668"/>
+            <a:ext cx="1107996" cy="369332"/>
+          </a:xfrm>
+          <a:prstGeom prst="rect">
+            <a:avLst/>
+          </a:prstGeom>
+          <a:noFill/>
+        </p:spPr>
+        <p:txBody>
+          <a:bodyPr wrap="none" rtlCol="0">
+            <a:spAutoFit/>
+          </a:bodyPr>
+          <a:lstStyle/>
+          <a:p>
+            <a:r>
+              <a:rPr kumimoji="1" lang="ja-JP" altLang="en-US"/>
+              <a:t>中盤集中</a:t>
+            </a:r>
+          </a:p>
+        </p:txBody>
+      </p:sp>
+      <p:sp>
+        <p:nvSpPr>
+          <p:cNvPr id="10" name="テキスト ボックス 9">
+            <a:extLst>
+              <a:ext uri="{FF2B5EF4-FFF2-40B4-BE49-F238E27FC236}">
+                <a16:creationId xmlns:a16="http://schemas.microsoft.com/office/drawing/2014/main" id="{145C9A0D-1AC3-263B-C753-1BD5C76530C1}"/>
+              </a:ext>
+            </a:extLst>
+          </p:cNvPr>
+          <p:cNvSpPr txBox="1"/>
+          <p:nvPr/>
+        </p:nvSpPr>
+        <p:spPr>
+          <a:xfrm>
+            <a:off x="7161654" y="6488668"/>
+            <a:ext cx="1107996" cy="369332"/>
+          </a:xfrm>
+          <a:prstGeom prst="rect">
+            <a:avLst/>
+          </a:prstGeom>
+          <a:noFill/>
+        </p:spPr>
+        <p:txBody>
+          <a:bodyPr wrap="none" rtlCol="0">
+            <a:spAutoFit/>
+          </a:bodyPr>
+          <a:lstStyle/>
+          <a:p>
+            <a:r>
+              <a:rPr kumimoji="1" lang="ja-JP" altLang="en-US"/>
+              <a:t>終盤集中</a:t>
+            </a:r>
+          </a:p>
+        </p:txBody>
+      </p:sp>
+      <p:sp>
+        <p:nvSpPr>
+          <p:cNvPr id="11" name="テキスト ボックス 10">
+            <a:extLst>
+              <a:ext uri="{FF2B5EF4-FFF2-40B4-BE49-F238E27FC236}">
+                <a16:creationId xmlns:a16="http://schemas.microsoft.com/office/drawing/2014/main" id="{004C6700-E6A1-9228-A9A5-DF2BCF75A213}"/>
+              </a:ext>
+            </a:extLst>
+          </p:cNvPr>
+          <p:cNvSpPr txBox="1"/>
+          <p:nvPr/>
+        </p:nvSpPr>
+        <p:spPr>
+          <a:xfrm>
+            <a:off x="8372474" y="6488668"/>
+            <a:ext cx="1569660" cy="369332"/>
+          </a:xfrm>
+          <a:prstGeom prst="rect">
+            <a:avLst/>
+          </a:prstGeom>
+          <a:noFill/>
+        </p:spPr>
+        <p:txBody>
+          <a:bodyPr wrap="none" rtlCol="0">
+            <a:spAutoFit/>
+          </a:bodyPr>
+          <a:lstStyle/>
+          <a:p>
+            <a:r>
+              <a:rPr kumimoji="1" lang="ja-JP" altLang="en-US"/>
+              <a:t>前半多後半少</a:t>
+            </a:r>
+          </a:p>
+        </p:txBody>
+      </p:sp>
+      <p:sp>
+        <p:nvSpPr>
+          <p:cNvPr id="12" name="テキスト ボックス 11">
+            <a:extLst>
+              <a:ext uri="{FF2B5EF4-FFF2-40B4-BE49-F238E27FC236}">
+                <a16:creationId xmlns:a16="http://schemas.microsoft.com/office/drawing/2014/main" id="{AC50C180-998B-328D-5FBE-AE95CAB546EA}"/>
+              </a:ext>
+            </a:extLst>
+          </p:cNvPr>
+          <p:cNvSpPr txBox="1"/>
+          <p:nvPr/>
+        </p:nvSpPr>
+        <p:spPr>
+          <a:xfrm>
+            <a:off x="10169600" y="6488668"/>
+            <a:ext cx="1569660" cy="369332"/>
+          </a:xfrm>
+          <a:prstGeom prst="rect">
+            <a:avLst/>
+          </a:prstGeom>
+          <a:noFill/>
+        </p:spPr>
+        <p:txBody>
+          <a:bodyPr wrap="none" rtlCol="0">
+            <a:spAutoFit/>
+          </a:bodyPr>
+          <a:lstStyle/>
+          <a:p>
+            <a:r>
+              <a:rPr kumimoji="1" lang="ja-JP" altLang="en-US"/>
+              <a:t>前半少</a:t>
+            </a:r>
+            <a:r>
+              <a:rPr lang="ja-JP" altLang="en-US"/>
+              <a:t>後半多</a:t>
+            </a:r>
+            <a:endParaRPr kumimoji="1" lang="ja-JP" altLang="en-US"/>
+          </a:p>
+        </p:txBody>
+      </p:sp>
+      <p:sp>
+        <p:nvSpPr>
+          <p:cNvPr id="14" name="円/楕円 13">
+            <a:extLst>
+              <a:ext uri="{FF2B5EF4-FFF2-40B4-BE49-F238E27FC236}">
+                <a16:creationId xmlns:a16="http://schemas.microsoft.com/office/drawing/2014/main" id="{A415EB7A-EC4A-6172-F40B-4EA44799A300}"/>
+              </a:ext>
+            </a:extLst>
+          </p:cNvPr>
+          <p:cNvSpPr/>
+          <p:nvPr/>
+        </p:nvSpPr>
+        <p:spPr>
+          <a:xfrm>
+            <a:off x="8901405" y="6537649"/>
+            <a:ext cx="255035" cy="255034"/>
+          </a:xfrm>
+          <a:prstGeom prst="ellipse">
+            <a:avLst/>
+          </a:prstGeom>
+          <a:noFill/>
+          <a:ln w="9525"/>
+        </p:spPr>
+        <p:style>
+          <a:lnRef idx="2">
+            <a:schemeClr val="accent1">
+              <a:shade val="15000"/>
+            </a:schemeClr>
+          </a:lnRef>
+          <a:fillRef idx="1">
+            <a:schemeClr val="accent1"/>
+          </a:fillRef>
+          <a:effectRef idx="0">
+            <a:schemeClr val="accent1"/>
+          </a:effectRef>
+          <a:fontRef idx="minor">
+            <a:schemeClr val="lt1"/>
+          </a:fontRef>
+        </p:style>
+        <p:txBody>
+          <a:bodyPr rtlCol="0" anchor="ctr"/>
+          <a:lstStyle/>
+          <a:p>
+            <a:pPr algn="ctr"/>
+            <a:endParaRPr kumimoji="1" lang="ja-JP" altLang="en-US"/>
+          </a:p>
+        </p:txBody>
+      </p:sp>
+      <p:sp>
+        <p:nvSpPr>
+          <p:cNvPr id="15" name="円/楕円 14">
+            <a:extLst>
+              <a:ext uri="{FF2B5EF4-FFF2-40B4-BE49-F238E27FC236}">
+                <a16:creationId xmlns:a16="http://schemas.microsoft.com/office/drawing/2014/main" id="{95DD6FD7-C295-933A-DCAB-224835AA60FA}"/>
+              </a:ext>
+            </a:extLst>
+          </p:cNvPr>
+          <p:cNvSpPr/>
+          <p:nvPr/>
+        </p:nvSpPr>
+        <p:spPr>
+          <a:xfrm>
+            <a:off x="9584693" y="6537649"/>
+            <a:ext cx="255035" cy="255034"/>
+          </a:xfrm>
+          <a:prstGeom prst="ellipse">
+            <a:avLst/>
+          </a:prstGeom>
+          <a:noFill/>
+          <a:ln w="9525"/>
+        </p:spPr>
+        <p:style>
+          <a:lnRef idx="2">
+            <a:schemeClr val="accent1">
+              <a:shade val="15000"/>
+            </a:schemeClr>
+          </a:lnRef>
+          <a:fillRef idx="1">
+            <a:schemeClr val="accent1"/>
+          </a:fillRef>
+          <a:effectRef idx="0">
+            <a:schemeClr val="accent1"/>
+          </a:effectRef>
+          <a:fontRef idx="minor">
+            <a:schemeClr val="lt1"/>
+          </a:fontRef>
+        </p:style>
+        <p:txBody>
+          <a:bodyPr rtlCol="0" anchor="ctr"/>
+          <a:lstStyle/>
+          <a:p>
+            <a:pPr algn="ctr"/>
+            <a:endParaRPr kumimoji="1" lang="ja-JP" altLang="en-US"/>
+          </a:p>
+        </p:txBody>
+      </p:sp>
+      <p:sp>
+        <p:nvSpPr>
+          <p:cNvPr id="16" name="円/楕円 15">
+            <a:extLst>
+              <a:ext uri="{FF2B5EF4-FFF2-40B4-BE49-F238E27FC236}">
+                <a16:creationId xmlns:a16="http://schemas.microsoft.com/office/drawing/2014/main" id="{42569056-B387-EA80-FC2F-FA2CAEF554D0}"/>
+              </a:ext>
+            </a:extLst>
+          </p:cNvPr>
+          <p:cNvSpPr/>
+          <p:nvPr/>
+        </p:nvSpPr>
+        <p:spPr>
+          <a:xfrm>
+            <a:off x="10704751" y="6537649"/>
+            <a:ext cx="255035" cy="255034"/>
+          </a:xfrm>
+          <a:prstGeom prst="ellipse">
+            <a:avLst/>
+          </a:prstGeom>
+          <a:noFill/>
+          <a:ln w="9525"/>
+        </p:spPr>
+        <p:style>
+          <a:lnRef idx="2">
+            <a:schemeClr val="accent1">
+              <a:shade val="15000"/>
+            </a:schemeClr>
+          </a:lnRef>
+          <a:fillRef idx="1">
+            <a:schemeClr val="accent1"/>
+          </a:fillRef>
+          <a:effectRef idx="0">
+            <a:schemeClr val="accent1"/>
+          </a:effectRef>
+          <a:fontRef idx="minor">
+            <a:schemeClr val="lt1"/>
+          </a:fontRef>
+        </p:style>
+        <p:txBody>
+          <a:bodyPr rtlCol="0" anchor="ctr"/>
+          <a:lstStyle/>
+          <a:p>
+            <a:pPr algn="ctr"/>
+            <a:endParaRPr kumimoji="1" lang="ja-JP" altLang="en-US"/>
+          </a:p>
+        </p:txBody>
+      </p:sp>
+      <p:sp>
+        <p:nvSpPr>
+          <p:cNvPr id="17" name="円/楕円 16">
+            <a:extLst>
+              <a:ext uri="{FF2B5EF4-FFF2-40B4-BE49-F238E27FC236}">
+                <a16:creationId xmlns:a16="http://schemas.microsoft.com/office/drawing/2014/main" id="{40C9F4C6-40BA-C8DE-BBBA-FF34C738FD59}"/>
+              </a:ext>
+            </a:extLst>
+          </p:cNvPr>
+          <p:cNvSpPr/>
+          <p:nvPr/>
+        </p:nvSpPr>
+        <p:spPr>
+          <a:xfrm>
+            <a:off x="11381819" y="6536485"/>
+            <a:ext cx="255035" cy="255034"/>
+          </a:xfrm>
+          <a:prstGeom prst="ellipse">
+            <a:avLst/>
+          </a:prstGeom>
+          <a:noFill/>
+          <a:ln w="9525"/>
+        </p:spPr>
+        <p:style>
+          <a:lnRef idx="2">
+            <a:schemeClr val="accent1">
+              <a:shade val="15000"/>
+            </a:schemeClr>
+          </a:lnRef>
+          <a:fillRef idx="1">
+            <a:schemeClr val="accent1"/>
+          </a:fillRef>
+          <a:effectRef idx="0">
+            <a:schemeClr val="accent1"/>
+          </a:effectRef>
+          <a:fontRef idx="minor">
+            <a:schemeClr val="lt1"/>
+          </a:fontRef>
+        </p:style>
+        <p:txBody>
+          <a:bodyPr rtlCol="0" anchor="ctr"/>
+          <a:lstStyle/>
+          <a:p>
+            <a:pPr algn="ctr"/>
+            <a:endParaRPr kumimoji="1" lang="ja-JP" altLang="en-US"/>
+          </a:p>
+        </p:txBody>
+      </p:sp>
+      <p:sp>
+        <p:nvSpPr>
+          <p:cNvPr id="18" name="テキスト ボックス 17">
+            <a:extLst>
+              <a:ext uri="{FF2B5EF4-FFF2-40B4-BE49-F238E27FC236}">
+                <a16:creationId xmlns:a16="http://schemas.microsoft.com/office/drawing/2014/main" id="{5FA3AECC-EC1C-DEDB-22BC-22D98950454C}"/>
+              </a:ext>
+            </a:extLst>
+          </p:cNvPr>
+          <p:cNvSpPr txBox="1"/>
+          <p:nvPr/>
+        </p:nvSpPr>
+        <p:spPr>
+          <a:xfrm>
+            <a:off x="0" y="2967335"/>
+            <a:ext cx="1233890" cy="923330"/>
+          </a:xfrm>
+          <a:prstGeom prst="rect">
+            <a:avLst/>
+          </a:prstGeom>
+          <a:noFill/>
+        </p:spPr>
+        <p:txBody>
+          <a:bodyPr wrap="square" rtlCol="0">
+            <a:spAutoFit/>
+          </a:bodyPr>
+          <a:lstStyle/>
+          <a:p>
+            <a:r>
+              <a:rPr lang="en-US" altLang="ja-JP" dirty="0" err="1"/>
+              <a:t>MiniSat</a:t>
+            </a:r>
+            <a:r>
+              <a:rPr lang="ja-JP" altLang="en-US"/>
+              <a:t>比で見た証明の長さ</a:t>
+            </a:r>
             <a:endParaRPr kumimoji="1" lang="ja-JP" altLang="en-US"/>
           </a:p>
         </p:txBody>
@@ -4885,7 +5462,7 @@
     </p:spTree>
     <p:extLst>
       <p:ext uri="{BB962C8B-B14F-4D97-AF65-F5344CB8AC3E}">
-        <p14:creationId xmlns:p14="http://schemas.microsoft.com/office/powerpoint/2010/main" val="711370247"/>
+        <p14:creationId xmlns:p14="http://schemas.microsoft.com/office/powerpoint/2010/main" val="4129062732"/>
       </p:ext>
     </p:extLst>
   </p:cSld>
@@ -4917,6 +5494,248 @@
           <p:cNvPr id="2" name="タイトル 1">
             <a:extLst>
               <a:ext uri="{FF2B5EF4-FFF2-40B4-BE49-F238E27FC236}">
+                <a16:creationId xmlns:a16="http://schemas.microsoft.com/office/drawing/2014/main" id="{9E417FE3-82D8-D110-DE30-7AA6FFE3C194}"/>
+              </a:ext>
+            </a:extLst>
+          </p:cNvPr>
+          <p:cNvSpPr>
+            <a:spLocks noGrp="1"/>
+          </p:cNvSpPr>
+          <p:nvPr>
+            <p:ph type="title"/>
+          </p:nvPr>
+        </p:nvSpPr>
+        <p:spPr/>
+        <p:txBody>
+          <a:bodyPr/>
+          <a:lstStyle/>
+          <a:p>
+            <a:r>
+              <a:rPr lang="ja-JP" altLang="en-US"/>
+              <a:t>最先端ソルバーとの比較</a:t>
+            </a:r>
+            <a:endParaRPr kumimoji="1" lang="ja-JP" altLang="en-US"/>
+          </a:p>
+        </p:txBody>
+      </p:sp>
+      <p:sp>
+        <p:nvSpPr>
+          <p:cNvPr id="3" name="コンテンツ プレースホルダー 2">
+            <a:extLst>
+              <a:ext uri="{FF2B5EF4-FFF2-40B4-BE49-F238E27FC236}">
+                <a16:creationId xmlns:a16="http://schemas.microsoft.com/office/drawing/2014/main" id="{B3669EAE-F64F-5E4D-5E86-2F525E3DE531}"/>
+              </a:ext>
+            </a:extLst>
+          </p:cNvPr>
+          <p:cNvSpPr>
+            <a:spLocks noGrp="1"/>
+          </p:cNvSpPr>
+          <p:nvPr>
+            <p:ph idx="1"/>
+          </p:nvPr>
+        </p:nvSpPr>
+        <p:spPr/>
+        <p:txBody>
+          <a:bodyPr/>
+          <a:lstStyle/>
+          <a:p>
+            <a:endParaRPr kumimoji="1" lang="ja-JP" altLang="en-US"/>
+          </a:p>
+        </p:txBody>
+      </p:sp>
+    </p:spTree>
+    <p:extLst>
+      <p:ext uri="{BB962C8B-B14F-4D97-AF65-F5344CB8AC3E}">
+        <p14:creationId xmlns:p14="http://schemas.microsoft.com/office/powerpoint/2010/main" val="3148822998"/>
+      </p:ext>
+    </p:extLst>
+  </p:cSld>
+  <p:clrMapOvr>
+    <a:masterClrMapping/>
+  </p:clrMapOvr>
+</p:sld>
+</file>
+
+<file path=ppt/slides/slide21.xml><?xml version="1.0" encoding="utf-8"?>
+<p:sld xmlns:a="http://schemas.openxmlformats.org/drawingml/2006/main" xmlns:r="http://schemas.openxmlformats.org/officeDocument/2006/relationships" xmlns:p="http://schemas.openxmlformats.org/presentationml/2006/main">
+  <p:cSld>
+    <p:bg>
+      <p:bgPr>
+        <a:blipFill dpi="0" rotWithShape="1">
+          <a:blip r:embed="rId2">
+            <a:lum/>
+          </a:blip>
+          <a:srcRect/>
+          <a:stretch>
+            <a:fillRect t="-3000" b="-3000"/>
+          </a:stretch>
+        </a:blipFill>
+        <a:effectLst/>
+      </p:bgPr>
+    </p:bg>
+    <p:spTree>
+      <p:nvGrpSpPr>
+        <p:cNvPr id="1" name="">
+          <a:extLst>
+            <a:ext uri="{FF2B5EF4-FFF2-40B4-BE49-F238E27FC236}">
+              <a16:creationId xmlns:a16="http://schemas.microsoft.com/office/drawing/2014/main" id="{E2C444F5-A70C-AFF7-15B5-A6661B6F9DF0}"/>
+            </a:ext>
+          </a:extLst>
+        </p:cNvPr>
+        <p:cNvGrpSpPr/>
+        <p:nvPr/>
+      </p:nvGrpSpPr>
+      <p:grpSpPr>
+        <a:xfrm>
+          <a:off x="0" y="0"/>
+          <a:ext cx="0" cy="0"/>
+          <a:chOff x="0" y="0"/>
+          <a:chExt cx="0" cy="0"/>
+        </a:xfrm>
+      </p:grpSpPr>
+      <p:sp>
+        <p:nvSpPr>
+          <p:cNvPr id="6" name="テキスト ボックス 5">
+            <a:extLst>
+              <a:ext uri="{FF2B5EF4-FFF2-40B4-BE49-F238E27FC236}">
+                <a16:creationId xmlns:a16="http://schemas.microsoft.com/office/drawing/2014/main" id="{1BA6BBF0-C396-07DA-F367-8166566BD91B}"/>
+              </a:ext>
+            </a:extLst>
+          </p:cNvPr>
+          <p:cNvSpPr txBox="1"/>
+          <p:nvPr/>
+        </p:nvSpPr>
+        <p:spPr>
+          <a:xfrm>
+            <a:off x="2746365" y="6488668"/>
+            <a:ext cx="6699270" cy="369332"/>
+          </a:xfrm>
+          <a:prstGeom prst="rect">
+            <a:avLst/>
+          </a:prstGeom>
+          <a:noFill/>
+        </p:spPr>
+        <p:txBody>
+          <a:bodyPr wrap="none" rtlCol="0">
+            <a:spAutoFit/>
+          </a:bodyPr>
+          <a:lstStyle/>
+          <a:p>
+            <a:r>
+              <a:rPr lang="en" altLang="ja-JP" dirty="0" err="1"/>
+              <a:t>MiniSat</a:t>
+            </a:r>
+            <a:r>
+              <a:rPr lang="ja-JP" altLang="en-US"/>
+              <a:t>比で見た</a:t>
+            </a:r>
+            <a:r>
+              <a:rPr lang="en" altLang="ja-JP" dirty="0" err="1"/>
+              <a:t>Kissat</a:t>
+            </a:r>
+            <a:r>
+              <a:rPr lang="ja-JP" altLang="en-US"/>
+              <a:t>の証明長</a:t>
+            </a:r>
+            <a:r>
+              <a:rPr lang="en-US" altLang="ja-JP" dirty="0"/>
+              <a:t>(</a:t>
+            </a:r>
+            <a:r>
+              <a:rPr lang="ja-JP" altLang="en-US"/>
+              <a:t>そのまま解かせた時の証明長</a:t>
+            </a:r>
+            <a:r>
+              <a:rPr lang="en-US" altLang="ja-JP" dirty="0"/>
+              <a:t>)</a:t>
+            </a:r>
+            <a:endParaRPr kumimoji="1" lang="ja-JP" altLang="en-US"/>
+          </a:p>
+        </p:txBody>
+      </p:sp>
+      <p:sp>
+        <p:nvSpPr>
+          <p:cNvPr id="7" name="テキスト ボックス 6">
+            <a:extLst>
+              <a:ext uri="{FF2B5EF4-FFF2-40B4-BE49-F238E27FC236}">
+                <a16:creationId xmlns:a16="http://schemas.microsoft.com/office/drawing/2014/main" id="{B723F964-4BA9-F3FB-A09D-731E61A2DE7C}"/>
+              </a:ext>
+            </a:extLst>
+          </p:cNvPr>
+          <p:cNvSpPr txBox="1"/>
+          <p:nvPr/>
+        </p:nvSpPr>
+        <p:spPr>
+          <a:xfrm>
+            <a:off x="0" y="2967335"/>
+            <a:ext cx="1233890" cy="923330"/>
+          </a:xfrm>
+          <a:prstGeom prst="rect">
+            <a:avLst/>
+          </a:prstGeom>
+          <a:noFill/>
+        </p:spPr>
+        <p:txBody>
+          <a:bodyPr wrap="square" rtlCol="0">
+            <a:spAutoFit/>
+          </a:bodyPr>
+          <a:lstStyle/>
+          <a:p>
+            <a:r>
+              <a:rPr lang="en-US" altLang="ja-JP" dirty="0" err="1"/>
+              <a:t>MiniSat</a:t>
+            </a:r>
+            <a:r>
+              <a:rPr lang="ja-JP" altLang="en-US"/>
+              <a:t>比で見た</a:t>
+            </a:r>
+            <a:r>
+              <a:rPr lang="en-US" altLang="ja-JP" dirty="0"/>
+              <a:t>GA</a:t>
+            </a:r>
+            <a:r>
+              <a:rPr lang="ja-JP" altLang="en-US"/>
+              <a:t>のベスト</a:t>
+            </a:r>
+            <a:endParaRPr kumimoji="1" lang="ja-JP" altLang="en-US"/>
+          </a:p>
+        </p:txBody>
+      </p:sp>
+    </p:spTree>
+    <p:extLst>
+      <p:ext uri="{BB962C8B-B14F-4D97-AF65-F5344CB8AC3E}">
+        <p14:creationId xmlns:p14="http://schemas.microsoft.com/office/powerpoint/2010/main" val="2143511258"/>
+      </p:ext>
+    </p:extLst>
+  </p:cSld>
+  <p:clrMapOvr>
+    <a:masterClrMapping/>
+  </p:clrMapOvr>
+</p:sld>
+</file>
+
+<file path=ppt/slides/slide22.xml><?xml version="1.0" encoding="utf-8"?>
+<p:sld xmlns:a="http://schemas.openxmlformats.org/drawingml/2006/main" xmlns:r="http://schemas.openxmlformats.org/officeDocument/2006/relationships" xmlns:p="http://schemas.openxmlformats.org/presentationml/2006/main">
+  <p:cSld>
+    <p:spTree>
+      <p:nvGrpSpPr>
+        <p:cNvPr id="1" name=""/>
+        <p:cNvGrpSpPr/>
+        <p:nvPr/>
+      </p:nvGrpSpPr>
+      <p:grpSpPr>
+        <a:xfrm>
+          <a:off x="0" y="0"/>
+          <a:ext cx="0" cy="0"/>
+          <a:chOff x="0" y="0"/>
+          <a:chExt cx="0" cy="0"/>
+        </a:xfrm>
+      </p:grpSpPr>
+      <p:sp>
+        <p:nvSpPr>
+          <p:cNvPr id="2" name="タイトル 1">
+            <a:extLst>
+              <a:ext uri="{FF2B5EF4-FFF2-40B4-BE49-F238E27FC236}">
                 <a16:creationId xmlns:a16="http://schemas.microsoft.com/office/drawing/2014/main" id="{C734F179-F3F8-81D5-77EA-96EE725AE558}"/>
               </a:ext>
             </a:extLst>
@@ -4975,7 +5794,87 @@
 </p:sld>
 </file>
 
-<file path=ppt/slides/slide21.xml><?xml version="1.0" encoding="utf-8"?>
+<file path=ppt/slides/slide3.xml><?xml version="1.0" encoding="utf-8"?>
+<p:sld xmlns:a="http://schemas.openxmlformats.org/drawingml/2006/main" xmlns:r="http://schemas.openxmlformats.org/officeDocument/2006/relationships" xmlns:p="http://schemas.openxmlformats.org/presentationml/2006/main">
+  <p:cSld>
+    <p:spTree>
+      <p:nvGrpSpPr>
+        <p:cNvPr id="1" name=""/>
+        <p:cNvGrpSpPr/>
+        <p:nvPr/>
+      </p:nvGrpSpPr>
+      <p:grpSpPr>
+        <a:xfrm>
+          <a:off x="0" y="0"/>
+          <a:ext cx="0" cy="0"/>
+          <a:chOff x="0" y="0"/>
+          <a:chExt cx="0" cy="0"/>
+        </a:xfrm>
+      </p:grpSpPr>
+      <p:sp>
+        <p:nvSpPr>
+          <p:cNvPr id="2" name="タイトル 1">
+            <a:extLst>
+              <a:ext uri="{FF2B5EF4-FFF2-40B4-BE49-F238E27FC236}">
+                <a16:creationId xmlns:a16="http://schemas.microsoft.com/office/drawing/2014/main" id="{373BC43E-2FC3-7A7C-ED4C-091C6920DE82}"/>
+              </a:ext>
+            </a:extLst>
+          </p:cNvPr>
+          <p:cNvSpPr>
+            <a:spLocks noGrp="1"/>
+          </p:cNvSpPr>
+          <p:nvPr>
+            <p:ph type="title"/>
+          </p:nvPr>
+        </p:nvSpPr>
+        <p:spPr/>
+        <p:txBody>
+          <a:bodyPr/>
+          <a:lstStyle/>
+          <a:p>
+            <a:endParaRPr kumimoji="1" lang="ja-JP" altLang="en-US"/>
+          </a:p>
+        </p:txBody>
+      </p:sp>
+      <p:sp>
+        <p:nvSpPr>
+          <p:cNvPr id="3" name="コンテンツ プレースホルダー 2">
+            <a:extLst>
+              <a:ext uri="{FF2B5EF4-FFF2-40B4-BE49-F238E27FC236}">
+                <a16:creationId xmlns:a16="http://schemas.microsoft.com/office/drawing/2014/main" id="{E7DA5649-754A-3566-7FD4-BE885D9ACA3B}"/>
+              </a:ext>
+            </a:extLst>
+          </p:cNvPr>
+          <p:cNvSpPr>
+            <a:spLocks noGrp="1"/>
+          </p:cNvSpPr>
+          <p:nvPr>
+            <p:ph idx="1"/>
+          </p:nvPr>
+        </p:nvSpPr>
+        <p:spPr/>
+        <p:txBody>
+          <a:bodyPr/>
+          <a:lstStyle/>
+          <a:p>
+            <a:endParaRPr kumimoji="1" lang="ja-JP" altLang="en-US"/>
+          </a:p>
+        </p:txBody>
+      </p:sp>
+    </p:spTree>
+    <p:extLst>
+      <p:ext uri="{BB962C8B-B14F-4D97-AF65-F5344CB8AC3E}">
+        <p14:creationId xmlns:p14="http://schemas.microsoft.com/office/powerpoint/2010/main" val="4001408067"/>
+      </p:ext>
+    </p:extLst>
+  </p:cSld>
+  <p:clrMapOvr>
+    <a:masterClrMapping/>
+  </p:clrMapOvr>
+</p:sld>
+</file>
+
+<file path=ppt/slides/slide4.xml><?xml version="1.0" encoding="utf-8"?>
 <p:sld xmlns:a="http://schemas.openxmlformats.org/drawingml/2006/main" xmlns:r="http://schemas.openxmlformats.org/officeDocument/2006/relationships" xmlns:p="http://schemas.openxmlformats.org/presentationml/2006/main">
   <p:cSld>
     <p:bg>
@@ -5006,10 +5905,60 @@
           <a:chExt cx="0" cy="0"/>
         </a:xfrm>
       </p:grpSpPr>
+      <p:sp>
+        <p:nvSpPr>
+          <p:cNvPr id="2" name="タイトル 1">
+            <a:extLst>
+              <a:ext uri="{FF2B5EF4-FFF2-40B4-BE49-F238E27FC236}">
+                <a16:creationId xmlns:a16="http://schemas.microsoft.com/office/drawing/2014/main" id="{C82057E1-CD22-D11E-96AE-B974F2A23850}"/>
+              </a:ext>
+            </a:extLst>
+          </p:cNvPr>
+          <p:cNvSpPr>
+            <a:spLocks noGrp="1"/>
+          </p:cNvSpPr>
+          <p:nvPr>
+            <p:ph type="title"/>
+          </p:nvPr>
+        </p:nvSpPr>
+        <p:spPr/>
+        <p:txBody>
+          <a:bodyPr/>
+          <a:lstStyle/>
+          <a:p>
+            <a:endParaRPr kumimoji="1" lang="ja-JP" altLang="en-US"/>
+          </a:p>
+        </p:txBody>
+      </p:sp>
+      <p:sp>
+        <p:nvSpPr>
+          <p:cNvPr id="3" name="コンテンツ プレースホルダー 2">
+            <a:extLst>
+              <a:ext uri="{FF2B5EF4-FFF2-40B4-BE49-F238E27FC236}">
+                <a16:creationId xmlns:a16="http://schemas.microsoft.com/office/drawing/2014/main" id="{0EA53094-3FB2-5D1A-AB50-DF93C35B83A9}"/>
+              </a:ext>
+            </a:extLst>
+          </p:cNvPr>
+          <p:cNvSpPr>
+            <a:spLocks noGrp="1"/>
+          </p:cNvSpPr>
+          <p:nvPr>
+            <p:ph idx="1"/>
+          </p:nvPr>
+        </p:nvSpPr>
+        <p:spPr/>
+        <p:txBody>
+          <a:bodyPr/>
+          <a:lstStyle/>
+          <a:p>
+            <a:endParaRPr kumimoji="1" lang="ja-JP" altLang="en-US"/>
+          </a:p>
+        </p:txBody>
+      </p:sp>
     </p:spTree>
     <p:extLst>
       <p:ext uri="{BB962C8B-B14F-4D97-AF65-F5344CB8AC3E}">
-        <p14:creationId xmlns:p14="http://schemas.microsoft.com/office/powerpoint/2010/main" val="2431389685"/>
+        <p14:creationId xmlns:p14="http://schemas.microsoft.com/office/powerpoint/2010/main" val="711370247"/>
       </p:ext>
     </p:extLst>
   </p:cSld>
@@ -5019,7 +5968,7 @@
 </p:sld>
 </file>
 
-<file path=ppt/slides/slide3.xml><?xml version="1.0" encoding="utf-8"?>
+<file path=ppt/slides/slide5.xml><?xml version="1.0" encoding="utf-8"?>
 <p:sld xmlns:a="http://schemas.openxmlformats.org/drawingml/2006/main" xmlns:r="http://schemas.openxmlformats.org/officeDocument/2006/relationships" xmlns:p="http://schemas.openxmlformats.org/presentationml/2006/main">
   <p:cSld>
     <p:spTree>
@@ -5102,7 +6051,7 @@
 </p:sld>
 </file>
 
-<file path=ppt/slides/slide4.xml><?xml version="1.0" encoding="utf-8"?>
+<file path=ppt/slides/slide6.xml><?xml version="1.0" encoding="utf-8"?>
 <p:sld xmlns:a="http://schemas.openxmlformats.org/drawingml/2006/main" xmlns:r="http://schemas.openxmlformats.org/officeDocument/2006/relationships" xmlns:p="http://schemas.openxmlformats.org/presentationml/2006/main">
   <p:cSld>
     <p:bg>
@@ -5376,7 +6325,7 @@
 </p:sld>
 </file>
 
-<file path=ppt/slides/slide5.xml><?xml version="1.0" encoding="utf-8"?>
+<file path=ppt/slides/slide7.xml><?xml version="1.0" encoding="utf-8"?>
 <p:sld xmlns:a="http://schemas.openxmlformats.org/drawingml/2006/main" xmlns:r="http://schemas.openxmlformats.org/officeDocument/2006/relationships" xmlns:p="http://schemas.openxmlformats.org/presentationml/2006/main">
   <p:cSld>
     <p:bg>
@@ -5501,7 +6450,7 @@
 </p:sld>
 </file>
 
-<file path=ppt/slides/slide6.xml><?xml version="1.0" encoding="utf-8"?>
+<file path=ppt/slides/slide8.xml><?xml version="1.0" encoding="utf-8"?>
 <p:sld xmlns:a="http://schemas.openxmlformats.org/drawingml/2006/main" xmlns:r="http://schemas.openxmlformats.org/officeDocument/2006/relationships" xmlns:p="http://schemas.openxmlformats.org/presentationml/2006/main">
   <p:cSld>
     <p:bg>
@@ -5626,7 +6575,7 @@
 </p:sld>
 </file>
 
-<file path=ppt/slides/slide7.xml><?xml version="1.0" encoding="utf-8"?>
+<file path=ppt/slides/slide9.xml><?xml version="1.0" encoding="utf-8"?>
 <p:sld xmlns:a="http://schemas.openxmlformats.org/drawingml/2006/main" xmlns:r="http://schemas.openxmlformats.org/officeDocument/2006/relationships" xmlns:p="http://schemas.openxmlformats.org/presentationml/2006/main">
   <p:cSld>
     <p:bg>
@@ -5737,256 +6686,6 @@
     <p:extLst>
       <p:ext uri="{BB962C8B-B14F-4D97-AF65-F5344CB8AC3E}">
         <p14:creationId xmlns:p14="http://schemas.microsoft.com/office/powerpoint/2010/main" val="4090322049"/>
-      </p:ext>
-    </p:extLst>
-  </p:cSld>
-  <p:clrMapOvr>
-    <a:masterClrMapping/>
-  </p:clrMapOvr>
-</p:sld>
-</file>
-
-<file path=ppt/slides/slide8.xml><?xml version="1.0" encoding="utf-8"?>
-<p:sld xmlns:a="http://schemas.openxmlformats.org/drawingml/2006/main" xmlns:r="http://schemas.openxmlformats.org/officeDocument/2006/relationships" xmlns:p="http://schemas.openxmlformats.org/presentationml/2006/main">
-  <p:cSld>
-    <p:bg>
-      <p:bgPr>
-        <a:blipFill dpi="0" rotWithShape="1">
-          <a:blip r:embed="rId2">
-            <a:lum/>
-          </a:blip>
-          <a:srcRect/>
-          <a:stretch>
-            <a:fillRect t="-3000" b="-3000"/>
-          </a:stretch>
-        </a:blipFill>
-        <a:effectLst/>
-      </p:bgPr>
-    </p:bg>
-    <p:spTree>
-      <p:nvGrpSpPr>
-        <p:cNvPr id="1" name="">
-          <a:extLst>
-            <a:ext uri="{FF2B5EF4-FFF2-40B4-BE49-F238E27FC236}">
-              <a16:creationId xmlns:a16="http://schemas.microsoft.com/office/drawing/2014/main" id="{42267E89-773D-FE50-C8F9-1E192C69299D}"/>
-            </a:ext>
-          </a:extLst>
-        </p:cNvPr>
-        <p:cNvGrpSpPr/>
-        <p:nvPr/>
-      </p:nvGrpSpPr>
-      <p:grpSpPr>
-        <a:xfrm>
-          <a:off x="0" y="0"/>
-          <a:ext cx="0" cy="0"/>
-          <a:chOff x="0" y="0"/>
-          <a:chExt cx="0" cy="0"/>
-        </a:xfrm>
-      </p:grpSpPr>
-      <p:sp>
-        <p:nvSpPr>
-          <p:cNvPr id="6" name="テキスト ボックス 5">
-            <a:extLst>
-              <a:ext uri="{FF2B5EF4-FFF2-40B4-BE49-F238E27FC236}">
-                <a16:creationId xmlns:a16="http://schemas.microsoft.com/office/drawing/2014/main" id="{23F393FB-3A22-A842-EEF3-3D175C419FCF}"/>
-              </a:ext>
-            </a:extLst>
-          </p:cNvPr>
-          <p:cNvSpPr txBox="1"/>
-          <p:nvPr/>
-        </p:nvSpPr>
-        <p:spPr>
-          <a:xfrm>
-            <a:off x="5657418" y="6488668"/>
-            <a:ext cx="877163" cy="369332"/>
-          </a:xfrm>
-          <a:prstGeom prst="rect">
-            <a:avLst/>
-          </a:prstGeom>
-          <a:noFill/>
-        </p:spPr>
-        <p:txBody>
-          <a:bodyPr wrap="none" rtlCol="0">
-            <a:spAutoFit/>
-          </a:bodyPr>
-          <a:lstStyle/>
-          <a:p>
-            <a:r>
-              <a:rPr kumimoji="1" lang="ja-JP" altLang="en-US"/>
-              <a:t>世代数</a:t>
-            </a:r>
-          </a:p>
-        </p:txBody>
-      </p:sp>
-      <p:sp>
-        <p:nvSpPr>
-          <p:cNvPr id="7" name="テキスト ボックス 6">
-            <a:extLst>
-              <a:ext uri="{FF2B5EF4-FFF2-40B4-BE49-F238E27FC236}">
-                <a16:creationId xmlns:a16="http://schemas.microsoft.com/office/drawing/2014/main" id="{DC4988DF-AB4C-D365-BA64-DCA1F20F0CAB}"/>
-              </a:ext>
-            </a:extLst>
-          </p:cNvPr>
-          <p:cNvSpPr txBox="1"/>
-          <p:nvPr/>
-        </p:nvSpPr>
-        <p:spPr>
-          <a:xfrm>
-            <a:off x="0" y="2967335"/>
-            <a:ext cx="1233890" cy="923330"/>
-          </a:xfrm>
-          <a:prstGeom prst="rect">
-            <a:avLst/>
-          </a:prstGeom>
-          <a:noFill/>
-        </p:spPr>
-        <p:txBody>
-          <a:bodyPr wrap="square" rtlCol="0">
-            <a:spAutoFit/>
-          </a:bodyPr>
-          <a:lstStyle/>
-          <a:p>
-            <a:r>
-              <a:rPr lang="en-US" altLang="ja-JP" dirty="0" err="1"/>
-              <a:t>MiniSat</a:t>
-            </a:r>
-            <a:r>
-              <a:rPr lang="ja-JP" altLang="en-US"/>
-              <a:t>比で見た証明の長さ</a:t>
-            </a:r>
-            <a:endParaRPr kumimoji="1" lang="ja-JP" altLang="en-US"/>
-          </a:p>
-        </p:txBody>
-      </p:sp>
-    </p:spTree>
-    <p:extLst>
-      <p:ext uri="{BB962C8B-B14F-4D97-AF65-F5344CB8AC3E}">
-        <p14:creationId xmlns:p14="http://schemas.microsoft.com/office/powerpoint/2010/main" val="3143854536"/>
-      </p:ext>
-    </p:extLst>
-  </p:cSld>
-  <p:clrMapOvr>
-    <a:masterClrMapping/>
-  </p:clrMapOvr>
-</p:sld>
-</file>
-
-<file path=ppt/slides/slide9.xml><?xml version="1.0" encoding="utf-8"?>
-<p:sld xmlns:a="http://schemas.openxmlformats.org/drawingml/2006/main" xmlns:r="http://schemas.openxmlformats.org/officeDocument/2006/relationships" xmlns:p="http://schemas.openxmlformats.org/presentationml/2006/main">
-  <p:cSld>
-    <p:bg>
-      <p:bgPr>
-        <a:blipFill dpi="0" rotWithShape="1">
-          <a:blip r:embed="rId2">
-            <a:lum/>
-          </a:blip>
-          <a:srcRect/>
-          <a:stretch>
-            <a:fillRect t="-3000" b="-3000"/>
-          </a:stretch>
-        </a:blipFill>
-        <a:effectLst/>
-      </p:bgPr>
-    </p:bg>
-    <p:spTree>
-      <p:nvGrpSpPr>
-        <p:cNvPr id="1" name="">
-          <a:extLst>
-            <a:ext uri="{FF2B5EF4-FFF2-40B4-BE49-F238E27FC236}">
-              <a16:creationId xmlns:a16="http://schemas.microsoft.com/office/drawing/2014/main" id="{27A689A9-D428-D803-5821-DFD5BE84EE01}"/>
-            </a:ext>
-          </a:extLst>
-        </p:cNvPr>
-        <p:cNvGrpSpPr/>
-        <p:nvPr/>
-      </p:nvGrpSpPr>
-      <p:grpSpPr>
-        <a:xfrm>
-          <a:off x="0" y="0"/>
-          <a:ext cx="0" cy="0"/>
-          <a:chOff x="0" y="0"/>
-          <a:chExt cx="0" cy="0"/>
-        </a:xfrm>
-      </p:grpSpPr>
-      <p:sp>
-        <p:nvSpPr>
-          <p:cNvPr id="6" name="テキスト ボックス 5">
-            <a:extLst>
-              <a:ext uri="{FF2B5EF4-FFF2-40B4-BE49-F238E27FC236}">
-                <a16:creationId xmlns:a16="http://schemas.microsoft.com/office/drawing/2014/main" id="{500888E8-238E-1D3B-20B9-C5611AB4D83B}"/>
-              </a:ext>
-            </a:extLst>
-          </p:cNvPr>
-          <p:cNvSpPr txBox="1"/>
-          <p:nvPr/>
-        </p:nvSpPr>
-        <p:spPr>
-          <a:xfrm>
-            <a:off x="5657418" y="6488668"/>
-            <a:ext cx="877163" cy="369332"/>
-          </a:xfrm>
-          <a:prstGeom prst="rect">
-            <a:avLst/>
-          </a:prstGeom>
-          <a:noFill/>
-        </p:spPr>
-        <p:txBody>
-          <a:bodyPr wrap="none" rtlCol="0">
-            <a:spAutoFit/>
-          </a:bodyPr>
-          <a:lstStyle/>
-          <a:p>
-            <a:r>
-              <a:rPr kumimoji="1" lang="ja-JP" altLang="en-US"/>
-              <a:t>世代数</a:t>
-            </a:r>
-          </a:p>
-        </p:txBody>
-      </p:sp>
-      <p:sp>
-        <p:nvSpPr>
-          <p:cNvPr id="7" name="テキスト ボックス 6">
-            <a:extLst>
-              <a:ext uri="{FF2B5EF4-FFF2-40B4-BE49-F238E27FC236}">
-                <a16:creationId xmlns:a16="http://schemas.microsoft.com/office/drawing/2014/main" id="{61D4FFE4-A40F-6EBC-005F-82B17512B90D}"/>
-              </a:ext>
-            </a:extLst>
-          </p:cNvPr>
-          <p:cNvSpPr txBox="1"/>
-          <p:nvPr/>
-        </p:nvSpPr>
-        <p:spPr>
-          <a:xfrm>
-            <a:off x="0" y="2967335"/>
-            <a:ext cx="1233890" cy="923330"/>
-          </a:xfrm>
-          <a:prstGeom prst="rect">
-            <a:avLst/>
-          </a:prstGeom>
-          <a:noFill/>
-        </p:spPr>
-        <p:txBody>
-          <a:bodyPr wrap="square" rtlCol="0">
-            <a:spAutoFit/>
-          </a:bodyPr>
-          <a:lstStyle/>
-          <a:p>
-            <a:r>
-              <a:rPr lang="en-US" altLang="ja-JP" dirty="0" err="1"/>
-              <a:t>MiniSat</a:t>
-            </a:r>
-            <a:r>
-              <a:rPr lang="ja-JP" altLang="en-US"/>
-              <a:t>比で見た証明の長さ</a:t>
-            </a:r>
-            <a:endParaRPr kumimoji="1" lang="ja-JP" altLang="en-US"/>
-          </a:p>
-        </p:txBody>
-      </p:sp>
-    </p:spTree>
-    <p:extLst>
-      <p:ext uri="{BB962C8B-B14F-4D97-AF65-F5344CB8AC3E}">
-        <p14:creationId xmlns:p14="http://schemas.microsoft.com/office/powerpoint/2010/main" val="2334499035"/>
       </p:ext>
     </p:extLst>
   </p:cSld>

--- a/figures/実験画像.pptx
+++ b/figures/実験画像.pptx
@@ -26,7 +26,8 @@
     <p:sldId id="282" r:id="rId20"/>
     <p:sldId id="276" r:id="rId21"/>
     <p:sldId id="286" r:id="rId22"/>
-    <p:sldId id="278" r:id="rId23"/>
+    <p:sldId id="287" r:id="rId23"/>
+    <p:sldId id="289" r:id="rId24"/>
   </p:sldIdLst>
   <p:sldSz cx="12192000" cy="6858000"/>
   <p:notesSz cx="6858000" cy="9144000"/>
@@ -5719,7 +5720,13 @@
   <p:cSld>
     <p:spTree>
       <p:nvGrpSpPr>
-        <p:cNvPr id="1" name=""/>
+        <p:cNvPr id="1" name="">
+          <a:extLst>
+            <a:ext uri="{FF2B5EF4-FFF2-40B4-BE49-F238E27FC236}">
+              <a16:creationId xmlns:a16="http://schemas.microsoft.com/office/drawing/2014/main" id="{7091F6B8-5E1B-EC70-D858-7B0294B75EB1}"/>
+            </a:ext>
+          </a:extLst>
+        </p:cNvPr>
         <p:cNvGrpSpPr/>
         <p:nvPr/>
       </p:nvGrpSpPr>
@@ -5736,7 +5743,7 @@
           <p:cNvPr id="2" name="タイトル 1">
             <a:extLst>
               <a:ext uri="{FF2B5EF4-FFF2-40B4-BE49-F238E27FC236}">
-                <a16:creationId xmlns:a16="http://schemas.microsoft.com/office/drawing/2014/main" id="{C734F179-F3F8-81D5-77EA-96EE725AE558}"/>
+                <a16:creationId xmlns:a16="http://schemas.microsoft.com/office/drawing/2014/main" id="{9B1C2436-221C-F649-3DC5-C8B4A1653C32}"/>
               </a:ext>
             </a:extLst>
           </p:cNvPr>
@@ -5752,7 +5759,10 @@
           <a:bodyPr/>
           <a:lstStyle/>
           <a:p>
-            <a:endParaRPr kumimoji="1" lang="ja-JP" altLang="en-US"/>
+            <a:r>
+              <a:rPr kumimoji="1" lang="ja-JP" altLang="en-US"/>
+              <a:t>今後のために調べた実験</a:t>
+            </a:r>
           </a:p>
         </p:txBody>
       </p:sp>
@@ -5761,7 +5771,7 @@
           <p:cNvPr id="3" name="コンテンツ プレースホルダー 2">
             <a:extLst>
               <a:ext uri="{FF2B5EF4-FFF2-40B4-BE49-F238E27FC236}">
-                <a16:creationId xmlns:a16="http://schemas.microsoft.com/office/drawing/2014/main" id="{5E160246-EF1B-AC51-B58B-D26E2E2C9716}"/>
+                <a16:creationId xmlns:a16="http://schemas.microsoft.com/office/drawing/2014/main" id="{862D146B-BDE8-B996-BD7C-987C9AA4C859}"/>
               </a:ext>
             </a:extLst>
           </p:cNvPr>
@@ -5784,7 +5794,161 @@
     </p:spTree>
     <p:extLst>
       <p:ext uri="{BB962C8B-B14F-4D97-AF65-F5344CB8AC3E}">
-        <p14:creationId xmlns:p14="http://schemas.microsoft.com/office/powerpoint/2010/main" val="2475432517"/>
+        <p14:creationId xmlns:p14="http://schemas.microsoft.com/office/powerpoint/2010/main" val="911613532"/>
+      </p:ext>
+    </p:extLst>
+  </p:cSld>
+  <p:clrMapOvr>
+    <a:masterClrMapping/>
+  </p:clrMapOvr>
+</p:sld>
+</file>
+
+<file path=ppt/slides/slide23.xml><?xml version="1.0" encoding="utf-8"?>
+<p:sld xmlns:a="http://schemas.openxmlformats.org/drawingml/2006/main" xmlns:r="http://schemas.openxmlformats.org/officeDocument/2006/relationships" xmlns:p="http://schemas.openxmlformats.org/presentationml/2006/main">
+  <p:cSld>
+    <p:bg>
+      <p:bgPr>
+        <a:blipFill dpi="0" rotWithShape="1">
+          <a:blip r:embed="rId2">
+            <a:lum/>
+          </a:blip>
+          <a:srcRect/>
+          <a:stretch>
+            <a:fillRect t="-3000" b="-3000"/>
+          </a:stretch>
+        </a:blipFill>
+        <a:effectLst/>
+      </p:bgPr>
+    </p:bg>
+    <p:spTree>
+      <p:nvGrpSpPr>
+        <p:cNvPr id="1" name="">
+          <a:extLst>
+            <a:ext uri="{FF2B5EF4-FFF2-40B4-BE49-F238E27FC236}">
+              <a16:creationId xmlns:a16="http://schemas.microsoft.com/office/drawing/2014/main" id="{3C5CB4E5-7EB5-FE4F-13F9-EA93DB03548B}"/>
+            </a:ext>
+          </a:extLst>
+        </p:cNvPr>
+        <p:cNvGrpSpPr/>
+        <p:nvPr/>
+      </p:nvGrpSpPr>
+      <p:grpSpPr>
+        <a:xfrm>
+          <a:off x="0" y="0"/>
+          <a:ext cx="0" cy="0"/>
+          <a:chOff x="0" y="0"/>
+          <a:chExt cx="0" cy="0"/>
+        </a:xfrm>
+      </p:grpSpPr>
+      <p:sp>
+        <p:nvSpPr>
+          <p:cNvPr id="6" name="テキスト ボックス 5">
+            <a:extLst>
+              <a:ext uri="{FF2B5EF4-FFF2-40B4-BE49-F238E27FC236}">
+                <a16:creationId xmlns:a16="http://schemas.microsoft.com/office/drawing/2014/main" id="{5F34DD9F-F242-813F-6C43-63A846D44F37}"/>
+              </a:ext>
+            </a:extLst>
+          </p:cNvPr>
+          <p:cNvSpPr txBox="1"/>
+          <p:nvPr/>
+        </p:nvSpPr>
+        <p:spPr>
+          <a:xfrm>
+            <a:off x="5657418" y="6488668"/>
+            <a:ext cx="877163" cy="369332"/>
+          </a:xfrm>
+          <a:prstGeom prst="rect">
+            <a:avLst/>
+          </a:prstGeom>
+          <a:noFill/>
+        </p:spPr>
+        <p:txBody>
+          <a:bodyPr wrap="none" rtlCol="0">
+            <a:spAutoFit/>
+          </a:bodyPr>
+          <a:lstStyle/>
+          <a:p>
+            <a:r>
+              <a:rPr kumimoji="1" lang="ja-JP" altLang="en-US"/>
+              <a:t>世代数</a:t>
+            </a:r>
+          </a:p>
+        </p:txBody>
+      </p:sp>
+      <p:sp>
+        <p:nvSpPr>
+          <p:cNvPr id="7" name="テキスト ボックス 6">
+            <a:extLst>
+              <a:ext uri="{FF2B5EF4-FFF2-40B4-BE49-F238E27FC236}">
+                <a16:creationId xmlns:a16="http://schemas.microsoft.com/office/drawing/2014/main" id="{F48E8736-AC84-BCC1-A94B-4D2612B27B57}"/>
+              </a:ext>
+            </a:extLst>
+          </p:cNvPr>
+          <p:cNvSpPr txBox="1"/>
+          <p:nvPr/>
+        </p:nvSpPr>
+        <p:spPr>
+          <a:xfrm>
+            <a:off x="0" y="2967335"/>
+            <a:ext cx="1233890" cy="923330"/>
+          </a:xfrm>
+          <a:prstGeom prst="rect">
+            <a:avLst/>
+          </a:prstGeom>
+          <a:noFill/>
+        </p:spPr>
+        <p:txBody>
+          <a:bodyPr wrap="square" rtlCol="0">
+            <a:spAutoFit/>
+          </a:bodyPr>
+          <a:lstStyle/>
+          <a:p>
+            <a:r>
+              <a:rPr lang="en-US" altLang="ja-JP" dirty="0" err="1"/>
+              <a:t>MiniSat</a:t>
+            </a:r>
+            <a:r>
+              <a:rPr lang="ja-JP" altLang="en-US"/>
+              <a:t>比で見た証明の長さ</a:t>
+            </a:r>
+            <a:endParaRPr kumimoji="1" lang="ja-JP" altLang="en-US"/>
+          </a:p>
+        </p:txBody>
+      </p:sp>
+      <p:pic>
+        <p:nvPicPr>
+          <p:cNvPr id="5" name="図 4" descr="グラフ が含まれている画像&#10;&#10;AI によって生成されたコンテンツは間違っている可能性があります。">
+            <a:extLst>
+              <a:ext uri="{FF2B5EF4-FFF2-40B4-BE49-F238E27FC236}">
+                <a16:creationId xmlns:a16="http://schemas.microsoft.com/office/drawing/2014/main" id="{F463B396-64F6-75E7-162C-4C035511BD93}"/>
+              </a:ext>
+            </a:extLst>
+          </p:cNvPr>
+          <p:cNvPicPr>
+            <a:picLocks noChangeAspect="1"/>
+          </p:cNvPicPr>
+          <p:nvPr/>
+        </p:nvPicPr>
+        <p:blipFill>
+          <a:blip r:embed="rId3"/>
+          <a:srcRect l="10100" t="10794" r="40593" b="8095"/>
+          <a:stretch/>
+        </p:blipFill>
+        <p:spPr>
+          <a:xfrm>
+            <a:off x="5031302" y="576944"/>
+            <a:ext cx="5968392" cy="5894699"/>
+          </a:xfrm>
+          <a:prstGeom prst="rect">
+            <a:avLst/>
+          </a:prstGeom>
+        </p:spPr>
+      </p:pic>
+    </p:spTree>
+    <p:extLst>
+      <p:ext uri="{BB962C8B-B14F-4D97-AF65-F5344CB8AC3E}">
+        <p14:creationId xmlns:p14="http://schemas.microsoft.com/office/powerpoint/2010/main" val="598537346"/>
       </p:ext>
     </p:extLst>
   </p:cSld>

--- a/figures/実験画像.pptx
+++ b/figures/実験画像.pptx
@@ -7,27 +7,26 @@
   <p:sldIdLst>
     <p:sldId id="268" r:id="rId2"/>
     <p:sldId id="284" r:id="rId3"/>
-    <p:sldId id="285" r:id="rId4"/>
-    <p:sldId id="270" r:id="rId5"/>
-    <p:sldId id="269" r:id="rId6"/>
-    <p:sldId id="257" r:id="rId7"/>
-    <p:sldId id="259" r:id="rId8"/>
-    <p:sldId id="260" r:id="rId9"/>
-    <p:sldId id="262" r:id="rId10"/>
-    <p:sldId id="263" r:id="rId11"/>
-    <p:sldId id="264" r:id="rId12"/>
-    <p:sldId id="265" r:id="rId13"/>
-    <p:sldId id="266" r:id="rId14"/>
-    <p:sldId id="267" r:id="rId15"/>
-    <p:sldId id="271" r:id="rId16"/>
-    <p:sldId id="273" r:id="rId17"/>
-    <p:sldId id="280" r:id="rId18"/>
-    <p:sldId id="281" r:id="rId19"/>
-    <p:sldId id="282" r:id="rId20"/>
-    <p:sldId id="276" r:id="rId21"/>
-    <p:sldId id="286" r:id="rId22"/>
-    <p:sldId id="287" r:id="rId23"/>
-    <p:sldId id="289" r:id="rId24"/>
+    <p:sldId id="270" r:id="rId4"/>
+    <p:sldId id="269" r:id="rId5"/>
+    <p:sldId id="257" r:id="rId6"/>
+    <p:sldId id="259" r:id="rId7"/>
+    <p:sldId id="260" r:id="rId8"/>
+    <p:sldId id="262" r:id="rId9"/>
+    <p:sldId id="263" r:id="rId10"/>
+    <p:sldId id="264" r:id="rId11"/>
+    <p:sldId id="265" r:id="rId12"/>
+    <p:sldId id="266" r:id="rId13"/>
+    <p:sldId id="267" r:id="rId14"/>
+    <p:sldId id="271" r:id="rId15"/>
+    <p:sldId id="273" r:id="rId16"/>
+    <p:sldId id="280" r:id="rId17"/>
+    <p:sldId id="281" r:id="rId18"/>
+    <p:sldId id="282" r:id="rId19"/>
+    <p:sldId id="276" r:id="rId20"/>
+    <p:sldId id="286" r:id="rId21"/>
+    <p:sldId id="287" r:id="rId22"/>
+    <p:sldId id="289" r:id="rId23"/>
   </p:sldIdLst>
   <p:sldSz cx="12192000" cy="6858000"/>
   <p:notesSz cx="6858000" cy="9144000"/>
@@ -281,7 +280,7 @@
           <a:p>
             <a:fld id="{425433D7-BC6F-9D42-870B-77DF58C3529F}" type="datetimeFigureOut">
               <a:rPr kumimoji="1" lang="ja-JP" altLang="en-US" smtClean="0"/>
-              <a:t>2025/1/28</a:t>
+              <a:t>2025/1/30</a:t>
             </a:fld>
             <a:endParaRPr kumimoji="1" lang="ja-JP" altLang="en-US"/>
           </a:p>
@@ -511,7 +510,7 @@
           <a:p>
             <a:fld id="{425433D7-BC6F-9D42-870B-77DF58C3529F}" type="datetimeFigureOut">
               <a:rPr kumimoji="1" lang="ja-JP" altLang="en-US" smtClean="0"/>
-              <a:t>2025/1/28</a:t>
+              <a:t>2025/1/30</a:t>
             </a:fld>
             <a:endParaRPr kumimoji="1" lang="ja-JP" altLang="en-US"/>
           </a:p>
@@ -751,7 +750,7 @@
           <a:p>
             <a:fld id="{425433D7-BC6F-9D42-870B-77DF58C3529F}" type="datetimeFigureOut">
               <a:rPr kumimoji="1" lang="ja-JP" altLang="en-US" smtClean="0"/>
-              <a:t>2025/1/28</a:t>
+              <a:t>2025/1/30</a:t>
             </a:fld>
             <a:endParaRPr kumimoji="1" lang="ja-JP" altLang="en-US"/>
           </a:p>
@@ -981,7 +980,7 @@
           <a:p>
             <a:fld id="{425433D7-BC6F-9D42-870B-77DF58C3529F}" type="datetimeFigureOut">
               <a:rPr kumimoji="1" lang="ja-JP" altLang="en-US" smtClean="0"/>
-              <a:t>2025/1/28</a:t>
+              <a:t>2025/1/30</a:t>
             </a:fld>
             <a:endParaRPr kumimoji="1" lang="ja-JP" altLang="en-US"/>
           </a:p>
@@ -1256,7 +1255,7 @@
           <a:p>
             <a:fld id="{425433D7-BC6F-9D42-870B-77DF58C3529F}" type="datetimeFigureOut">
               <a:rPr kumimoji="1" lang="ja-JP" altLang="en-US" smtClean="0"/>
-              <a:t>2025/1/28</a:t>
+              <a:t>2025/1/30</a:t>
             </a:fld>
             <a:endParaRPr kumimoji="1" lang="ja-JP" altLang="en-US"/>
           </a:p>
@@ -1585,7 +1584,7 @@
           <a:p>
             <a:fld id="{425433D7-BC6F-9D42-870B-77DF58C3529F}" type="datetimeFigureOut">
               <a:rPr kumimoji="1" lang="ja-JP" altLang="en-US" smtClean="0"/>
-              <a:t>2025/1/28</a:t>
+              <a:t>2025/1/30</a:t>
             </a:fld>
             <a:endParaRPr kumimoji="1" lang="ja-JP" altLang="en-US"/>
           </a:p>
@@ -2061,7 +2060,7 @@
           <a:p>
             <a:fld id="{425433D7-BC6F-9D42-870B-77DF58C3529F}" type="datetimeFigureOut">
               <a:rPr kumimoji="1" lang="ja-JP" altLang="en-US" smtClean="0"/>
-              <a:t>2025/1/28</a:t>
+              <a:t>2025/1/30</a:t>
             </a:fld>
             <a:endParaRPr kumimoji="1" lang="ja-JP" altLang="en-US"/>
           </a:p>
@@ -2202,7 +2201,7 @@
           <a:p>
             <a:fld id="{425433D7-BC6F-9D42-870B-77DF58C3529F}" type="datetimeFigureOut">
               <a:rPr kumimoji="1" lang="ja-JP" altLang="en-US" smtClean="0"/>
-              <a:t>2025/1/28</a:t>
+              <a:t>2025/1/30</a:t>
             </a:fld>
             <a:endParaRPr kumimoji="1" lang="ja-JP" altLang="en-US"/>
           </a:p>
@@ -2315,7 +2314,7 @@
           <a:p>
             <a:fld id="{425433D7-BC6F-9D42-870B-77DF58C3529F}" type="datetimeFigureOut">
               <a:rPr kumimoji="1" lang="ja-JP" altLang="en-US" smtClean="0"/>
-              <a:t>2025/1/28</a:t>
+              <a:t>2025/1/30</a:t>
             </a:fld>
             <a:endParaRPr kumimoji="1" lang="ja-JP" altLang="en-US"/>
           </a:p>
@@ -2658,7 +2657,7 @@
           <a:p>
             <a:fld id="{425433D7-BC6F-9D42-870B-77DF58C3529F}" type="datetimeFigureOut">
               <a:rPr kumimoji="1" lang="ja-JP" altLang="en-US" smtClean="0"/>
-              <a:t>2025/1/28</a:t>
+              <a:t>2025/1/30</a:t>
             </a:fld>
             <a:endParaRPr kumimoji="1" lang="ja-JP" altLang="en-US"/>
           </a:p>
@@ -2946,7 +2945,7 @@
           <a:p>
             <a:fld id="{425433D7-BC6F-9D42-870B-77DF58C3529F}" type="datetimeFigureOut">
               <a:rPr kumimoji="1" lang="ja-JP" altLang="en-US" smtClean="0"/>
-              <a:t>2025/1/28</a:t>
+              <a:t>2025/1/30</a:t>
             </a:fld>
             <a:endParaRPr kumimoji="1" lang="ja-JP" altLang="en-US"/>
           </a:p>
@@ -3219,7 +3218,7 @@
           <a:p>
             <a:fld id="{425433D7-BC6F-9D42-870B-77DF58C3529F}" type="datetimeFigureOut">
               <a:rPr kumimoji="1" lang="ja-JP" altLang="en-US" smtClean="0"/>
-              <a:t>2025/1/28</a:t>
+              <a:t>2025/1/30</a:t>
             </a:fld>
             <a:endParaRPr kumimoji="1" lang="ja-JP" altLang="en-US"/>
           </a:p>
@@ -3724,131 +3723,6 @@
         <p:cNvPr id="1" name="">
           <a:extLst>
             <a:ext uri="{FF2B5EF4-FFF2-40B4-BE49-F238E27FC236}">
-              <a16:creationId xmlns:a16="http://schemas.microsoft.com/office/drawing/2014/main" id="{42267E89-773D-FE50-C8F9-1E192C69299D}"/>
-            </a:ext>
-          </a:extLst>
-        </p:cNvPr>
-        <p:cNvGrpSpPr/>
-        <p:nvPr/>
-      </p:nvGrpSpPr>
-      <p:grpSpPr>
-        <a:xfrm>
-          <a:off x="0" y="0"/>
-          <a:ext cx="0" cy="0"/>
-          <a:chOff x="0" y="0"/>
-          <a:chExt cx="0" cy="0"/>
-        </a:xfrm>
-      </p:grpSpPr>
-      <p:sp>
-        <p:nvSpPr>
-          <p:cNvPr id="6" name="テキスト ボックス 5">
-            <a:extLst>
-              <a:ext uri="{FF2B5EF4-FFF2-40B4-BE49-F238E27FC236}">
-                <a16:creationId xmlns:a16="http://schemas.microsoft.com/office/drawing/2014/main" id="{23F393FB-3A22-A842-EEF3-3D175C419FCF}"/>
-              </a:ext>
-            </a:extLst>
-          </p:cNvPr>
-          <p:cNvSpPr txBox="1"/>
-          <p:nvPr/>
-        </p:nvSpPr>
-        <p:spPr>
-          <a:xfrm>
-            <a:off x="5657418" y="6488668"/>
-            <a:ext cx="877163" cy="369332"/>
-          </a:xfrm>
-          <a:prstGeom prst="rect">
-            <a:avLst/>
-          </a:prstGeom>
-          <a:noFill/>
-        </p:spPr>
-        <p:txBody>
-          <a:bodyPr wrap="none" rtlCol="0">
-            <a:spAutoFit/>
-          </a:bodyPr>
-          <a:lstStyle/>
-          <a:p>
-            <a:r>
-              <a:rPr kumimoji="1" lang="ja-JP" altLang="en-US"/>
-              <a:t>世代数</a:t>
-            </a:r>
-          </a:p>
-        </p:txBody>
-      </p:sp>
-      <p:sp>
-        <p:nvSpPr>
-          <p:cNvPr id="7" name="テキスト ボックス 6">
-            <a:extLst>
-              <a:ext uri="{FF2B5EF4-FFF2-40B4-BE49-F238E27FC236}">
-                <a16:creationId xmlns:a16="http://schemas.microsoft.com/office/drawing/2014/main" id="{DC4988DF-AB4C-D365-BA64-DCA1F20F0CAB}"/>
-              </a:ext>
-            </a:extLst>
-          </p:cNvPr>
-          <p:cNvSpPr txBox="1"/>
-          <p:nvPr/>
-        </p:nvSpPr>
-        <p:spPr>
-          <a:xfrm>
-            <a:off x="0" y="2967335"/>
-            <a:ext cx="1233890" cy="923330"/>
-          </a:xfrm>
-          <a:prstGeom prst="rect">
-            <a:avLst/>
-          </a:prstGeom>
-          <a:noFill/>
-        </p:spPr>
-        <p:txBody>
-          <a:bodyPr wrap="square" rtlCol="0">
-            <a:spAutoFit/>
-          </a:bodyPr>
-          <a:lstStyle/>
-          <a:p>
-            <a:r>
-              <a:rPr lang="en-US" altLang="ja-JP" dirty="0" err="1"/>
-              <a:t>MiniSat</a:t>
-            </a:r>
-            <a:r>
-              <a:rPr lang="ja-JP" altLang="en-US"/>
-              <a:t>比で見た証明の長さ</a:t>
-            </a:r>
-            <a:endParaRPr kumimoji="1" lang="ja-JP" altLang="en-US"/>
-          </a:p>
-        </p:txBody>
-      </p:sp>
-    </p:spTree>
-    <p:extLst>
-      <p:ext uri="{BB962C8B-B14F-4D97-AF65-F5344CB8AC3E}">
-        <p14:creationId xmlns:p14="http://schemas.microsoft.com/office/powerpoint/2010/main" val="3143854536"/>
-      </p:ext>
-    </p:extLst>
-  </p:cSld>
-  <p:clrMapOvr>
-    <a:masterClrMapping/>
-  </p:clrMapOvr>
-</p:sld>
-</file>
-
-<file path=ppt/slides/slide11.xml><?xml version="1.0" encoding="utf-8"?>
-<p:sld xmlns:a="http://schemas.openxmlformats.org/drawingml/2006/main" xmlns:r="http://schemas.openxmlformats.org/officeDocument/2006/relationships" xmlns:p="http://schemas.openxmlformats.org/presentationml/2006/main">
-  <p:cSld>
-    <p:bg>
-      <p:bgPr>
-        <a:blipFill dpi="0" rotWithShape="1">
-          <a:blip r:embed="rId2">
-            <a:lum/>
-          </a:blip>
-          <a:srcRect/>
-          <a:stretch>
-            <a:fillRect t="-3000" b="-3000"/>
-          </a:stretch>
-        </a:blipFill>
-        <a:effectLst/>
-      </p:bgPr>
-    </p:bg>
-    <p:spTree>
-      <p:nvGrpSpPr>
-        <p:cNvPr id="1" name="">
-          <a:extLst>
-            <a:ext uri="{FF2B5EF4-FFF2-40B4-BE49-F238E27FC236}">
               <a16:creationId xmlns:a16="http://schemas.microsoft.com/office/drawing/2014/main" id="{27A689A9-D428-D803-5821-DFD5BE84EE01}"/>
             </a:ext>
           </a:extLst>
@@ -3952,7 +3826,7 @@
 </p:sld>
 </file>
 
-<file path=ppt/slides/slide12.xml><?xml version="1.0" encoding="utf-8"?>
+<file path=ppt/slides/slide11.xml><?xml version="1.0" encoding="utf-8"?>
 <p:sld xmlns:a="http://schemas.openxmlformats.org/drawingml/2006/main" xmlns:r="http://schemas.openxmlformats.org/officeDocument/2006/relationships" xmlns:p="http://schemas.openxmlformats.org/presentationml/2006/main">
   <p:cSld>
     <p:bg>
@@ -4077,7 +3951,7 @@
 </p:sld>
 </file>
 
-<file path=ppt/slides/slide13.xml><?xml version="1.0" encoding="utf-8"?>
+<file path=ppt/slides/slide12.xml><?xml version="1.0" encoding="utf-8"?>
 <p:sld xmlns:a="http://schemas.openxmlformats.org/drawingml/2006/main" xmlns:r="http://schemas.openxmlformats.org/officeDocument/2006/relationships" xmlns:p="http://schemas.openxmlformats.org/presentationml/2006/main">
   <p:cSld>
     <p:bg>
@@ -4202,7 +4076,7 @@
 </p:sld>
 </file>
 
-<file path=ppt/slides/slide14.xml><?xml version="1.0" encoding="utf-8"?>
+<file path=ppt/slides/slide13.xml><?xml version="1.0" encoding="utf-8"?>
 <p:sld xmlns:a="http://schemas.openxmlformats.org/drawingml/2006/main" xmlns:r="http://schemas.openxmlformats.org/officeDocument/2006/relationships" xmlns:p="http://schemas.openxmlformats.org/presentationml/2006/main">
   <p:cSld>
     <p:bg>
@@ -4327,7 +4201,7 @@
 </p:sld>
 </file>
 
-<file path=ppt/slides/slide15.xml><?xml version="1.0" encoding="utf-8"?>
+<file path=ppt/slides/slide14.xml><?xml version="1.0" encoding="utf-8"?>
 <p:sld xmlns:a="http://schemas.openxmlformats.org/drawingml/2006/main" xmlns:r="http://schemas.openxmlformats.org/officeDocument/2006/relationships" xmlns:p="http://schemas.openxmlformats.org/presentationml/2006/main">
   <p:cSld>
     <p:spTree>
@@ -4417,7 +4291,7 @@
 </p:sld>
 </file>
 
-<file path=ppt/slides/slide16.xml><?xml version="1.0" encoding="utf-8"?>
+<file path=ppt/slides/slide15.xml><?xml version="1.0" encoding="utf-8"?>
 <p:sld xmlns:a="http://schemas.openxmlformats.org/drawingml/2006/main" xmlns:r="http://schemas.openxmlformats.org/officeDocument/2006/relationships" xmlns:p="http://schemas.openxmlformats.org/presentationml/2006/main">
   <p:cSld>
     <p:bg>
@@ -4542,7 +4416,7 @@
 </p:sld>
 </file>
 
-<file path=ppt/slides/slide17.xml><?xml version="1.0" encoding="utf-8"?>
+<file path=ppt/slides/slide16.xml><?xml version="1.0" encoding="utf-8"?>
 <p:sld xmlns:a="http://schemas.openxmlformats.org/drawingml/2006/main" xmlns:r="http://schemas.openxmlformats.org/officeDocument/2006/relationships" xmlns:p="http://schemas.openxmlformats.org/presentationml/2006/main">
   <p:cSld>
     <p:bg>
@@ -4667,7 +4541,7 @@
 </p:sld>
 </file>
 
-<file path=ppt/slides/slide18.xml><?xml version="1.0" encoding="utf-8"?>
+<file path=ppt/slides/slide17.xml><?xml version="1.0" encoding="utf-8"?>
 <p:sld xmlns:a="http://schemas.openxmlformats.org/drawingml/2006/main" xmlns:r="http://schemas.openxmlformats.org/officeDocument/2006/relationships" xmlns:p="http://schemas.openxmlformats.org/presentationml/2006/main">
   <p:cSld>
     <p:bg>
@@ -4813,7 +4687,7 @@
 </p:sld>
 </file>
 
-<file path=ppt/slides/slide19.xml><?xml version="1.0" encoding="utf-8"?>
+<file path=ppt/slides/slide18.xml><?xml version="1.0" encoding="utf-8"?>
 <p:sld xmlns:a="http://schemas.openxmlformats.org/drawingml/2006/main" xmlns:r="http://schemas.openxmlformats.org/officeDocument/2006/relationships" xmlns:p="http://schemas.openxmlformats.org/presentationml/2006/main">
   <p:cSld>
     <p:bg>
@@ -4929,6 +4803,90 @@
     <p:extLst>
       <p:ext uri="{BB962C8B-B14F-4D97-AF65-F5344CB8AC3E}">
         <p14:creationId xmlns:p14="http://schemas.microsoft.com/office/powerpoint/2010/main" val="1211223497"/>
+      </p:ext>
+    </p:extLst>
+  </p:cSld>
+  <p:clrMapOvr>
+    <a:masterClrMapping/>
+  </p:clrMapOvr>
+</p:sld>
+</file>
+
+<file path=ppt/slides/slide19.xml><?xml version="1.0" encoding="utf-8"?>
+<p:sld xmlns:a="http://schemas.openxmlformats.org/drawingml/2006/main" xmlns:r="http://schemas.openxmlformats.org/officeDocument/2006/relationships" xmlns:p="http://schemas.openxmlformats.org/presentationml/2006/main">
+  <p:cSld>
+    <p:spTree>
+      <p:nvGrpSpPr>
+        <p:cNvPr id="1" name=""/>
+        <p:cNvGrpSpPr/>
+        <p:nvPr/>
+      </p:nvGrpSpPr>
+      <p:grpSpPr>
+        <a:xfrm>
+          <a:off x="0" y="0"/>
+          <a:ext cx="0" cy="0"/>
+          <a:chOff x="0" y="0"/>
+          <a:chExt cx="0" cy="0"/>
+        </a:xfrm>
+      </p:grpSpPr>
+      <p:sp>
+        <p:nvSpPr>
+          <p:cNvPr id="2" name="タイトル 1">
+            <a:extLst>
+              <a:ext uri="{FF2B5EF4-FFF2-40B4-BE49-F238E27FC236}">
+                <a16:creationId xmlns:a16="http://schemas.microsoft.com/office/drawing/2014/main" id="{9E417FE3-82D8-D110-DE30-7AA6FFE3C194}"/>
+              </a:ext>
+            </a:extLst>
+          </p:cNvPr>
+          <p:cNvSpPr>
+            <a:spLocks noGrp="1"/>
+          </p:cNvSpPr>
+          <p:nvPr>
+            <p:ph type="title"/>
+          </p:nvPr>
+        </p:nvSpPr>
+        <p:spPr/>
+        <p:txBody>
+          <a:bodyPr/>
+          <a:lstStyle/>
+          <a:p>
+            <a:r>
+              <a:rPr lang="ja-JP" altLang="en-US"/>
+              <a:t>最先端ソルバーとの比較</a:t>
+            </a:r>
+            <a:endParaRPr kumimoji="1" lang="ja-JP" altLang="en-US"/>
+          </a:p>
+        </p:txBody>
+      </p:sp>
+      <p:sp>
+        <p:nvSpPr>
+          <p:cNvPr id="3" name="コンテンツ プレースホルダー 2">
+            <a:extLst>
+              <a:ext uri="{FF2B5EF4-FFF2-40B4-BE49-F238E27FC236}">
+                <a16:creationId xmlns:a16="http://schemas.microsoft.com/office/drawing/2014/main" id="{B3669EAE-F64F-5E4D-5E86-2F525E3DE531}"/>
+              </a:ext>
+            </a:extLst>
+          </p:cNvPr>
+          <p:cNvSpPr>
+            <a:spLocks noGrp="1"/>
+          </p:cNvSpPr>
+          <p:nvPr>
+            <p:ph idx="1"/>
+          </p:nvPr>
+        </p:nvSpPr>
+        <p:spPr/>
+        <p:txBody>
+          <a:bodyPr/>
+          <a:lstStyle/>
+          <a:p>
+            <a:endParaRPr kumimoji="1" lang="ja-JP" altLang="en-US"/>
+          </a:p>
+        </p:txBody>
+      </p:sp>
+    </p:spTree>
+    <p:extLst>
+      <p:ext uri="{BB962C8B-B14F-4D97-AF65-F5344CB8AC3E}">
+        <p14:creationId xmlns:p14="http://schemas.microsoft.com/office/powerpoint/2010/main" val="3148822998"/>
       </p:ext>
     </p:extLst>
   </p:cSld>
@@ -5476,90 +5434,6 @@
 <file path=ppt/slides/slide20.xml><?xml version="1.0" encoding="utf-8"?>
 <p:sld xmlns:a="http://schemas.openxmlformats.org/drawingml/2006/main" xmlns:r="http://schemas.openxmlformats.org/officeDocument/2006/relationships" xmlns:p="http://schemas.openxmlformats.org/presentationml/2006/main">
   <p:cSld>
-    <p:spTree>
-      <p:nvGrpSpPr>
-        <p:cNvPr id="1" name=""/>
-        <p:cNvGrpSpPr/>
-        <p:nvPr/>
-      </p:nvGrpSpPr>
-      <p:grpSpPr>
-        <a:xfrm>
-          <a:off x="0" y="0"/>
-          <a:ext cx="0" cy="0"/>
-          <a:chOff x="0" y="0"/>
-          <a:chExt cx="0" cy="0"/>
-        </a:xfrm>
-      </p:grpSpPr>
-      <p:sp>
-        <p:nvSpPr>
-          <p:cNvPr id="2" name="タイトル 1">
-            <a:extLst>
-              <a:ext uri="{FF2B5EF4-FFF2-40B4-BE49-F238E27FC236}">
-                <a16:creationId xmlns:a16="http://schemas.microsoft.com/office/drawing/2014/main" id="{9E417FE3-82D8-D110-DE30-7AA6FFE3C194}"/>
-              </a:ext>
-            </a:extLst>
-          </p:cNvPr>
-          <p:cNvSpPr>
-            <a:spLocks noGrp="1"/>
-          </p:cNvSpPr>
-          <p:nvPr>
-            <p:ph type="title"/>
-          </p:nvPr>
-        </p:nvSpPr>
-        <p:spPr/>
-        <p:txBody>
-          <a:bodyPr/>
-          <a:lstStyle/>
-          <a:p>
-            <a:r>
-              <a:rPr lang="ja-JP" altLang="en-US"/>
-              <a:t>最先端ソルバーとの比較</a:t>
-            </a:r>
-            <a:endParaRPr kumimoji="1" lang="ja-JP" altLang="en-US"/>
-          </a:p>
-        </p:txBody>
-      </p:sp>
-      <p:sp>
-        <p:nvSpPr>
-          <p:cNvPr id="3" name="コンテンツ プレースホルダー 2">
-            <a:extLst>
-              <a:ext uri="{FF2B5EF4-FFF2-40B4-BE49-F238E27FC236}">
-                <a16:creationId xmlns:a16="http://schemas.microsoft.com/office/drawing/2014/main" id="{B3669EAE-F64F-5E4D-5E86-2F525E3DE531}"/>
-              </a:ext>
-            </a:extLst>
-          </p:cNvPr>
-          <p:cNvSpPr>
-            <a:spLocks noGrp="1"/>
-          </p:cNvSpPr>
-          <p:nvPr>
-            <p:ph idx="1"/>
-          </p:nvPr>
-        </p:nvSpPr>
-        <p:spPr/>
-        <p:txBody>
-          <a:bodyPr/>
-          <a:lstStyle/>
-          <a:p>
-            <a:endParaRPr kumimoji="1" lang="ja-JP" altLang="en-US"/>
-          </a:p>
-        </p:txBody>
-      </p:sp>
-    </p:spTree>
-    <p:extLst>
-      <p:ext uri="{BB962C8B-B14F-4D97-AF65-F5344CB8AC3E}">
-        <p14:creationId xmlns:p14="http://schemas.microsoft.com/office/powerpoint/2010/main" val="3148822998"/>
-      </p:ext>
-    </p:extLst>
-  </p:cSld>
-  <p:clrMapOvr>
-    <a:masterClrMapping/>
-  </p:clrMapOvr>
-</p:sld>
-</file>
-
-<file path=ppt/slides/slide21.xml><?xml version="1.0" encoding="utf-8"?>
-<p:sld xmlns:a="http://schemas.openxmlformats.org/drawingml/2006/main" xmlns:r="http://schemas.openxmlformats.org/officeDocument/2006/relationships" xmlns:p="http://schemas.openxmlformats.org/presentationml/2006/main">
-  <p:cSld>
     <p:bg>
       <p:bgPr>
         <a:blipFill dpi="0" rotWithShape="1">
@@ -5715,7 +5589,7 @@
 </p:sld>
 </file>
 
-<file path=ppt/slides/slide22.xml><?xml version="1.0" encoding="utf-8"?>
+<file path=ppt/slides/slide21.xml><?xml version="1.0" encoding="utf-8"?>
 <p:sld xmlns:a="http://schemas.openxmlformats.org/drawingml/2006/main" xmlns:r="http://schemas.openxmlformats.org/officeDocument/2006/relationships" xmlns:p="http://schemas.openxmlformats.org/presentationml/2006/main">
   <p:cSld>
     <p:spTree>
@@ -5804,7 +5678,7 @@
 </p:sld>
 </file>
 
-<file path=ppt/slides/slide23.xml><?xml version="1.0" encoding="utf-8"?>
+<file path=ppt/slides/slide22.xml><?xml version="1.0" encoding="utf-8"?>
 <p:sld xmlns:a="http://schemas.openxmlformats.org/drawingml/2006/main" xmlns:r="http://schemas.openxmlformats.org/officeDocument/2006/relationships" xmlns:p="http://schemas.openxmlformats.org/presentationml/2006/main">
   <p:cSld>
     <p:bg>
@@ -5961,86 +5835,6 @@
 <file path=ppt/slides/slide3.xml><?xml version="1.0" encoding="utf-8"?>
 <p:sld xmlns:a="http://schemas.openxmlformats.org/drawingml/2006/main" xmlns:r="http://schemas.openxmlformats.org/officeDocument/2006/relationships" xmlns:p="http://schemas.openxmlformats.org/presentationml/2006/main">
   <p:cSld>
-    <p:spTree>
-      <p:nvGrpSpPr>
-        <p:cNvPr id="1" name=""/>
-        <p:cNvGrpSpPr/>
-        <p:nvPr/>
-      </p:nvGrpSpPr>
-      <p:grpSpPr>
-        <a:xfrm>
-          <a:off x="0" y="0"/>
-          <a:ext cx="0" cy="0"/>
-          <a:chOff x="0" y="0"/>
-          <a:chExt cx="0" cy="0"/>
-        </a:xfrm>
-      </p:grpSpPr>
-      <p:sp>
-        <p:nvSpPr>
-          <p:cNvPr id="2" name="タイトル 1">
-            <a:extLst>
-              <a:ext uri="{FF2B5EF4-FFF2-40B4-BE49-F238E27FC236}">
-                <a16:creationId xmlns:a16="http://schemas.microsoft.com/office/drawing/2014/main" id="{373BC43E-2FC3-7A7C-ED4C-091C6920DE82}"/>
-              </a:ext>
-            </a:extLst>
-          </p:cNvPr>
-          <p:cNvSpPr>
-            <a:spLocks noGrp="1"/>
-          </p:cNvSpPr>
-          <p:nvPr>
-            <p:ph type="title"/>
-          </p:nvPr>
-        </p:nvSpPr>
-        <p:spPr/>
-        <p:txBody>
-          <a:bodyPr/>
-          <a:lstStyle/>
-          <a:p>
-            <a:endParaRPr kumimoji="1" lang="ja-JP" altLang="en-US"/>
-          </a:p>
-        </p:txBody>
-      </p:sp>
-      <p:sp>
-        <p:nvSpPr>
-          <p:cNvPr id="3" name="コンテンツ プレースホルダー 2">
-            <a:extLst>
-              <a:ext uri="{FF2B5EF4-FFF2-40B4-BE49-F238E27FC236}">
-                <a16:creationId xmlns:a16="http://schemas.microsoft.com/office/drawing/2014/main" id="{E7DA5649-754A-3566-7FD4-BE885D9ACA3B}"/>
-              </a:ext>
-            </a:extLst>
-          </p:cNvPr>
-          <p:cNvSpPr>
-            <a:spLocks noGrp="1"/>
-          </p:cNvSpPr>
-          <p:nvPr>
-            <p:ph idx="1"/>
-          </p:nvPr>
-        </p:nvSpPr>
-        <p:spPr/>
-        <p:txBody>
-          <a:bodyPr/>
-          <a:lstStyle/>
-          <a:p>
-            <a:endParaRPr kumimoji="1" lang="ja-JP" altLang="en-US"/>
-          </a:p>
-        </p:txBody>
-      </p:sp>
-    </p:spTree>
-    <p:extLst>
-      <p:ext uri="{BB962C8B-B14F-4D97-AF65-F5344CB8AC3E}">
-        <p14:creationId xmlns:p14="http://schemas.microsoft.com/office/powerpoint/2010/main" val="4001408067"/>
-      </p:ext>
-    </p:extLst>
-  </p:cSld>
-  <p:clrMapOvr>
-    <a:masterClrMapping/>
-  </p:clrMapOvr>
-</p:sld>
-</file>
-
-<file path=ppt/slides/slide4.xml><?xml version="1.0" encoding="utf-8"?>
-<p:sld xmlns:a="http://schemas.openxmlformats.org/drawingml/2006/main" xmlns:r="http://schemas.openxmlformats.org/officeDocument/2006/relationships" xmlns:p="http://schemas.openxmlformats.org/presentationml/2006/main">
-  <p:cSld>
     <p:bg>
       <p:bgPr>
         <a:blipFill dpi="0" rotWithShape="1">
@@ -6132,7 +5926,7 @@
 </p:sld>
 </file>
 
-<file path=ppt/slides/slide5.xml><?xml version="1.0" encoding="utf-8"?>
+<file path=ppt/slides/slide4.xml><?xml version="1.0" encoding="utf-8"?>
 <p:sld xmlns:a="http://schemas.openxmlformats.org/drawingml/2006/main" xmlns:r="http://schemas.openxmlformats.org/officeDocument/2006/relationships" xmlns:p="http://schemas.openxmlformats.org/presentationml/2006/main">
   <p:cSld>
     <p:spTree>
@@ -6215,7 +6009,7 @@
 </p:sld>
 </file>
 
-<file path=ppt/slides/slide6.xml><?xml version="1.0" encoding="utf-8"?>
+<file path=ppt/slides/slide5.xml><?xml version="1.0" encoding="utf-8"?>
 <p:sld xmlns:a="http://schemas.openxmlformats.org/drawingml/2006/main" xmlns:r="http://schemas.openxmlformats.org/officeDocument/2006/relationships" xmlns:p="http://schemas.openxmlformats.org/presentationml/2006/main">
   <p:cSld>
     <p:bg>
@@ -6489,7 +6283,7 @@
 </p:sld>
 </file>
 
-<file path=ppt/slides/slide7.xml><?xml version="1.0" encoding="utf-8"?>
+<file path=ppt/slides/slide6.xml><?xml version="1.0" encoding="utf-8"?>
 <p:sld xmlns:a="http://schemas.openxmlformats.org/drawingml/2006/main" xmlns:r="http://schemas.openxmlformats.org/officeDocument/2006/relationships" xmlns:p="http://schemas.openxmlformats.org/presentationml/2006/main">
   <p:cSld>
     <p:bg>
@@ -6614,7 +6408,7 @@
 </p:sld>
 </file>
 
-<file path=ppt/slides/slide8.xml><?xml version="1.0" encoding="utf-8"?>
+<file path=ppt/slides/slide7.xml><?xml version="1.0" encoding="utf-8"?>
 <p:sld xmlns:a="http://schemas.openxmlformats.org/drawingml/2006/main" xmlns:r="http://schemas.openxmlformats.org/officeDocument/2006/relationships" xmlns:p="http://schemas.openxmlformats.org/presentationml/2006/main">
   <p:cSld>
     <p:bg>
@@ -6739,7 +6533,7 @@
 </p:sld>
 </file>
 
-<file path=ppt/slides/slide9.xml><?xml version="1.0" encoding="utf-8"?>
+<file path=ppt/slides/slide8.xml><?xml version="1.0" encoding="utf-8"?>
 <p:sld xmlns:a="http://schemas.openxmlformats.org/drawingml/2006/main" xmlns:r="http://schemas.openxmlformats.org/officeDocument/2006/relationships" xmlns:p="http://schemas.openxmlformats.org/presentationml/2006/main">
   <p:cSld>
     <p:bg>
@@ -6850,6 +6644,131 @@
     <p:extLst>
       <p:ext uri="{BB962C8B-B14F-4D97-AF65-F5344CB8AC3E}">
         <p14:creationId xmlns:p14="http://schemas.microsoft.com/office/powerpoint/2010/main" val="4090322049"/>
+      </p:ext>
+    </p:extLst>
+  </p:cSld>
+  <p:clrMapOvr>
+    <a:masterClrMapping/>
+  </p:clrMapOvr>
+</p:sld>
+</file>
+
+<file path=ppt/slides/slide9.xml><?xml version="1.0" encoding="utf-8"?>
+<p:sld xmlns:a="http://schemas.openxmlformats.org/drawingml/2006/main" xmlns:r="http://schemas.openxmlformats.org/officeDocument/2006/relationships" xmlns:p="http://schemas.openxmlformats.org/presentationml/2006/main">
+  <p:cSld>
+    <p:bg>
+      <p:bgPr>
+        <a:blipFill dpi="0" rotWithShape="1">
+          <a:blip r:embed="rId2">
+            <a:lum/>
+          </a:blip>
+          <a:srcRect/>
+          <a:stretch>
+            <a:fillRect t="-3000" b="-3000"/>
+          </a:stretch>
+        </a:blipFill>
+        <a:effectLst/>
+      </p:bgPr>
+    </p:bg>
+    <p:spTree>
+      <p:nvGrpSpPr>
+        <p:cNvPr id="1" name="">
+          <a:extLst>
+            <a:ext uri="{FF2B5EF4-FFF2-40B4-BE49-F238E27FC236}">
+              <a16:creationId xmlns:a16="http://schemas.microsoft.com/office/drawing/2014/main" id="{42267E89-773D-FE50-C8F9-1E192C69299D}"/>
+            </a:ext>
+          </a:extLst>
+        </p:cNvPr>
+        <p:cNvGrpSpPr/>
+        <p:nvPr/>
+      </p:nvGrpSpPr>
+      <p:grpSpPr>
+        <a:xfrm>
+          <a:off x="0" y="0"/>
+          <a:ext cx="0" cy="0"/>
+          <a:chOff x="0" y="0"/>
+          <a:chExt cx="0" cy="0"/>
+        </a:xfrm>
+      </p:grpSpPr>
+      <p:sp>
+        <p:nvSpPr>
+          <p:cNvPr id="6" name="テキスト ボックス 5">
+            <a:extLst>
+              <a:ext uri="{FF2B5EF4-FFF2-40B4-BE49-F238E27FC236}">
+                <a16:creationId xmlns:a16="http://schemas.microsoft.com/office/drawing/2014/main" id="{23F393FB-3A22-A842-EEF3-3D175C419FCF}"/>
+              </a:ext>
+            </a:extLst>
+          </p:cNvPr>
+          <p:cNvSpPr txBox="1"/>
+          <p:nvPr/>
+        </p:nvSpPr>
+        <p:spPr>
+          <a:xfrm>
+            <a:off x="5657418" y="6488668"/>
+            <a:ext cx="877163" cy="369332"/>
+          </a:xfrm>
+          <a:prstGeom prst="rect">
+            <a:avLst/>
+          </a:prstGeom>
+          <a:noFill/>
+        </p:spPr>
+        <p:txBody>
+          <a:bodyPr wrap="none" rtlCol="0">
+            <a:spAutoFit/>
+          </a:bodyPr>
+          <a:lstStyle/>
+          <a:p>
+            <a:r>
+              <a:rPr kumimoji="1" lang="ja-JP" altLang="en-US"/>
+              <a:t>世代数</a:t>
+            </a:r>
+          </a:p>
+        </p:txBody>
+      </p:sp>
+      <p:sp>
+        <p:nvSpPr>
+          <p:cNvPr id="7" name="テキスト ボックス 6">
+            <a:extLst>
+              <a:ext uri="{FF2B5EF4-FFF2-40B4-BE49-F238E27FC236}">
+                <a16:creationId xmlns:a16="http://schemas.microsoft.com/office/drawing/2014/main" id="{DC4988DF-AB4C-D365-BA64-DCA1F20F0CAB}"/>
+              </a:ext>
+            </a:extLst>
+          </p:cNvPr>
+          <p:cNvSpPr txBox="1"/>
+          <p:nvPr/>
+        </p:nvSpPr>
+        <p:spPr>
+          <a:xfrm>
+            <a:off x="0" y="2967335"/>
+            <a:ext cx="1233890" cy="923330"/>
+          </a:xfrm>
+          <a:prstGeom prst="rect">
+            <a:avLst/>
+          </a:prstGeom>
+          <a:noFill/>
+        </p:spPr>
+        <p:txBody>
+          <a:bodyPr wrap="square" rtlCol="0">
+            <a:spAutoFit/>
+          </a:bodyPr>
+          <a:lstStyle/>
+          <a:p>
+            <a:r>
+              <a:rPr lang="en-US" altLang="ja-JP" dirty="0" err="1"/>
+              <a:t>MiniSat</a:t>
+            </a:r>
+            <a:r>
+              <a:rPr lang="ja-JP" altLang="en-US"/>
+              <a:t>比で見た証明の長さ</a:t>
+            </a:r>
+            <a:endParaRPr kumimoji="1" lang="ja-JP" altLang="en-US"/>
+          </a:p>
+        </p:txBody>
+      </p:sp>
+    </p:spTree>
+    <p:extLst>
+      <p:ext uri="{BB962C8B-B14F-4D97-AF65-F5344CB8AC3E}">
+        <p14:creationId xmlns:p14="http://schemas.microsoft.com/office/powerpoint/2010/main" val="3143854536"/>
       </p:ext>
     </p:extLst>
   </p:cSld>
